--- a/minicurso.pptx
+++ b/minicurso.pptx
@@ -8,10 +8,11 @@
     <p:sldId id="256" r:id="rId2"/>
     <p:sldId id="257" r:id="rId3"/>
     <p:sldId id="263" r:id="rId4"/>
-    <p:sldId id="259" r:id="rId5"/>
-    <p:sldId id="260" r:id="rId6"/>
-    <p:sldId id="261" r:id="rId7"/>
-    <p:sldId id="262" r:id="rId8"/>
+    <p:sldId id="264" r:id="rId5"/>
+    <p:sldId id="259" r:id="rId6"/>
+    <p:sldId id="260" r:id="rId7"/>
+    <p:sldId id="261" r:id="rId8"/>
+    <p:sldId id="262" r:id="rId9"/>
   </p:sldIdLst>
   <p:sldSz cx="9144000" cy="6858000" type="screen4x3"/>
   <p:notesSz cx="6858000" cy="9144000"/>
@@ -294,7 +295,8 @@
           <a:p>
             <a:fld id="{40240F06-907F-42B6-9FC0-93FCE9DDC2CF}" type="datetimeFigureOut">
               <a:rPr lang="pt-BR" smtClean="0"/>
-              <a:t>05/12/2021</a:t>
+              <a:pPr/>
+              <a:t>06/12/2021</a:t>
             </a:fld>
             <a:endParaRPr lang="pt-BR"/>
           </a:p>
@@ -336,6 +338,7 @@
           <a:p>
             <a:fld id="{E5E5F2EF-31EB-40B0-BC42-D4280636815D}" type="slidenum">
               <a:rPr lang="pt-BR" smtClean="0"/>
+              <a:pPr/>
               <a:t>‹nº›</a:t>
             </a:fld>
             <a:endParaRPr lang="pt-BR"/>
@@ -459,7 +462,8 @@
           <a:p>
             <a:fld id="{40240F06-907F-42B6-9FC0-93FCE9DDC2CF}" type="datetimeFigureOut">
               <a:rPr lang="pt-BR" smtClean="0"/>
-              <a:t>05/12/2021</a:t>
+              <a:pPr/>
+              <a:t>06/12/2021</a:t>
             </a:fld>
             <a:endParaRPr lang="pt-BR"/>
           </a:p>
@@ -501,6 +505,7 @@
           <a:p>
             <a:fld id="{E5E5F2EF-31EB-40B0-BC42-D4280636815D}" type="slidenum">
               <a:rPr lang="pt-BR" smtClean="0"/>
+              <a:pPr/>
               <a:t>‹nº›</a:t>
             </a:fld>
             <a:endParaRPr lang="pt-BR"/>
@@ -634,7 +639,8 @@
           <a:p>
             <a:fld id="{40240F06-907F-42B6-9FC0-93FCE9DDC2CF}" type="datetimeFigureOut">
               <a:rPr lang="pt-BR" smtClean="0"/>
-              <a:t>05/12/2021</a:t>
+              <a:pPr/>
+              <a:t>06/12/2021</a:t>
             </a:fld>
             <a:endParaRPr lang="pt-BR"/>
           </a:p>
@@ -676,6 +682,7 @@
           <a:p>
             <a:fld id="{E5E5F2EF-31EB-40B0-BC42-D4280636815D}" type="slidenum">
               <a:rPr lang="pt-BR" smtClean="0"/>
+              <a:pPr/>
               <a:t>‹nº›</a:t>
             </a:fld>
             <a:endParaRPr lang="pt-BR"/>
@@ -799,7 +806,8 @@
           <a:p>
             <a:fld id="{40240F06-907F-42B6-9FC0-93FCE9DDC2CF}" type="datetimeFigureOut">
               <a:rPr lang="pt-BR" smtClean="0"/>
-              <a:t>05/12/2021</a:t>
+              <a:pPr/>
+              <a:t>06/12/2021</a:t>
             </a:fld>
             <a:endParaRPr lang="pt-BR"/>
           </a:p>
@@ -841,6 +849,7 @@
           <a:p>
             <a:fld id="{E5E5F2EF-31EB-40B0-BC42-D4280636815D}" type="slidenum">
               <a:rPr lang="pt-BR" smtClean="0"/>
+              <a:pPr/>
               <a:t>‹nº›</a:t>
             </a:fld>
             <a:endParaRPr lang="pt-BR"/>
@@ -1040,7 +1049,8 @@
           <a:p>
             <a:fld id="{40240F06-907F-42B6-9FC0-93FCE9DDC2CF}" type="datetimeFigureOut">
               <a:rPr lang="pt-BR" smtClean="0"/>
-              <a:t>05/12/2021</a:t>
+              <a:pPr/>
+              <a:t>06/12/2021</a:t>
             </a:fld>
             <a:endParaRPr lang="pt-BR"/>
           </a:p>
@@ -1082,6 +1092,7 @@
           <a:p>
             <a:fld id="{E5E5F2EF-31EB-40B0-BC42-D4280636815D}" type="slidenum">
               <a:rPr lang="pt-BR" smtClean="0"/>
+              <a:pPr/>
               <a:t>‹nº›</a:t>
             </a:fld>
             <a:endParaRPr lang="pt-BR"/>
@@ -1323,7 +1334,8 @@
           <a:p>
             <a:fld id="{40240F06-907F-42B6-9FC0-93FCE9DDC2CF}" type="datetimeFigureOut">
               <a:rPr lang="pt-BR" smtClean="0"/>
-              <a:t>05/12/2021</a:t>
+              <a:pPr/>
+              <a:t>06/12/2021</a:t>
             </a:fld>
             <a:endParaRPr lang="pt-BR"/>
           </a:p>
@@ -1365,6 +1377,7 @@
           <a:p>
             <a:fld id="{E5E5F2EF-31EB-40B0-BC42-D4280636815D}" type="slidenum">
               <a:rPr lang="pt-BR" smtClean="0"/>
+              <a:pPr/>
               <a:t>‹nº›</a:t>
             </a:fld>
             <a:endParaRPr lang="pt-BR"/>
@@ -1740,7 +1753,8 @@
           <a:p>
             <a:fld id="{40240F06-907F-42B6-9FC0-93FCE9DDC2CF}" type="datetimeFigureOut">
               <a:rPr lang="pt-BR" smtClean="0"/>
-              <a:t>05/12/2021</a:t>
+              <a:pPr/>
+              <a:t>06/12/2021</a:t>
             </a:fld>
             <a:endParaRPr lang="pt-BR"/>
           </a:p>
@@ -1782,6 +1796,7 @@
           <a:p>
             <a:fld id="{E5E5F2EF-31EB-40B0-BC42-D4280636815D}" type="slidenum">
               <a:rPr lang="pt-BR" smtClean="0"/>
+              <a:pPr/>
               <a:t>‹nº›</a:t>
             </a:fld>
             <a:endParaRPr lang="pt-BR"/>
@@ -1853,7 +1868,8 @@
           <a:p>
             <a:fld id="{40240F06-907F-42B6-9FC0-93FCE9DDC2CF}" type="datetimeFigureOut">
               <a:rPr lang="pt-BR" smtClean="0"/>
-              <a:t>05/12/2021</a:t>
+              <a:pPr/>
+              <a:t>06/12/2021</a:t>
             </a:fld>
             <a:endParaRPr lang="pt-BR"/>
           </a:p>
@@ -1895,6 +1911,7 @@
           <a:p>
             <a:fld id="{E5E5F2EF-31EB-40B0-BC42-D4280636815D}" type="slidenum">
               <a:rPr lang="pt-BR" smtClean="0"/>
+              <a:pPr/>
               <a:t>‹nº›</a:t>
             </a:fld>
             <a:endParaRPr lang="pt-BR"/>
@@ -1943,7 +1960,8 @@
           <a:p>
             <a:fld id="{40240F06-907F-42B6-9FC0-93FCE9DDC2CF}" type="datetimeFigureOut">
               <a:rPr lang="pt-BR" smtClean="0"/>
-              <a:t>05/12/2021</a:t>
+              <a:pPr/>
+              <a:t>06/12/2021</a:t>
             </a:fld>
             <a:endParaRPr lang="pt-BR"/>
           </a:p>
@@ -1985,6 +2003,7 @@
           <a:p>
             <a:fld id="{E5E5F2EF-31EB-40B0-BC42-D4280636815D}" type="slidenum">
               <a:rPr lang="pt-BR" smtClean="0"/>
+              <a:pPr/>
               <a:t>‹nº›</a:t>
             </a:fld>
             <a:endParaRPr lang="pt-BR"/>
@@ -2215,7 +2234,8 @@
           <a:p>
             <a:fld id="{40240F06-907F-42B6-9FC0-93FCE9DDC2CF}" type="datetimeFigureOut">
               <a:rPr lang="pt-BR" smtClean="0"/>
-              <a:t>05/12/2021</a:t>
+              <a:pPr/>
+              <a:t>06/12/2021</a:t>
             </a:fld>
             <a:endParaRPr lang="pt-BR"/>
           </a:p>
@@ -2257,6 +2277,7 @@
           <a:p>
             <a:fld id="{E5E5F2EF-31EB-40B0-BC42-D4280636815D}" type="slidenum">
               <a:rPr lang="pt-BR" smtClean="0"/>
+              <a:pPr/>
               <a:t>‹nº›</a:t>
             </a:fld>
             <a:endParaRPr lang="pt-BR"/>
@@ -2463,7 +2484,8 @@
           <a:p>
             <a:fld id="{40240F06-907F-42B6-9FC0-93FCE9DDC2CF}" type="datetimeFigureOut">
               <a:rPr lang="pt-BR" smtClean="0"/>
-              <a:t>05/12/2021</a:t>
+              <a:pPr/>
+              <a:t>06/12/2021</a:t>
             </a:fld>
             <a:endParaRPr lang="pt-BR"/>
           </a:p>
@@ -2505,6 +2527,7 @@
           <a:p>
             <a:fld id="{E5E5F2EF-31EB-40B0-BC42-D4280636815D}" type="slidenum">
               <a:rPr lang="pt-BR" smtClean="0"/>
+              <a:pPr/>
               <a:t>‹nº›</a:t>
             </a:fld>
             <a:endParaRPr lang="pt-BR"/>
@@ -2671,7 +2694,8 @@
           <a:p>
             <a:fld id="{40240F06-907F-42B6-9FC0-93FCE9DDC2CF}" type="datetimeFigureOut">
               <a:rPr lang="pt-BR" smtClean="0"/>
-              <a:t>05/12/2021</a:t>
+              <a:pPr/>
+              <a:t>06/12/2021</a:t>
             </a:fld>
             <a:endParaRPr lang="pt-BR"/>
           </a:p>
@@ -2749,6 +2773,7 @@
           <a:p>
             <a:fld id="{E5E5F2EF-31EB-40B0-BC42-D4280636815D}" type="slidenum">
               <a:rPr lang="pt-BR" smtClean="0"/>
+              <a:pPr/>
               <a:t>‹nº›</a:t>
             </a:fld>
             <a:endParaRPr lang="pt-BR"/>
@@ -8957,7 +8982,7 @@
         </p:nvSpPr>
         <p:spPr>
           <a:xfrm>
-            <a:off x="1857356" y="2786058"/>
+            <a:off x="7858148" y="3143248"/>
             <a:ext cx="214314" cy="214314"/>
           </a:xfrm>
           <a:prstGeom prst="ellipse">
@@ -9001,15 +9026,15 @@
         <p:nvCxnSpPr>
           <p:cNvPr id="128" name="Conector reto 127"/>
           <p:cNvCxnSpPr>
-            <a:stCxn id="84" idx="0"/>
+            <a:stCxn id="98" idx="3"/>
             <a:endCxn id="127" idx="3"/>
           </p:cNvCxnSpPr>
           <p:nvPr/>
         </p:nvCxnSpPr>
         <p:spPr>
-          <a:xfrm rot="5400000" flipH="1" flipV="1">
-            <a:off x="1557316" y="3026137"/>
-            <a:ext cx="388576" cy="274275"/>
+          <a:xfrm flipV="1">
+            <a:off x="7541916" y="3326176"/>
+            <a:ext cx="347618" cy="316820"/>
           </a:xfrm>
           <a:prstGeom prst="line">
             <a:avLst/>
@@ -9042,8 +9067,8 @@
           <p:nvPr/>
         </p:nvSpPr>
         <p:spPr>
-          <a:xfrm rot="18420031">
-            <a:off x="1802627" y="2327662"/>
+          <a:xfrm rot="20433215">
+            <a:off x="8099927" y="2930497"/>
             <a:ext cx="923067" cy="323165"/>
           </a:xfrm>
           <a:prstGeom prst="rect">
@@ -9073,7 +9098,7 @@
         </p:nvSpPr>
         <p:spPr>
           <a:xfrm>
-            <a:off x="1428728" y="2786058"/>
+            <a:off x="7743848" y="3746139"/>
             <a:ext cx="214314" cy="214314"/>
           </a:xfrm>
           <a:prstGeom prst="ellipse">
@@ -9117,15 +9142,15 @@
         <p:nvCxnSpPr>
           <p:cNvPr id="137" name="Conector reto 136"/>
           <p:cNvCxnSpPr>
-            <a:stCxn id="84" idx="0"/>
-            <a:endCxn id="136" idx="4"/>
+            <a:stCxn id="98" idx="3"/>
+            <a:endCxn id="136" idx="2"/>
           </p:cNvCxnSpPr>
           <p:nvPr/>
         </p:nvCxnSpPr>
         <p:spPr>
-          <a:xfrm rot="16200000" flipV="1">
-            <a:off x="1396581" y="3139676"/>
-            <a:ext cx="357190" cy="78582"/>
+          <a:xfrm>
+            <a:off x="7541916" y="3642996"/>
+            <a:ext cx="201932" cy="210300"/>
           </a:xfrm>
           <a:prstGeom prst="line">
             <a:avLst/>
@@ -9158,8 +9183,8 @@
           <p:nvPr/>
         </p:nvSpPr>
         <p:spPr>
-          <a:xfrm rot="18420031">
-            <a:off x="1346206" y="2304496"/>
+          <a:xfrm rot="20715901">
+            <a:off x="8026944" y="3541076"/>
             <a:ext cx="923067" cy="323165"/>
           </a:xfrm>
           <a:prstGeom prst="rect">
@@ -9607,7 +9632,7 @@
               <a:rPr lang="pt-BR" dirty="0" smtClean="0">
                 <a:latin typeface="Book Antiqua" pitchFamily="18" charset="0"/>
               </a:rPr>
-              <a:t>n</a:t>
+              <a:t>1</a:t>
             </a:r>
             <a:endParaRPr lang="pt-BR" dirty="0">
               <a:latin typeface="Book Antiqua" pitchFamily="18" charset="0"/>
@@ -9718,6 +9743,36 @@
           </a:fontRef>
         </p:style>
       </p:cxnSp>
+      <p:sp>
+        <p:nvSpPr>
+          <p:cNvPr id="130" name="CaixaDeTexto 129"/>
+          <p:cNvSpPr txBox="1"/>
+          <p:nvPr/>
+        </p:nvSpPr>
+        <p:spPr>
+          <a:xfrm>
+            <a:off x="6858016" y="3500438"/>
+            <a:ext cx="928694" cy="261610"/>
+          </a:xfrm>
+          <a:prstGeom prst="rect">
+            <a:avLst/>
+          </a:prstGeom>
+          <a:noFill/>
+        </p:spPr>
+        <p:txBody>
+          <a:bodyPr wrap="square" rtlCol="0">
+            <a:spAutoFit/>
+          </a:bodyPr>
+          <a:lstStyle/>
+          <a:p>
+            <a:r>
+              <a:rPr lang="pt-BR" sz="1100" dirty="0" smtClean="0"/>
+              <a:t>turma</a:t>
+            </a:r>
+            <a:endParaRPr lang="pt-BR" sz="1100" dirty="0"/>
+          </a:p>
+        </p:txBody>
+      </p:sp>
     </p:spTree>
   </p:cSld>
   <p:clrMapOvr>
@@ -9734,6 +9789,5263 @@
 </file>
 
 <file path=ppt/slides/slide4.xml><?xml version="1.0" encoding="utf-8"?>
+<p:sld xmlns:a="http://schemas.openxmlformats.org/drawingml/2006/main" xmlns:r="http://schemas.openxmlformats.org/officeDocument/2006/relationships" xmlns:p="http://schemas.openxmlformats.org/presentationml/2006/main">
+  <p:cSld>
+    <p:spTree>
+      <p:nvGrpSpPr>
+        <p:cNvPr id="1" name=""/>
+        <p:cNvGrpSpPr/>
+        <p:nvPr/>
+      </p:nvGrpSpPr>
+      <p:grpSpPr>
+        <a:xfrm>
+          <a:off x="0" y="0"/>
+          <a:ext cx="0" cy="0"/>
+          <a:chOff x="0" y="0"/>
+          <a:chExt cx="0" cy="0"/>
+        </a:xfrm>
+      </p:grpSpPr>
+      <p:sp>
+        <p:nvSpPr>
+          <p:cNvPr id="4" name="CaixaDeTexto 3"/>
+          <p:cNvSpPr txBox="1"/>
+          <p:nvPr/>
+        </p:nvSpPr>
+        <p:spPr>
+          <a:xfrm>
+            <a:off x="214282" y="3143248"/>
+            <a:ext cx="2643206" cy="461665"/>
+          </a:xfrm>
+          <a:prstGeom prst="rect">
+            <a:avLst/>
+          </a:prstGeom>
+          <a:solidFill>
+            <a:schemeClr val="bg1"/>
+          </a:solidFill>
+          <a:ln w="25400">
+            <a:solidFill>
+              <a:schemeClr val="accent6">
+                <a:lumMod val="75000"/>
+              </a:schemeClr>
+            </a:solidFill>
+          </a:ln>
+        </p:spPr>
+        <p:txBody>
+          <a:bodyPr wrap="square" rtlCol="0">
+            <a:spAutoFit/>
+          </a:bodyPr>
+          <a:lstStyle/>
+          <a:p>
+            <a:pPr algn="ctr"/>
+            <a:r>
+              <a:rPr lang="pt-BR" sz="2400" b="1" dirty="0" smtClean="0">
+                <a:solidFill>
+                  <a:schemeClr val="accent6">
+                    <a:lumMod val="75000"/>
+                  </a:schemeClr>
+                </a:solidFill>
+              </a:rPr>
+              <a:t>DISCIPLINA</a:t>
+            </a:r>
+            <a:endParaRPr lang="pt-BR" sz="2400" b="1" dirty="0">
+              <a:solidFill>
+                <a:schemeClr val="accent6">
+                  <a:lumMod val="75000"/>
+                </a:schemeClr>
+              </a:solidFill>
+            </a:endParaRPr>
+          </a:p>
+        </p:txBody>
+      </p:sp>
+      <p:sp>
+        <p:nvSpPr>
+          <p:cNvPr id="5" name="CaixaDeTexto 4"/>
+          <p:cNvSpPr txBox="1"/>
+          <p:nvPr/>
+        </p:nvSpPr>
+        <p:spPr>
+          <a:xfrm>
+            <a:off x="5786446" y="2395831"/>
+            <a:ext cx="2643206" cy="461665"/>
+          </a:xfrm>
+          <a:prstGeom prst="rect">
+            <a:avLst/>
+          </a:prstGeom>
+          <a:solidFill>
+            <a:schemeClr val="bg1"/>
+          </a:solidFill>
+          <a:ln w="25400">
+            <a:solidFill>
+              <a:schemeClr val="accent1">
+                <a:lumMod val="75000"/>
+              </a:schemeClr>
+            </a:solidFill>
+          </a:ln>
+        </p:spPr>
+        <p:txBody>
+          <a:bodyPr wrap="square" rtlCol="0">
+            <a:spAutoFit/>
+          </a:bodyPr>
+          <a:lstStyle/>
+          <a:p>
+            <a:pPr algn="ctr"/>
+            <a:r>
+              <a:rPr lang="pt-BR" sz="2400" b="1" dirty="0" smtClean="0">
+                <a:solidFill>
+                  <a:schemeClr val="accent1">
+                    <a:lumMod val="75000"/>
+                  </a:schemeClr>
+                </a:solidFill>
+              </a:rPr>
+              <a:t>PROFESSOR</a:t>
+            </a:r>
+            <a:endParaRPr lang="pt-BR" sz="2400" b="1" dirty="0">
+              <a:solidFill>
+                <a:schemeClr val="accent1">
+                  <a:lumMod val="75000"/>
+                </a:schemeClr>
+              </a:solidFill>
+            </a:endParaRPr>
+          </a:p>
+        </p:txBody>
+      </p:sp>
+      <p:sp>
+        <p:nvSpPr>
+          <p:cNvPr id="6" name="CaixaDeTexto 5"/>
+          <p:cNvSpPr txBox="1"/>
+          <p:nvPr/>
+        </p:nvSpPr>
+        <p:spPr>
+          <a:xfrm>
+            <a:off x="642910" y="1214422"/>
+            <a:ext cx="2643206" cy="461665"/>
+          </a:xfrm>
+          <a:prstGeom prst="rect">
+            <a:avLst/>
+          </a:prstGeom>
+          <a:solidFill>
+            <a:schemeClr val="bg1"/>
+          </a:solidFill>
+          <a:ln w="25400">
+            <a:solidFill>
+              <a:schemeClr val="accent3">
+                <a:lumMod val="75000"/>
+              </a:schemeClr>
+            </a:solidFill>
+          </a:ln>
+        </p:spPr>
+        <p:txBody>
+          <a:bodyPr wrap="square" rtlCol="0">
+            <a:spAutoFit/>
+          </a:bodyPr>
+          <a:lstStyle/>
+          <a:p>
+            <a:pPr algn="ctr"/>
+            <a:r>
+              <a:rPr lang="pt-BR" sz="2400" b="1" dirty="0" smtClean="0">
+                <a:solidFill>
+                  <a:schemeClr val="accent3">
+                    <a:lumMod val="75000"/>
+                  </a:schemeClr>
+                </a:solidFill>
+              </a:rPr>
+              <a:t>DEPARTAMENTO</a:t>
+            </a:r>
+            <a:endParaRPr lang="pt-BR" sz="2400" b="1" dirty="0">
+              <a:solidFill>
+                <a:schemeClr val="accent3">
+                  <a:lumMod val="75000"/>
+                </a:schemeClr>
+              </a:solidFill>
+            </a:endParaRPr>
+          </a:p>
+        </p:txBody>
+      </p:sp>
+      <p:sp>
+        <p:nvSpPr>
+          <p:cNvPr id="7" name="CaixaDeTexto 6"/>
+          <p:cNvSpPr txBox="1"/>
+          <p:nvPr/>
+        </p:nvSpPr>
+        <p:spPr>
+          <a:xfrm>
+            <a:off x="285720" y="4643446"/>
+            <a:ext cx="2643206" cy="461665"/>
+          </a:xfrm>
+          <a:prstGeom prst="rect">
+            <a:avLst/>
+          </a:prstGeom>
+          <a:solidFill>
+            <a:schemeClr val="bg1"/>
+          </a:solidFill>
+          <a:ln w="25400">
+            <a:solidFill>
+              <a:schemeClr val="accent2"/>
+            </a:solidFill>
+          </a:ln>
+        </p:spPr>
+        <p:txBody>
+          <a:bodyPr wrap="square" rtlCol="0">
+            <a:spAutoFit/>
+          </a:bodyPr>
+          <a:lstStyle/>
+          <a:p>
+            <a:pPr algn="ctr"/>
+            <a:r>
+              <a:rPr lang="pt-BR" sz="2400" b="1" dirty="0" smtClean="0">
+                <a:solidFill>
+                  <a:schemeClr val="accent2"/>
+                </a:solidFill>
+              </a:rPr>
+              <a:t>ESTUDANTE</a:t>
+            </a:r>
+            <a:endParaRPr lang="pt-BR" sz="2400" b="1" dirty="0">
+              <a:solidFill>
+                <a:schemeClr val="accent2"/>
+              </a:solidFill>
+            </a:endParaRPr>
+          </a:p>
+        </p:txBody>
+      </p:sp>
+      <p:sp>
+        <p:nvSpPr>
+          <p:cNvPr id="9" name="Elipse 8"/>
+          <p:cNvSpPr/>
+          <p:nvPr/>
+        </p:nvSpPr>
+        <p:spPr>
+          <a:xfrm>
+            <a:off x="590522" y="5338776"/>
+            <a:ext cx="214314" cy="214314"/>
+          </a:xfrm>
+          <a:prstGeom prst="ellipse">
+            <a:avLst/>
+          </a:prstGeom>
+          <a:solidFill>
+            <a:schemeClr val="accent2"/>
+          </a:solidFill>
+          <a:ln>
+            <a:solidFill>
+              <a:schemeClr val="accent2"/>
+            </a:solidFill>
+          </a:ln>
+        </p:spPr>
+        <p:style>
+          <a:lnRef idx="2">
+            <a:schemeClr val="accent1">
+              <a:shade val="50000"/>
+            </a:schemeClr>
+          </a:lnRef>
+          <a:fillRef idx="1">
+            <a:schemeClr val="accent1"/>
+          </a:fillRef>
+          <a:effectRef idx="0">
+            <a:schemeClr val="accent1"/>
+          </a:effectRef>
+          <a:fontRef idx="minor">
+            <a:schemeClr val="lt1"/>
+          </a:fontRef>
+        </p:style>
+        <p:txBody>
+          <a:bodyPr rtlCol="0" anchor="ctr"/>
+          <a:lstStyle/>
+          <a:p>
+            <a:pPr algn="ctr"/>
+            <a:endParaRPr lang="pt-BR"/>
+          </a:p>
+        </p:txBody>
+      </p:sp>
+      <p:sp>
+        <p:nvSpPr>
+          <p:cNvPr id="10" name="Elipse 9"/>
+          <p:cNvSpPr/>
+          <p:nvPr/>
+        </p:nvSpPr>
+        <p:spPr>
+          <a:xfrm>
+            <a:off x="1357290" y="5338776"/>
+            <a:ext cx="214314" cy="214314"/>
+          </a:xfrm>
+          <a:prstGeom prst="ellipse">
+            <a:avLst/>
+          </a:prstGeom>
+          <a:solidFill>
+            <a:schemeClr val="bg1"/>
+          </a:solidFill>
+          <a:ln>
+            <a:solidFill>
+              <a:schemeClr val="accent2"/>
+            </a:solidFill>
+          </a:ln>
+        </p:spPr>
+        <p:style>
+          <a:lnRef idx="2">
+            <a:schemeClr val="accent1">
+              <a:shade val="50000"/>
+            </a:schemeClr>
+          </a:lnRef>
+          <a:fillRef idx="1">
+            <a:schemeClr val="accent1"/>
+          </a:fillRef>
+          <a:effectRef idx="0">
+            <a:schemeClr val="accent1"/>
+          </a:effectRef>
+          <a:fontRef idx="minor">
+            <a:schemeClr val="lt1"/>
+          </a:fontRef>
+        </p:style>
+        <p:txBody>
+          <a:bodyPr rtlCol="0" anchor="ctr"/>
+          <a:lstStyle/>
+          <a:p>
+            <a:pPr algn="ctr"/>
+            <a:endParaRPr lang="pt-BR"/>
+          </a:p>
+        </p:txBody>
+      </p:sp>
+      <p:sp>
+        <p:nvSpPr>
+          <p:cNvPr id="11" name="Elipse 10"/>
+          <p:cNvSpPr/>
+          <p:nvPr/>
+        </p:nvSpPr>
+        <p:spPr>
+          <a:xfrm>
+            <a:off x="2152633" y="5329251"/>
+            <a:ext cx="214314" cy="214314"/>
+          </a:xfrm>
+          <a:prstGeom prst="ellipse">
+            <a:avLst/>
+          </a:prstGeom>
+          <a:solidFill>
+            <a:schemeClr val="bg1"/>
+          </a:solidFill>
+          <a:ln>
+            <a:solidFill>
+              <a:schemeClr val="accent2"/>
+            </a:solidFill>
+          </a:ln>
+        </p:spPr>
+        <p:style>
+          <a:lnRef idx="2">
+            <a:schemeClr val="accent1">
+              <a:shade val="50000"/>
+            </a:schemeClr>
+          </a:lnRef>
+          <a:fillRef idx="1">
+            <a:schemeClr val="accent1"/>
+          </a:fillRef>
+          <a:effectRef idx="0">
+            <a:schemeClr val="accent1"/>
+          </a:effectRef>
+          <a:fontRef idx="minor">
+            <a:schemeClr val="lt1"/>
+          </a:fontRef>
+        </p:style>
+        <p:txBody>
+          <a:bodyPr rtlCol="0" anchor="ctr"/>
+          <a:lstStyle/>
+          <a:p>
+            <a:pPr algn="ctr"/>
+            <a:endParaRPr lang="pt-BR" dirty="0"/>
+          </a:p>
+        </p:txBody>
+      </p:sp>
+      <p:sp>
+        <p:nvSpPr>
+          <p:cNvPr id="12" name="Elipse 11"/>
+          <p:cNvSpPr/>
+          <p:nvPr/>
+        </p:nvSpPr>
+        <p:spPr>
+          <a:xfrm>
+            <a:off x="2952739" y="5300676"/>
+            <a:ext cx="214314" cy="214314"/>
+          </a:xfrm>
+          <a:prstGeom prst="ellipse">
+            <a:avLst/>
+          </a:prstGeom>
+          <a:solidFill>
+            <a:schemeClr val="bg1"/>
+          </a:solidFill>
+          <a:ln>
+            <a:solidFill>
+              <a:schemeClr val="accent2"/>
+            </a:solidFill>
+          </a:ln>
+        </p:spPr>
+        <p:style>
+          <a:lnRef idx="2">
+            <a:schemeClr val="accent1">
+              <a:shade val="50000"/>
+            </a:schemeClr>
+          </a:lnRef>
+          <a:fillRef idx="1">
+            <a:schemeClr val="accent1"/>
+          </a:fillRef>
+          <a:effectRef idx="0">
+            <a:schemeClr val="accent1"/>
+          </a:effectRef>
+          <a:fontRef idx="minor">
+            <a:schemeClr val="lt1"/>
+          </a:fontRef>
+        </p:style>
+        <p:txBody>
+          <a:bodyPr rtlCol="0" anchor="ctr"/>
+          <a:lstStyle/>
+          <a:p>
+            <a:pPr algn="ctr"/>
+            <a:endParaRPr lang="pt-BR"/>
+          </a:p>
+        </p:txBody>
+      </p:sp>
+      <p:cxnSp>
+        <p:nvCxnSpPr>
+          <p:cNvPr id="14" name="Conector reto 13"/>
+          <p:cNvCxnSpPr/>
+          <p:nvPr/>
+        </p:nvCxnSpPr>
+        <p:spPr>
+          <a:xfrm rot="5400000" flipH="1" flipV="1">
+            <a:off x="732207" y="5142322"/>
+            <a:ext cx="214314" cy="178595"/>
+          </a:xfrm>
+          <a:prstGeom prst="line">
+            <a:avLst/>
+          </a:prstGeom>
+          <a:ln w="19050">
+            <a:solidFill>
+              <a:schemeClr val="accent2"/>
+            </a:solidFill>
+          </a:ln>
+        </p:spPr>
+        <p:style>
+          <a:lnRef idx="1">
+            <a:schemeClr val="accent1"/>
+          </a:lnRef>
+          <a:fillRef idx="0">
+            <a:schemeClr val="accent1"/>
+          </a:fillRef>
+          <a:effectRef idx="0">
+            <a:schemeClr val="accent1"/>
+          </a:effectRef>
+          <a:fontRef idx="minor">
+            <a:schemeClr val="tx1"/>
+          </a:fontRef>
+        </p:style>
+      </p:cxnSp>
+      <p:cxnSp>
+        <p:nvCxnSpPr>
+          <p:cNvPr id="15" name="Conector reto 14"/>
+          <p:cNvCxnSpPr/>
+          <p:nvPr/>
+        </p:nvCxnSpPr>
+        <p:spPr>
+          <a:xfrm rot="5400000" flipH="1" flipV="1">
+            <a:off x="1518025" y="5142321"/>
+            <a:ext cx="214314" cy="178595"/>
+          </a:xfrm>
+          <a:prstGeom prst="line">
+            <a:avLst/>
+          </a:prstGeom>
+          <a:ln w="19050">
+            <a:solidFill>
+              <a:schemeClr val="accent2"/>
+            </a:solidFill>
+          </a:ln>
+        </p:spPr>
+        <p:style>
+          <a:lnRef idx="1">
+            <a:schemeClr val="accent1"/>
+          </a:lnRef>
+          <a:fillRef idx="0">
+            <a:schemeClr val="accent1"/>
+          </a:fillRef>
+          <a:effectRef idx="0">
+            <a:schemeClr val="accent1"/>
+          </a:effectRef>
+          <a:fontRef idx="minor">
+            <a:schemeClr val="tx1"/>
+          </a:fontRef>
+        </p:style>
+      </p:cxnSp>
+      <p:cxnSp>
+        <p:nvCxnSpPr>
+          <p:cNvPr id="16" name="Conector reto 15"/>
+          <p:cNvCxnSpPr/>
+          <p:nvPr/>
+        </p:nvCxnSpPr>
+        <p:spPr>
+          <a:xfrm rot="5400000" flipH="1" flipV="1">
+            <a:off x="2303843" y="5142322"/>
+            <a:ext cx="214314" cy="178595"/>
+          </a:xfrm>
+          <a:prstGeom prst="line">
+            <a:avLst/>
+          </a:prstGeom>
+          <a:ln w="19050">
+            <a:solidFill>
+              <a:schemeClr val="accent2"/>
+            </a:solidFill>
+          </a:ln>
+        </p:spPr>
+        <p:style>
+          <a:lnRef idx="1">
+            <a:schemeClr val="accent1"/>
+          </a:lnRef>
+          <a:fillRef idx="0">
+            <a:schemeClr val="accent1"/>
+          </a:fillRef>
+          <a:effectRef idx="0">
+            <a:schemeClr val="accent1"/>
+          </a:effectRef>
+          <a:fontRef idx="minor">
+            <a:schemeClr val="tx1"/>
+          </a:fontRef>
+        </p:style>
+      </p:cxnSp>
+      <p:sp>
+        <p:nvSpPr>
+          <p:cNvPr id="17" name="CaixaDeTexto 16"/>
+          <p:cNvSpPr txBox="1"/>
+          <p:nvPr/>
+        </p:nvSpPr>
+        <p:spPr>
+          <a:xfrm rot="18214545">
+            <a:off x="-184200" y="5737888"/>
+            <a:ext cx="1143008" cy="369332"/>
+          </a:xfrm>
+          <a:prstGeom prst="rect">
+            <a:avLst/>
+          </a:prstGeom>
+          <a:noFill/>
+        </p:spPr>
+        <p:txBody>
+          <a:bodyPr wrap="square" rtlCol="0">
+            <a:spAutoFit/>
+          </a:bodyPr>
+          <a:lstStyle/>
+          <a:p>
+            <a:r>
+              <a:rPr lang="pt-BR" dirty="0" smtClean="0"/>
+              <a:t>matricula</a:t>
+            </a:r>
+            <a:endParaRPr lang="pt-BR" dirty="0"/>
+          </a:p>
+        </p:txBody>
+      </p:sp>
+      <p:sp>
+        <p:nvSpPr>
+          <p:cNvPr id="18" name="CaixaDeTexto 17"/>
+          <p:cNvSpPr txBox="1"/>
+          <p:nvPr/>
+        </p:nvSpPr>
+        <p:spPr>
+          <a:xfrm rot="18214545">
+            <a:off x="848646" y="5586572"/>
+            <a:ext cx="747241" cy="369332"/>
+          </a:xfrm>
+          <a:prstGeom prst="rect">
+            <a:avLst/>
+          </a:prstGeom>
+          <a:noFill/>
+        </p:spPr>
+        <p:txBody>
+          <a:bodyPr wrap="square" rtlCol="0">
+            <a:spAutoFit/>
+          </a:bodyPr>
+          <a:lstStyle/>
+          <a:p>
+            <a:r>
+              <a:rPr lang="pt-BR" dirty="0" smtClean="0"/>
+              <a:t>nome</a:t>
+            </a:r>
+            <a:endParaRPr lang="pt-BR" dirty="0"/>
+          </a:p>
+        </p:txBody>
+      </p:sp>
+      <p:cxnSp>
+        <p:nvCxnSpPr>
+          <p:cNvPr id="19" name="Conector reto 18"/>
+          <p:cNvCxnSpPr/>
+          <p:nvPr/>
+        </p:nvCxnSpPr>
+        <p:spPr>
+          <a:xfrm flipV="1">
+            <a:off x="821507" y="6072206"/>
+            <a:ext cx="178593" cy="142876"/>
+          </a:xfrm>
+          <a:prstGeom prst="line">
+            <a:avLst/>
+          </a:prstGeom>
+          <a:ln w="19050">
+            <a:solidFill>
+              <a:schemeClr val="accent2"/>
+            </a:solidFill>
+          </a:ln>
+        </p:spPr>
+        <p:style>
+          <a:lnRef idx="1">
+            <a:schemeClr val="accent1"/>
+          </a:lnRef>
+          <a:fillRef idx="0">
+            <a:schemeClr val="accent1"/>
+          </a:fillRef>
+          <a:effectRef idx="0">
+            <a:schemeClr val="accent1"/>
+          </a:effectRef>
+          <a:fontRef idx="minor">
+            <a:schemeClr val="tx1"/>
+          </a:fontRef>
+        </p:style>
+      </p:cxnSp>
+      <p:cxnSp>
+        <p:nvCxnSpPr>
+          <p:cNvPr id="21" name="Conector reto 20"/>
+          <p:cNvCxnSpPr/>
+          <p:nvPr/>
+        </p:nvCxnSpPr>
+        <p:spPr>
+          <a:xfrm rot="8700000" flipV="1">
+            <a:off x="953489" y="6176783"/>
+            <a:ext cx="178593" cy="142876"/>
+          </a:xfrm>
+          <a:prstGeom prst="line">
+            <a:avLst/>
+          </a:prstGeom>
+          <a:ln w="19050">
+            <a:solidFill>
+              <a:schemeClr val="accent2"/>
+            </a:solidFill>
+          </a:ln>
+        </p:spPr>
+        <p:style>
+          <a:lnRef idx="1">
+            <a:schemeClr val="accent1"/>
+          </a:lnRef>
+          <a:fillRef idx="0">
+            <a:schemeClr val="accent1"/>
+          </a:fillRef>
+          <a:effectRef idx="0">
+            <a:schemeClr val="accent1"/>
+          </a:effectRef>
+          <a:fontRef idx="minor">
+            <a:schemeClr val="tx1"/>
+          </a:fontRef>
+        </p:style>
+      </p:cxnSp>
+      <p:sp>
+        <p:nvSpPr>
+          <p:cNvPr id="22" name="CaixaDeTexto 21"/>
+          <p:cNvSpPr txBox="1"/>
+          <p:nvPr/>
+        </p:nvSpPr>
+        <p:spPr>
+          <a:xfrm rot="18214545">
+            <a:off x="401084" y="6213327"/>
+            <a:ext cx="596828" cy="276999"/>
+          </a:xfrm>
+          <a:prstGeom prst="rect">
+            <a:avLst/>
+          </a:prstGeom>
+          <a:noFill/>
+        </p:spPr>
+        <p:txBody>
+          <a:bodyPr wrap="square" rtlCol="0">
+            <a:spAutoFit/>
+          </a:bodyPr>
+          <a:lstStyle/>
+          <a:p>
+            <a:r>
+              <a:rPr lang="pt-BR" sz="1200" dirty="0" smtClean="0"/>
+              <a:t>nome</a:t>
+            </a:r>
+            <a:endParaRPr lang="pt-BR" sz="1200" dirty="0"/>
+          </a:p>
+        </p:txBody>
+      </p:sp>
+      <p:sp>
+        <p:nvSpPr>
+          <p:cNvPr id="23" name="CaixaDeTexto 22"/>
+          <p:cNvSpPr txBox="1"/>
+          <p:nvPr/>
+        </p:nvSpPr>
+        <p:spPr>
+          <a:xfrm rot="18214545">
+            <a:off x="624973" y="6320561"/>
+            <a:ext cx="916266" cy="276999"/>
+          </a:xfrm>
+          <a:prstGeom prst="rect">
+            <a:avLst/>
+          </a:prstGeom>
+          <a:noFill/>
+        </p:spPr>
+        <p:txBody>
+          <a:bodyPr wrap="square" rtlCol="0">
+            <a:spAutoFit/>
+          </a:bodyPr>
+          <a:lstStyle/>
+          <a:p>
+            <a:r>
+              <a:rPr lang="pt-BR" sz="1200" dirty="0" smtClean="0"/>
+              <a:t>sobrenome</a:t>
+            </a:r>
+            <a:endParaRPr lang="pt-BR" sz="1200" dirty="0"/>
+          </a:p>
+        </p:txBody>
+      </p:sp>
+      <p:sp>
+        <p:nvSpPr>
+          <p:cNvPr id="24" name="CaixaDeTexto 23"/>
+          <p:cNvSpPr txBox="1"/>
+          <p:nvPr/>
+        </p:nvSpPr>
+        <p:spPr>
+          <a:xfrm rot="18420031">
+            <a:off x="1484576" y="5664329"/>
+            <a:ext cx="928694" cy="323165"/>
+          </a:xfrm>
+          <a:prstGeom prst="rect">
+            <a:avLst/>
+          </a:prstGeom>
+          <a:noFill/>
+        </p:spPr>
+        <p:txBody>
+          <a:bodyPr wrap="square" rtlCol="0">
+            <a:spAutoFit/>
+          </a:bodyPr>
+          <a:lstStyle/>
+          <a:p>
+            <a:r>
+              <a:rPr lang="pt-BR" sz="1500" dirty="0" err="1" smtClean="0"/>
+              <a:t>endereco</a:t>
+            </a:r>
+            <a:endParaRPr lang="pt-BR" sz="1500" dirty="0"/>
+          </a:p>
+        </p:txBody>
+      </p:sp>
+      <p:cxnSp>
+        <p:nvCxnSpPr>
+          <p:cNvPr id="26" name="Conector reto 25"/>
+          <p:cNvCxnSpPr/>
+          <p:nvPr/>
+        </p:nvCxnSpPr>
+        <p:spPr>
+          <a:xfrm flipV="1">
+            <a:off x="1500168" y="6143644"/>
+            <a:ext cx="178593" cy="142876"/>
+          </a:xfrm>
+          <a:prstGeom prst="line">
+            <a:avLst/>
+          </a:prstGeom>
+          <a:ln w="19050">
+            <a:solidFill>
+              <a:schemeClr val="accent2"/>
+            </a:solidFill>
+          </a:ln>
+        </p:spPr>
+        <p:style>
+          <a:lnRef idx="1">
+            <a:schemeClr val="accent1"/>
+          </a:lnRef>
+          <a:fillRef idx="0">
+            <a:schemeClr val="accent1"/>
+          </a:fillRef>
+          <a:effectRef idx="0">
+            <a:schemeClr val="accent1"/>
+          </a:effectRef>
+          <a:fontRef idx="minor">
+            <a:schemeClr val="tx1"/>
+          </a:fontRef>
+        </p:style>
+      </p:cxnSp>
+      <p:cxnSp>
+        <p:nvCxnSpPr>
+          <p:cNvPr id="28" name="Conector reto 27"/>
+          <p:cNvCxnSpPr/>
+          <p:nvPr/>
+        </p:nvCxnSpPr>
+        <p:spPr>
+          <a:xfrm rot="5400000" flipH="1" flipV="1">
+            <a:off x="1607324" y="6260326"/>
+            <a:ext cx="223838" cy="133350"/>
+          </a:xfrm>
+          <a:prstGeom prst="line">
+            <a:avLst/>
+          </a:prstGeom>
+          <a:ln w="19050">
+            <a:solidFill>
+              <a:schemeClr val="accent2"/>
+            </a:solidFill>
+          </a:ln>
+        </p:spPr>
+        <p:style>
+          <a:lnRef idx="1">
+            <a:schemeClr val="accent1"/>
+          </a:lnRef>
+          <a:fillRef idx="0">
+            <a:schemeClr val="accent1"/>
+          </a:fillRef>
+          <a:effectRef idx="0">
+            <a:schemeClr val="accent1"/>
+          </a:effectRef>
+          <a:fontRef idx="minor">
+            <a:schemeClr val="tx1"/>
+          </a:fontRef>
+        </p:style>
+      </p:cxnSp>
+      <p:cxnSp>
+        <p:nvCxnSpPr>
+          <p:cNvPr id="30" name="Conector reto 29"/>
+          <p:cNvCxnSpPr/>
+          <p:nvPr/>
+        </p:nvCxnSpPr>
+        <p:spPr>
+          <a:xfrm rot="16200000" flipV="1">
+            <a:off x="1768058" y="6304379"/>
+            <a:ext cx="204790" cy="26195"/>
+          </a:xfrm>
+          <a:prstGeom prst="line">
+            <a:avLst/>
+          </a:prstGeom>
+          <a:ln w="19050">
+            <a:solidFill>
+              <a:schemeClr val="accent2"/>
+            </a:solidFill>
+          </a:ln>
+        </p:spPr>
+        <p:style>
+          <a:lnRef idx="1">
+            <a:schemeClr val="accent1"/>
+          </a:lnRef>
+          <a:fillRef idx="0">
+            <a:schemeClr val="accent1"/>
+          </a:fillRef>
+          <a:effectRef idx="0">
+            <a:schemeClr val="accent1"/>
+          </a:effectRef>
+          <a:fontRef idx="minor">
+            <a:schemeClr val="tx1"/>
+          </a:fontRef>
+        </p:style>
+      </p:cxnSp>
+      <p:cxnSp>
+        <p:nvCxnSpPr>
+          <p:cNvPr id="32" name="Conector reto 31"/>
+          <p:cNvCxnSpPr/>
+          <p:nvPr/>
+        </p:nvCxnSpPr>
+        <p:spPr>
+          <a:xfrm rot="16200000" flipV="1">
+            <a:off x="1965307" y="6108719"/>
+            <a:ext cx="213520" cy="142082"/>
+          </a:xfrm>
+          <a:prstGeom prst="line">
+            <a:avLst/>
+          </a:prstGeom>
+          <a:ln w="19050">
+            <a:solidFill>
+              <a:schemeClr val="accent2"/>
+            </a:solidFill>
+          </a:ln>
+        </p:spPr>
+        <p:style>
+          <a:lnRef idx="1">
+            <a:schemeClr val="accent1"/>
+          </a:lnRef>
+          <a:fillRef idx="0">
+            <a:schemeClr val="accent1"/>
+          </a:fillRef>
+          <a:effectRef idx="0">
+            <a:schemeClr val="accent1"/>
+          </a:effectRef>
+          <a:fontRef idx="minor">
+            <a:schemeClr val="tx1"/>
+          </a:fontRef>
+        </p:style>
+      </p:cxnSp>
+      <p:sp>
+        <p:nvSpPr>
+          <p:cNvPr id="35" name="CaixaDeTexto 34"/>
+          <p:cNvSpPr txBox="1"/>
+          <p:nvPr/>
+        </p:nvSpPr>
+        <p:spPr>
+          <a:xfrm rot="18780054">
+            <a:off x="863000" y="6379814"/>
+            <a:ext cx="838929" cy="261610"/>
+          </a:xfrm>
+          <a:prstGeom prst="rect">
+            <a:avLst/>
+          </a:prstGeom>
+          <a:noFill/>
+        </p:spPr>
+        <p:txBody>
+          <a:bodyPr wrap="square" rtlCol="0">
+            <a:spAutoFit/>
+          </a:bodyPr>
+          <a:lstStyle/>
+          <a:p>
+            <a:r>
+              <a:rPr lang="pt-BR" sz="1100" dirty="0" smtClean="0"/>
+              <a:t>logradouro</a:t>
+            </a:r>
+            <a:endParaRPr lang="pt-BR" sz="1100" dirty="0"/>
+          </a:p>
+        </p:txBody>
+      </p:sp>
+      <p:sp>
+        <p:nvSpPr>
+          <p:cNvPr id="36" name="CaixaDeTexto 35"/>
+          <p:cNvSpPr txBox="1"/>
+          <p:nvPr/>
+        </p:nvSpPr>
+        <p:spPr>
+          <a:xfrm rot="18780054">
+            <a:off x="1170624" y="6471582"/>
+            <a:ext cx="637464" cy="261610"/>
+          </a:xfrm>
+          <a:prstGeom prst="rect">
+            <a:avLst/>
+          </a:prstGeom>
+          <a:noFill/>
+        </p:spPr>
+        <p:txBody>
+          <a:bodyPr wrap="square" rtlCol="0">
+            <a:spAutoFit/>
+          </a:bodyPr>
+          <a:lstStyle/>
+          <a:p>
+            <a:r>
+              <a:rPr lang="pt-BR" sz="1100" dirty="0" smtClean="0"/>
+              <a:t>numero</a:t>
+            </a:r>
+            <a:endParaRPr lang="pt-BR" sz="1100" dirty="0"/>
+          </a:p>
+        </p:txBody>
+      </p:sp>
+      <p:sp>
+        <p:nvSpPr>
+          <p:cNvPr id="37" name="CaixaDeTexto 36"/>
+          <p:cNvSpPr txBox="1"/>
+          <p:nvPr/>
+        </p:nvSpPr>
+        <p:spPr>
+          <a:xfrm rot="4840632">
+            <a:off x="1655529" y="6468000"/>
+            <a:ext cx="527561" cy="261610"/>
+          </a:xfrm>
+          <a:prstGeom prst="rect">
+            <a:avLst/>
+          </a:prstGeom>
+          <a:noFill/>
+        </p:spPr>
+        <p:txBody>
+          <a:bodyPr wrap="square" rtlCol="0">
+            <a:spAutoFit/>
+          </a:bodyPr>
+          <a:lstStyle/>
+          <a:p>
+            <a:r>
+              <a:rPr lang="pt-BR" sz="1100" dirty="0" smtClean="0"/>
+              <a:t>bairro</a:t>
+            </a:r>
+            <a:endParaRPr lang="pt-BR" sz="1100" dirty="0"/>
+          </a:p>
+        </p:txBody>
+      </p:sp>
+      <p:sp>
+        <p:nvSpPr>
+          <p:cNvPr id="38" name="CaixaDeTexto 37"/>
+          <p:cNvSpPr txBox="1"/>
+          <p:nvPr/>
+        </p:nvSpPr>
+        <p:spPr>
+          <a:xfrm rot="3442746">
+            <a:off x="1970481" y="6335560"/>
+            <a:ext cx="576265" cy="261610"/>
+          </a:xfrm>
+          <a:prstGeom prst="rect">
+            <a:avLst/>
+          </a:prstGeom>
+          <a:noFill/>
+        </p:spPr>
+        <p:txBody>
+          <a:bodyPr wrap="square" rtlCol="0">
+            <a:spAutoFit/>
+          </a:bodyPr>
+          <a:lstStyle/>
+          <a:p>
+            <a:r>
+              <a:rPr lang="pt-BR" sz="1100" dirty="0" smtClean="0"/>
+              <a:t>cidade</a:t>
+            </a:r>
+            <a:endParaRPr lang="pt-BR" sz="1100" dirty="0"/>
+          </a:p>
+        </p:txBody>
+      </p:sp>
+      <p:cxnSp>
+        <p:nvCxnSpPr>
+          <p:cNvPr id="39" name="Conector reto 38"/>
+          <p:cNvCxnSpPr/>
+          <p:nvPr/>
+        </p:nvCxnSpPr>
+        <p:spPr>
+          <a:xfrm rot="16200000" flipV="1">
+            <a:off x="2115299" y="5965050"/>
+            <a:ext cx="213520" cy="142082"/>
+          </a:xfrm>
+          <a:prstGeom prst="line">
+            <a:avLst/>
+          </a:prstGeom>
+          <a:ln w="19050">
+            <a:solidFill>
+              <a:schemeClr val="accent2"/>
+            </a:solidFill>
+          </a:ln>
+        </p:spPr>
+        <p:style>
+          <a:lnRef idx="1">
+            <a:schemeClr val="accent1"/>
+          </a:lnRef>
+          <a:fillRef idx="0">
+            <a:schemeClr val="accent1"/>
+          </a:fillRef>
+          <a:effectRef idx="0">
+            <a:schemeClr val="accent1"/>
+          </a:effectRef>
+          <a:fontRef idx="minor">
+            <a:schemeClr val="tx1"/>
+          </a:fontRef>
+        </p:style>
+      </p:cxnSp>
+      <p:sp>
+        <p:nvSpPr>
+          <p:cNvPr id="40" name="CaixaDeTexto 39"/>
+          <p:cNvSpPr txBox="1"/>
+          <p:nvPr/>
+        </p:nvSpPr>
+        <p:spPr>
+          <a:xfrm rot="3442746">
+            <a:off x="2120473" y="6191891"/>
+            <a:ext cx="576265" cy="261610"/>
+          </a:xfrm>
+          <a:prstGeom prst="rect">
+            <a:avLst/>
+          </a:prstGeom>
+          <a:noFill/>
+        </p:spPr>
+        <p:txBody>
+          <a:bodyPr wrap="square" rtlCol="0">
+            <a:spAutoFit/>
+          </a:bodyPr>
+          <a:lstStyle/>
+          <a:p>
+            <a:r>
+              <a:rPr lang="pt-BR" sz="1100" dirty="0" smtClean="0"/>
+              <a:t>estado</a:t>
+            </a:r>
+            <a:endParaRPr lang="pt-BR" sz="1100" dirty="0"/>
+          </a:p>
+        </p:txBody>
+      </p:sp>
+      <p:cxnSp>
+        <p:nvCxnSpPr>
+          <p:cNvPr id="41" name="Conector reto 40"/>
+          <p:cNvCxnSpPr/>
+          <p:nvPr/>
+        </p:nvCxnSpPr>
+        <p:spPr>
+          <a:xfrm rot="16200000" flipV="1">
+            <a:off x="2776527" y="5133985"/>
+            <a:ext cx="223839" cy="204793"/>
+          </a:xfrm>
+          <a:prstGeom prst="line">
+            <a:avLst/>
+          </a:prstGeom>
+          <a:ln w="19050">
+            <a:solidFill>
+              <a:schemeClr val="accent2"/>
+            </a:solidFill>
+          </a:ln>
+        </p:spPr>
+        <p:style>
+          <a:lnRef idx="1">
+            <a:schemeClr val="accent1"/>
+          </a:lnRef>
+          <a:fillRef idx="0">
+            <a:schemeClr val="accent1"/>
+          </a:fillRef>
+          <a:effectRef idx="0">
+            <a:schemeClr val="accent1"/>
+          </a:effectRef>
+          <a:fontRef idx="minor">
+            <a:schemeClr val="tx1"/>
+          </a:fontRef>
+        </p:style>
+      </p:cxnSp>
+      <p:sp>
+        <p:nvSpPr>
+          <p:cNvPr id="43" name="CaixaDeTexto 42"/>
+          <p:cNvSpPr txBox="1"/>
+          <p:nvPr/>
+        </p:nvSpPr>
+        <p:spPr>
+          <a:xfrm rot="2691060">
+            <a:off x="3001792" y="5482274"/>
+            <a:ext cx="642942" cy="369332"/>
+          </a:xfrm>
+          <a:prstGeom prst="rect">
+            <a:avLst/>
+          </a:prstGeom>
+          <a:noFill/>
+        </p:spPr>
+        <p:txBody>
+          <a:bodyPr wrap="square" rtlCol="0">
+            <a:spAutoFit/>
+          </a:bodyPr>
+          <a:lstStyle/>
+          <a:p>
+            <a:r>
+              <a:rPr lang="pt-BR" dirty="0" smtClean="0"/>
+              <a:t>sexo</a:t>
+            </a:r>
+            <a:endParaRPr lang="pt-BR" dirty="0"/>
+          </a:p>
+        </p:txBody>
+      </p:sp>
+      <p:sp>
+        <p:nvSpPr>
+          <p:cNvPr id="44" name="Elipse 43"/>
+          <p:cNvSpPr/>
+          <p:nvPr/>
+        </p:nvSpPr>
+        <p:spPr>
+          <a:xfrm>
+            <a:off x="571472" y="3786190"/>
+            <a:ext cx="214314" cy="214314"/>
+          </a:xfrm>
+          <a:prstGeom prst="ellipse">
+            <a:avLst/>
+          </a:prstGeom>
+          <a:solidFill>
+            <a:schemeClr val="accent6">
+              <a:lumMod val="75000"/>
+            </a:schemeClr>
+          </a:solidFill>
+          <a:ln>
+            <a:solidFill>
+              <a:schemeClr val="accent6">
+                <a:lumMod val="75000"/>
+              </a:schemeClr>
+            </a:solidFill>
+          </a:ln>
+        </p:spPr>
+        <p:style>
+          <a:lnRef idx="2">
+            <a:schemeClr val="accent1">
+              <a:shade val="50000"/>
+            </a:schemeClr>
+          </a:lnRef>
+          <a:fillRef idx="1">
+            <a:schemeClr val="accent1"/>
+          </a:fillRef>
+          <a:effectRef idx="0">
+            <a:schemeClr val="accent1"/>
+          </a:effectRef>
+          <a:fontRef idx="minor">
+            <a:schemeClr val="lt1"/>
+          </a:fontRef>
+        </p:style>
+        <p:txBody>
+          <a:bodyPr rtlCol="0" anchor="ctr"/>
+          <a:lstStyle/>
+          <a:p>
+            <a:pPr algn="ctr"/>
+            <a:endParaRPr lang="pt-BR"/>
+          </a:p>
+        </p:txBody>
+      </p:sp>
+      <p:sp>
+        <p:nvSpPr>
+          <p:cNvPr id="45" name="Elipse 44"/>
+          <p:cNvSpPr/>
+          <p:nvPr/>
+        </p:nvSpPr>
+        <p:spPr>
+          <a:xfrm>
+            <a:off x="1000100" y="3786190"/>
+            <a:ext cx="214314" cy="214314"/>
+          </a:xfrm>
+          <a:prstGeom prst="ellipse">
+            <a:avLst/>
+          </a:prstGeom>
+          <a:solidFill>
+            <a:schemeClr val="bg1"/>
+          </a:solidFill>
+          <a:ln>
+            <a:solidFill>
+              <a:schemeClr val="accent6">
+                <a:lumMod val="75000"/>
+              </a:schemeClr>
+            </a:solidFill>
+          </a:ln>
+        </p:spPr>
+        <p:style>
+          <a:lnRef idx="2">
+            <a:schemeClr val="accent1">
+              <a:shade val="50000"/>
+            </a:schemeClr>
+          </a:lnRef>
+          <a:fillRef idx="1">
+            <a:schemeClr val="accent1"/>
+          </a:fillRef>
+          <a:effectRef idx="0">
+            <a:schemeClr val="accent1"/>
+          </a:effectRef>
+          <a:fontRef idx="minor">
+            <a:schemeClr val="lt1"/>
+          </a:fontRef>
+        </p:style>
+        <p:txBody>
+          <a:bodyPr rtlCol="0" anchor="ctr"/>
+          <a:lstStyle/>
+          <a:p>
+            <a:pPr algn="ctr"/>
+            <a:endParaRPr lang="pt-BR"/>
+          </a:p>
+        </p:txBody>
+      </p:sp>
+      <p:sp>
+        <p:nvSpPr>
+          <p:cNvPr id="46" name="Elipse 45"/>
+          <p:cNvSpPr/>
+          <p:nvPr/>
+        </p:nvSpPr>
+        <p:spPr>
+          <a:xfrm>
+            <a:off x="1616045" y="3829053"/>
+            <a:ext cx="214314" cy="214314"/>
+          </a:xfrm>
+          <a:prstGeom prst="ellipse">
+            <a:avLst/>
+          </a:prstGeom>
+          <a:solidFill>
+            <a:schemeClr val="bg1"/>
+          </a:solidFill>
+          <a:ln>
+            <a:solidFill>
+              <a:schemeClr val="accent6">
+                <a:lumMod val="75000"/>
+              </a:schemeClr>
+            </a:solidFill>
+          </a:ln>
+        </p:spPr>
+        <p:style>
+          <a:lnRef idx="2">
+            <a:schemeClr val="accent1">
+              <a:shade val="50000"/>
+            </a:schemeClr>
+          </a:lnRef>
+          <a:fillRef idx="1">
+            <a:schemeClr val="accent1"/>
+          </a:fillRef>
+          <a:effectRef idx="0">
+            <a:schemeClr val="accent1"/>
+          </a:effectRef>
+          <a:fontRef idx="minor">
+            <a:schemeClr val="lt1"/>
+          </a:fontRef>
+        </p:style>
+        <p:txBody>
+          <a:bodyPr rtlCol="0" anchor="ctr"/>
+          <a:lstStyle/>
+          <a:p>
+            <a:pPr algn="ctr"/>
+            <a:endParaRPr lang="pt-BR" dirty="0"/>
+          </a:p>
+        </p:txBody>
+      </p:sp>
+      <p:cxnSp>
+        <p:nvCxnSpPr>
+          <p:cNvPr id="47" name="Conector reto 46"/>
+          <p:cNvCxnSpPr/>
+          <p:nvPr/>
+        </p:nvCxnSpPr>
+        <p:spPr>
+          <a:xfrm rot="5400000" flipH="1" flipV="1">
+            <a:off x="696489" y="3661173"/>
+            <a:ext cx="214314" cy="178595"/>
+          </a:xfrm>
+          <a:prstGeom prst="line">
+            <a:avLst/>
+          </a:prstGeom>
+          <a:ln w="19050">
+            <a:solidFill>
+              <a:schemeClr val="accent6">
+                <a:lumMod val="75000"/>
+              </a:schemeClr>
+            </a:solidFill>
+          </a:ln>
+        </p:spPr>
+        <p:style>
+          <a:lnRef idx="1">
+            <a:schemeClr val="accent1"/>
+          </a:lnRef>
+          <a:fillRef idx="0">
+            <a:schemeClr val="accent1"/>
+          </a:fillRef>
+          <a:effectRef idx="0">
+            <a:schemeClr val="accent1"/>
+          </a:effectRef>
+          <a:fontRef idx="minor">
+            <a:schemeClr val="tx1"/>
+          </a:fontRef>
+        </p:style>
+      </p:cxnSp>
+      <p:cxnSp>
+        <p:nvCxnSpPr>
+          <p:cNvPr id="48" name="Conector reto 47"/>
+          <p:cNvCxnSpPr/>
+          <p:nvPr/>
+        </p:nvCxnSpPr>
+        <p:spPr>
+          <a:xfrm rot="5400000" flipH="1" flipV="1">
+            <a:off x="1160835" y="3623073"/>
+            <a:ext cx="214314" cy="178595"/>
+          </a:xfrm>
+          <a:prstGeom prst="line">
+            <a:avLst/>
+          </a:prstGeom>
+          <a:ln w="19050">
+            <a:solidFill>
+              <a:schemeClr val="accent6">
+                <a:lumMod val="75000"/>
+              </a:schemeClr>
+            </a:solidFill>
+          </a:ln>
+        </p:spPr>
+        <p:style>
+          <a:lnRef idx="1">
+            <a:schemeClr val="accent1"/>
+          </a:lnRef>
+          <a:fillRef idx="0">
+            <a:schemeClr val="accent1"/>
+          </a:fillRef>
+          <a:effectRef idx="0">
+            <a:schemeClr val="accent1"/>
+          </a:effectRef>
+          <a:fontRef idx="minor">
+            <a:schemeClr val="tx1"/>
+          </a:fontRef>
+        </p:style>
+      </p:cxnSp>
+      <p:cxnSp>
+        <p:nvCxnSpPr>
+          <p:cNvPr id="49" name="Conector reto 48"/>
+          <p:cNvCxnSpPr/>
+          <p:nvPr/>
+        </p:nvCxnSpPr>
+        <p:spPr>
+          <a:xfrm rot="5400000" flipH="1" flipV="1">
+            <a:off x="1767255" y="3623074"/>
+            <a:ext cx="214314" cy="178595"/>
+          </a:xfrm>
+          <a:prstGeom prst="line">
+            <a:avLst/>
+          </a:prstGeom>
+          <a:ln w="19050">
+            <a:solidFill>
+              <a:schemeClr val="accent6">
+                <a:lumMod val="75000"/>
+              </a:schemeClr>
+            </a:solidFill>
+          </a:ln>
+        </p:spPr>
+        <p:style>
+          <a:lnRef idx="1">
+            <a:schemeClr val="accent1"/>
+          </a:lnRef>
+          <a:fillRef idx="0">
+            <a:schemeClr val="accent1"/>
+          </a:fillRef>
+          <a:effectRef idx="0">
+            <a:schemeClr val="accent1"/>
+          </a:effectRef>
+          <a:fontRef idx="minor">
+            <a:schemeClr val="tx1"/>
+          </a:fontRef>
+        </p:style>
+      </p:cxnSp>
+      <p:sp>
+        <p:nvSpPr>
+          <p:cNvPr id="50" name="CaixaDeTexto 49"/>
+          <p:cNvSpPr txBox="1"/>
+          <p:nvPr/>
+        </p:nvSpPr>
+        <p:spPr>
+          <a:xfrm rot="18214545">
+            <a:off x="-29970" y="4028138"/>
+            <a:ext cx="950421" cy="369332"/>
+          </a:xfrm>
+          <a:prstGeom prst="rect">
+            <a:avLst/>
+          </a:prstGeom>
+          <a:noFill/>
+        </p:spPr>
+        <p:txBody>
+          <a:bodyPr wrap="square" rtlCol="0">
+            <a:spAutoFit/>
+          </a:bodyPr>
+          <a:lstStyle/>
+          <a:p>
+            <a:r>
+              <a:rPr lang="pt-BR" dirty="0" err="1" smtClean="0"/>
+              <a:t>codigo</a:t>
+            </a:r>
+            <a:endParaRPr lang="pt-BR" dirty="0"/>
+          </a:p>
+        </p:txBody>
+      </p:sp>
+      <p:sp>
+        <p:nvSpPr>
+          <p:cNvPr id="51" name="CaixaDeTexto 50"/>
+          <p:cNvSpPr txBox="1"/>
+          <p:nvPr/>
+        </p:nvSpPr>
+        <p:spPr>
+          <a:xfrm rot="18214545">
+            <a:off x="491456" y="4086374"/>
+            <a:ext cx="747241" cy="369332"/>
+          </a:xfrm>
+          <a:prstGeom prst="rect">
+            <a:avLst/>
+          </a:prstGeom>
+          <a:noFill/>
+        </p:spPr>
+        <p:txBody>
+          <a:bodyPr wrap="square" rtlCol="0">
+            <a:spAutoFit/>
+          </a:bodyPr>
+          <a:lstStyle/>
+          <a:p>
+            <a:r>
+              <a:rPr lang="pt-BR" dirty="0" smtClean="0"/>
+              <a:t>nome</a:t>
+            </a:r>
+            <a:endParaRPr lang="pt-BR" dirty="0"/>
+          </a:p>
+        </p:txBody>
+      </p:sp>
+      <p:sp>
+        <p:nvSpPr>
+          <p:cNvPr id="52" name="CaixaDeTexto 51"/>
+          <p:cNvSpPr txBox="1"/>
+          <p:nvPr/>
+        </p:nvSpPr>
+        <p:spPr>
+          <a:xfrm rot="18420031">
+            <a:off x="1038087" y="4119210"/>
+            <a:ext cx="816198" cy="323165"/>
+          </a:xfrm>
+          <a:prstGeom prst="rect">
+            <a:avLst/>
+          </a:prstGeom>
+          <a:noFill/>
+        </p:spPr>
+        <p:txBody>
+          <a:bodyPr wrap="square" rtlCol="0">
+            <a:spAutoFit/>
+          </a:bodyPr>
+          <a:lstStyle/>
+          <a:p>
+            <a:r>
+              <a:rPr lang="pt-BR" sz="1500" dirty="0" err="1" smtClean="0"/>
+              <a:t>creditos</a:t>
+            </a:r>
+            <a:endParaRPr lang="pt-BR" sz="1500" dirty="0"/>
+          </a:p>
+        </p:txBody>
+      </p:sp>
+      <p:sp>
+        <p:nvSpPr>
+          <p:cNvPr id="53" name="Elipse 52"/>
+          <p:cNvSpPr/>
+          <p:nvPr/>
+        </p:nvSpPr>
+        <p:spPr>
+          <a:xfrm>
+            <a:off x="1438253" y="795319"/>
+            <a:ext cx="214314" cy="214314"/>
+          </a:xfrm>
+          <a:prstGeom prst="ellipse">
+            <a:avLst/>
+          </a:prstGeom>
+          <a:solidFill>
+            <a:schemeClr val="accent3">
+              <a:lumMod val="75000"/>
+            </a:schemeClr>
+          </a:solidFill>
+          <a:ln>
+            <a:solidFill>
+              <a:schemeClr val="accent3">
+                <a:lumMod val="75000"/>
+              </a:schemeClr>
+            </a:solidFill>
+          </a:ln>
+        </p:spPr>
+        <p:style>
+          <a:lnRef idx="2">
+            <a:schemeClr val="accent1">
+              <a:shade val="50000"/>
+            </a:schemeClr>
+          </a:lnRef>
+          <a:fillRef idx="1">
+            <a:schemeClr val="accent1"/>
+          </a:fillRef>
+          <a:effectRef idx="0">
+            <a:schemeClr val="accent1"/>
+          </a:effectRef>
+          <a:fontRef idx="minor">
+            <a:schemeClr val="lt1"/>
+          </a:fontRef>
+        </p:style>
+        <p:txBody>
+          <a:bodyPr rtlCol="0" anchor="ctr"/>
+          <a:lstStyle/>
+          <a:p>
+            <a:pPr algn="ctr"/>
+            <a:endParaRPr lang="pt-BR"/>
+          </a:p>
+        </p:txBody>
+      </p:sp>
+      <p:sp>
+        <p:nvSpPr>
+          <p:cNvPr id="54" name="Elipse 53"/>
+          <p:cNvSpPr/>
+          <p:nvPr/>
+        </p:nvSpPr>
+        <p:spPr>
+          <a:xfrm>
+            <a:off x="2205021" y="795319"/>
+            <a:ext cx="214314" cy="214314"/>
+          </a:xfrm>
+          <a:prstGeom prst="ellipse">
+            <a:avLst/>
+          </a:prstGeom>
+          <a:solidFill>
+            <a:schemeClr val="bg1"/>
+          </a:solidFill>
+          <a:ln>
+            <a:solidFill>
+              <a:schemeClr val="accent3">
+                <a:lumMod val="75000"/>
+              </a:schemeClr>
+            </a:solidFill>
+          </a:ln>
+        </p:spPr>
+        <p:style>
+          <a:lnRef idx="2">
+            <a:schemeClr val="accent1">
+              <a:shade val="50000"/>
+            </a:schemeClr>
+          </a:lnRef>
+          <a:fillRef idx="1">
+            <a:schemeClr val="accent1"/>
+          </a:fillRef>
+          <a:effectRef idx="0">
+            <a:schemeClr val="accent1"/>
+          </a:effectRef>
+          <a:fontRef idx="minor">
+            <a:schemeClr val="lt1"/>
+          </a:fontRef>
+        </p:style>
+        <p:txBody>
+          <a:bodyPr rtlCol="0" anchor="ctr"/>
+          <a:lstStyle/>
+          <a:p>
+            <a:pPr algn="ctr"/>
+            <a:endParaRPr lang="pt-BR"/>
+          </a:p>
+        </p:txBody>
+      </p:sp>
+      <p:sp>
+        <p:nvSpPr>
+          <p:cNvPr id="55" name="Elipse 54"/>
+          <p:cNvSpPr/>
+          <p:nvPr/>
+        </p:nvSpPr>
+        <p:spPr>
+          <a:xfrm>
+            <a:off x="3000364" y="785794"/>
+            <a:ext cx="214314" cy="214314"/>
+          </a:xfrm>
+          <a:prstGeom prst="ellipse">
+            <a:avLst/>
+          </a:prstGeom>
+          <a:solidFill>
+            <a:schemeClr val="bg1"/>
+          </a:solidFill>
+          <a:ln>
+            <a:solidFill>
+              <a:schemeClr val="accent3">
+                <a:lumMod val="75000"/>
+              </a:schemeClr>
+            </a:solidFill>
+          </a:ln>
+        </p:spPr>
+        <p:style>
+          <a:lnRef idx="2">
+            <a:schemeClr val="accent1">
+              <a:shade val="50000"/>
+            </a:schemeClr>
+          </a:lnRef>
+          <a:fillRef idx="1">
+            <a:schemeClr val="accent1"/>
+          </a:fillRef>
+          <a:effectRef idx="0">
+            <a:schemeClr val="accent1"/>
+          </a:effectRef>
+          <a:fontRef idx="minor">
+            <a:schemeClr val="lt1"/>
+          </a:fontRef>
+        </p:style>
+        <p:txBody>
+          <a:bodyPr rtlCol="0" anchor="ctr"/>
+          <a:lstStyle/>
+          <a:p>
+            <a:pPr algn="ctr"/>
+            <a:endParaRPr lang="pt-BR" dirty="0"/>
+          </a:p>
+        </p:txBody>
+      </p:sp>
+      <p:cxnSp>
+        <p:nvCxnSpPr>
+          <p:cNvPr id="56" name="Conector reto 55"/>
+          <p:cNvCxnSpPr/>
+          <p:nvPr/>
+        </p:nvCxnSpPr>
+        <p:spPr>
+          <a:xfrm rot="5400000" flipH="1" flipV="1">
+            <a:off x="1279787" y="1008442"/>
+            <a:ext cx="214314" cy="178595"/>
+          </a:xfrm>
+          <a:prstGeom prst="line">
+            <a:avLst/>
+          </a:prstGeom>
+          <a:ln w="19050">
+            <a:solidFill>
+              <a:schemeClr val="accent3">
+                <a:lumMod val="75000"/>
+              </a:schemeClr>
+            </a:solidFill>
+          </a:ln>
+        </p:spPr>
+        <p:style>
+          <a:lnRef idx="1">
+            <a:schemeClr val="accent1"/>
+          </a:lnRef>
+          <a:fillRef idx="0">
+            <a:schemeClr val="accent1"/>
+          </a:fillRef>
+          <a:effectRef idx="0">
+            <a:schemeClr val="accent1"/>
+          </a:effectRef>
+          <a:fontRef idx="minor">
+            <a:schemeClr val="tx1"/>
+          </a:fontRef>
+        </p:style>
+      </p:cxnSp>
+      <p:cxnSp>
+        <p:nvCxnSpPr>
+          <p:cNvPr id="57" name="Conector reto 56"/>
+          <p:cNvCxnSpPr/>
+          <p:nvPr/>
+        </p:nvCxnSpPr>
+        <p:spPr>
+          <a:xfrm rot="5400000" flipH="1" flipV="1">
+            <a:off x="2065605" y="1008441"/>
+            <a:ext cx="214314" cy="178595"/>
+          </a:xfrm>
+          <a:prstGeom prst="line">
+            <a:avLst/>
+          </a:prstGeom>
+          <a:ln w="19050">
+            <a:solidFill>
+              <a:schemeClr val="accent3">
+                <a:lumMod val="75000"/>
+              </a:schemeClr>
+            </a:solidFill>
+          </a:ln>
+        </p:spPr>
+        <p:style>
+          <a:lnRef idx="1">
+            <a:schemeClr val="accent1"/>
+          </a:lnRef>
+          <a:fillRef idx="0">
+            <a:schemeClr val="accent1"/>
+          </a:fillRef>
+          <a:effectRef idx="0">
+            <a:schemeClr val="accent1"/>
+          </a:effectRef>
+          <a:fontRef idx="minor">
+            <a:schemeClr val="tx1"/>
+          </a:fontRef>
+        </p:style>
+      </p:cxnSp>
+      <p:cxnSp>
+        <p:nvCxnSpPr>
+          <p:cNvPr id="58" name="Conector reto 57"/>
+          <p:cNvCxnSpPr/>
+          <p:nvPr/>
+        </p:nvCxnSpPr>
+        <p:spPr>
+          <a:xfrm rot="5400000" flipH="1" flipV="1">
+            <a:off x="2851423" y="1008442"/>
+            <a:ext cx="214314" cy="178595"/>
+          </a:xfrm>
+          <a:prstGeom prst="line">
+            <a:avLst/>
+          </a:prstGeom>
+          <a:ln w="19050">
+            <a:solidFill>
+              <a:schemeClr val="accent3">
+                <a:lumMod val="75000"/>
+              </a:schemeClr>
+            </a:solidFill>
+          </a:ln>
+        </p:spPr>
+        <p:style>
+          <a:lnRef idx="1">
+            <a:schemeClr val="accent1"/>
+          </a:lnRef>
+          <a:fillRef idx="0">
+            <a:schemeClr val="accent1"/>
+          </a:fillRef>
+          <a:effectRef idx="0">
+            <a:schemeClr val="accent1"/>
+          </a:effectRef>
+          <a:fontRef idx="minor">
+            <a:schemeClr val="tx1"/>
+          </a:fontRef>
+        </p:style>
+      </p:cxnSp>
+      <p:sp>
+        <p:nvSpPr>
+          <p:cNvPr id="59" name="CaixaDeTexto 58"/>
+          <p:cNvSpPr txBox="1"/>
+          <p:nvPr/>
+        </p:nvSpPr>
+        <p:spPr>
+          <a:xfrm rot="18214545">
+            <a:off x="1322668" y="241924"/>
+            <a:ext cx="950421" cy="369332"/>
+          </a:xfrm>
+          <a:prstGeom prst="rect">
+            <a:avLst/>
+          </a:prstGeom>
+          <a:noFill/>
+        </p:spPr>
+        <p:txBody>
+          <a:bodyPr wrap="square" rtlCol="0">
+            <a:spAutoFit/>
+          </a:bodyPr>
+          <a:lstStyle/>
+          <a:p>
+            <a:r>
+              <a:rPr lang="pt-BR" dirty="0" err="1" smtClean="0"/>
+              <a:t>codigo</a:t>
+            </a:r>
+            <a:endParaRPr lang="pt-BR" dirty="0"/>
+          </a:p>
+        </p:txBody>
+      </p:sp>
+      <p:sp>
+        <p:nvSpPr>
+          <p:cNvPr id="60" name="CaixaDeTexto 59"/>
+          <p:cNvSpPr txBox="1"/>
+          <p:nvPr/>
+        </p:nvSpPr>
+        <p:spPr>
+          <a:xfrm rot="18214545">
+            <a:off x="2139292" y="343022"/>
+            <a:ext cx="747241" cy="369332"/>
+          </a:xfrm>
+          <a:prstGeom prst="rect">
+            <a:avLst/>
+          </a:prstGeom>
+          <a:noFill/>
+        </p:spPr>
+        <p:txBody>
+          <a:bodyPr wrap="square" rtlCol="0">
+            <a:spAutoFit/>
+          </a:bodyPr>
+          <a:lstStyle/>
+          <a:p>
+            <a:r>
+              <a:rPr lang="pt-BR" dirty="0" smtClean="0"/>
+              <a:t>nome</a:t>
+            </a:r>
+            <a:endParaRPr lang="pt-BR" dirty="0"/>
+          </a:p>
+        </p:txBody>
+      </p:sp>
+      <p:sp>
+        <p:nvSpPr>
+          <p:cNvPr id="61" name="CaixaDeTexto 60"/>
+          <p:cNvSpPr txBox="1"/>
+          <p:nvPr/>
+        </p:nvSpPr>
+        <p:spPr>
+          <a:xfrm rot="18420031">
+            <a:off x="2907852" y="237572"/>
+            <a:ext cx="1113932" cy="323165"/>
+          </a:xfrm>
+          <a:prstGeom prst="rect">
+            <a:avLst/>
+          </a:prstGeom>
+          <a:noFill/>
+        </p:spPr>
+        <p:txBody>
+          <a:bodyPr wrap="square" rtlCol="0">
+            <a:spAutoFit/>
+          </a:bodyPr>
+          <a:lstStyle/>
+          <a:p>
+            <a:r>
+              <a:rPr lang="pt-BR" sz="1500" dirty="0" err="1" smtClean="0"/>
+              <a:t>localizacao</a:t>
+            </a:r>
+            <a:endParaRPr lang="pt-BR" sz="1500" dirty="0"/>
+          </a:p>
+        </p:txBody>
+      </p:sp>
+      <p:sp>
+        <p:nvSpPr>
+          <p:cNvPr id="62" name="Elipse 61"/>
+          <p:cNvSpPr/>
+          <p:nvPr/>
+        </p:nvSpPr>
+        <p:spPr>
+          <a:xfrm>
+            <a:off x="6153161" y="1980513"/>
+            <a:ext cx="214314" cy="214314"/>
+          </a:xfrm>
+          <a:prstGeom prst="ellipse">
+            <a:avLst/>
+          </a:prstGeom>
+          <a:solidFill>
+            <a:schemeClr val="accent1">
+              <a:lumMod val="75000"/>
+            </a:schemeClr>
+          </a:solidFill>
+          <a:ln>
+            <a:solidFill>
+              <a:schemeClr val="accent1">
+                <a:lumMod val="75000"/>
+              </a:schemeClr>
+            </a:solidFill>
+          </a:ln>
+        </p:spPr>
+        <p:style>
+          <a:lnRef idx="2">
+            <a:schemeClr val="accent1">
+              <a:shade val="50000"/>
+            </a:schemeClr>
+          </a:lnRef>
+          <a:fillRef idx="1">
+            <a:schemeClr val="accent1"/>
+          </a:fillRef>
+          <a:effectRef idx="0">
+            <a:schemeClr val="accent1"/>
+          </a:effectRef>
+          <a:fontRef idx="minor">
+            <a:schemeClr val="lt1"/>
+          </a:fontRef>
+        </p:style>
+        <p:txBody>
+          <a:bodyPr rtlCol="0" anchor="ctr"/>
+          <a:lstStyle/>
+          <a:p>
+            <a:pPr algn="ctr"/>
+            <a:endParaRPr lang="pt-BR"/>
+          </a:p>
+        </p:txBody>
+      </p:sp>
+      <p:sp>
+        <p:nvSpPr>
+          <p:cNvPr id="63" name="Elipse 62"/>
+          <p:cNvSpPr/>
+          <p:nvPr/>
+        </p:nvSpPr>
+        <p:spPr>
+          <a:xfrm>
+            <a:off x="6643702" y="1980513"/>
+            <a:ext cx="214314" cy="214314"/>
+          </a:xfrm>
+          <a:prstGeom prst="ellipse">
+            <a:avLst/>
+          </a:prstGeom>
+          <a:solidFill>
+            <a:schemeClr val="bg1"/>
+          </a:solidFill>
+          <a:ln>
+            <a:solidFill>
+              <a:schemeClr val="accent1">
+                <a:lumMod val="75000"/>
+              </a:schemeClr>
+            </a:solidFill>
+          </a:ln>
+        </p:spPr>
+        <p:style>
+          <a:lnRef idx="2">
+            <a:schemeClr val="accent1">
+              <a:shade val="50000"/>
+            </a:schemeClr>
+          </a:lnRef>
+          <a:fillRef idx="1">
+            <a:schemeClr val="accent1"/>
+          </a:fillRef>
+          <a:effectRef idx="0">
+            <a:schemeClr val="accent1"/>
+          </a:effectRef>
+          <a:fontRef idx="minor">
+            <a:schemeClr val="lt1"/>
+          </a:fontRef>
+        </p:style>
+        <p:txBody>
+          <a:bodyPr rtlCol="0" anchor="ctr"/>
+          <a:lstStyle/>
+          <a:p>
+            <a:pPr algn="ctr"/>
+            <a:endParaRPr lang="pt-BR"/>
+          </a:p>
+        </p:txBody>
+      </p:sp>
+      <p:sp>
+        <p:nvSpPr>
+          <p:cNvPr id="64" name="Elipse 63"/>
+          <p:cNvSpPr/>
+          <p:nvPr/>
+        </p:nvSpPr>
+        <p:spPr>
+          <a:xfrm>
+            <a:off x="7715272" y="1970988"/>
+            <a:ext cx="214314" cy="214314"/>
+          </a:xfrm>
+          <a:prstGeom prst="ellipse">
+            <a:avLst/>
+          </a:prstGeom>
+          <a:solidFill>
+            <a:schemeClr val="bg1"/>
+          </a:solidFill>
+          <a:ln>
+            <a:solidFill>
+              <a:schemeClr val="accent1">
+                <a:lumMod val="75000"/>
+              </a:schemeClr>
+            </a:solidFill>
+          </a:ln>
+        </p:spPr>
+        <p:style>
+          <a:lnRef idx="2">
+            <a:schemeClr val="accent1">
+              <a:shade val="50000"/>
+            </a:schemeClr>
+          </a:lnRef>
+          <a:fillRef idx="1">
+            <a:schemeClr val="accent1"/>
+          </a:fillRef>
+          <a:effectRef idx="0">
+            <a:schemeClr val="accent1"/>
+          </a:effectRef>
+          <a:fontRef idx="minor">
+            <a:schemeClr val="lt1"/>
+          </a:fontRef>
+        </p:style>
+        <p:txBody>
+          <a:bodyPr rtlCol="0" anchor="ctr"/>
+          <a:lstStyle/>
+          <a:p>
+            <a:pPr algn="ctr"/>
+            <a:endParaRPr lang="pt-BR" dirty="0"/>
+          </a:p>
+        </p:txBody>
+      </p:sp>
+      <p:cxnSp>
+        <p:nvCxnSpPr>
+          <p:cNvPr id="65" name="Conector reto 64"/>
+          <p:cNvCxnSpPr/>
+          <p:nvPr/>
+        </p:nvCxnSpPr>
+        <p:spPr>
+          <a:xfrm rot="5400000" flipH="1" flipV="1">
+            <a:off x="5994695" y="2193636"/>
+            <a:ext cx="214314" cy="178595"/>
+          </a:xfrm>
+          <a:prstGeom prst="line">
+            <a:avLst/>
+          </a:prstGeom>
+          <a:ln w="19050">
+            <a:solidFill>
+              <a:schemeClr val="accent1">
+                <a:lumMod val="75000"/>
+              </a:schemeClr>
+            </a:solidFill>
+          </a:ln>
+        </p:spPr>
+        <p:style>
+          <a:lnRef idx="1">
+            <a:schemeClr val="accent1"/>
+          </a:lnRef>
+          <a:fillRef idx="0">
+            <a:schemeClr val="accent1"/>
+          </a:fillRef>
+          <a:effectRef idx="0">
+            <a:schemeClr val="accent1"/>
+          </a:effectRef>
+          <a:fontRef idx="minor">
+            <a:schemeClr val="tx1"/>
+          </a:fontRef>
+        </p:style>
+      </p:cxnSp>
+      <p:cxnSp>
+        <p:nvCxnSpPr>
+          <p:cNvPr id="66" name="Conector reto 65"/>
+          <p:cNvCxnSpPr/>
+          <p:nvPr/>
+        </p:nvCxnSpPr>
+        <p:spPr>
+          <a:xfrm rot="5400000" flipH="1" flipV="1">
+            <a:off x="6482967" y="2193635"/>
+            <a:ext cx="214314" cy="178595"/>
+          </a:xfrm>
+          <a:prstGeom prst="line">
+            <a:avLst/>
+          </a:prstGeom>
+          <a:ln w="19050">
+            <a:solidFill>
+              <a:schemeClr val="accent1">
+                <a:lumMod val="75000"/>
+              </a:schemeClr>
+            </a:solidFill>
+          </a:ln>
+        </p:spPr>
+        <p:style>
+          <a:lnRef idx="1">
+            <a:schemeClr val="accent1"/>
+          </a:lnRef>
+          <a:fillRef idx="0">
+            <a:schemeClr val="accent1"/>
+          </a:fillRef>
+          <a:effectRef idx="0">
+            <a:schemeClr val="accent1"/>
+          </a:effectRef>
+          <a:fontRef idx="minor">
+            <a:schemeClr val="tx1"/>
+          </a:fontRef>
+        </p:style>
+      </p:cxnSp>
+      <p:cxnSp>
+        <p:nvCxnSpPr>
+          <p:cNvPr id="67" name="Conector reto 66"/>
+          <p:cNvCxnSpPr/>
+          <p:nvPr/>
+        </p:nvCxnSpPr>
+        <p:spPr>
+          <a:xfrm rot="5400000" flipH="1" flipV="1">
+            <a:off x="7566331" y="2193636"/>
+            <a:ext cx="214314" cy="178595"/>
+          </a:xfrm>
+          <a:prstGeom prst="line">
+            <a:avLst/>
+          </a:prstGeom>
+          <a:ln w="19050">
+            <a:solidFill>
+              <a:schemeClr val="accent1">
+                <a:lumMod val="75000"/>
+              </a:schemeClr>
+            </a:solidFill>
+          </a:ln>
+        </p:spPr>
+        <p:style>
+          <a:lnRef idx="1">
+            <a:schemeClr val="accent1"/>
+          </a:lnRef>
+          <a:fillRef idx="0">
+            <a:schemeClr val="accent1"/>
+          </a:fillRef>
+          <a:effectRef idx="0">
+            <a:schemeClr val="accent1"/>
+          </a:effectRef>
+          <a:fontRef idx="minor">
+            <a:schemeClr val="tx1"/>
+          </a:fontRef>
+        </p:style>
+      </p:cxnSp>
+      <p:sp>
+        <p:nvSpPr>
+          <p:cNvPr id="68" name="CaixaDeTexto 67"/>
+          <p:cNvSpPr txBox="1"/>
+          <p:nvPr/>
+        </p:nvSpPr>
+        <p:spPr>
+          <a:xfrm rot="18214545">
+            <a:off x="5990359" y="1662093"/>
+            <a:ext cx="415335" cy="369332"/>
+          </a:xfrm>
+          <a:prstGeom prst="rect">
+            <a:avLst/>
+          </a:prstGeom>
+          <a:noFill/>
+        </p:spPr>
+        <p:txBody>
+          <a:bodyPr wrap="square" rtlCol="0">
+            <a:spAutoFit/>
+          </a:bodyPr>
+          <a:lstStyle/>
+          <a:p>
+            <a:r>
+              <a:rPr lang="pt-BR" dirty="0" smtClean="0"/>
+              <a:t>id</a:t>
+            </a:r>
+            <a:endParaRPr lang="pt-BR" dirty="0"/>
+          </a:p>
+        </p:txBody>
+      </p:sp>
+      <p:sp>
+        <p:nvSpPr>
+          <p:cNvPr id="69" name="CaixaDeTexto 68"/>
+          <p:cNvSpPr txBox="1"/>
+          <p:nvPr/>
+        </p:nvSpPr>
+        <p:spPr>
+          <a:xfrm rot="18214545">
+            <a:off x="6559126" y="1528216"/>
+            <a:ext cx="747241" cy="369332"/>
+          </a:xfrm>
+          <a:prstGeom prst="rect">
+            <a:avLst/>
+          </a:prstGeom>
+          <a:noFill/>
+        </p:spPr>
+        <p:txBody>
+          <a:bodyPr wrap="square" rtlCol="0">
+            <a:spAutoFit/>
+          </a:bodyPr>
+          <a:lstStyle/>
+          <a:p>
+            <a:r>
+              <a:rPr lang="pt-BR" dirty="0" smtClean="0"/>
+              <a:t>nome</a:t>
+            </a:r>
+            <a:endParaRPr lang="pt-BR" dirty="0"/>
+          </a:p>
+        </p:txBody>
+      </p:sp>
+      <p:sp>
+        <p:nvSpPr>
+          <p:cNvPr id="70" name="CaixaDeTexto 69"/>
+          <p:cNvSpPr txBox="1"/>
+          <p:nvPr/>
+        </p:nvSpPr>
+        <p:spPr>
+          <a:xfrm rot="18420031">
+            <a:off x="7701368" y="1494542"/>
+            <a:ext cx="862622" cy="323165"/>
+          </a:xfrm>
+          <a:prstGeom prst="rect">
+            <a:avLst/>
+          </a:prstGeom>
+          <a:noFill/>
+        </p:spPr>
+        <p:txBody>
+          <a:bodyPr wrap="square" rtlCol="0">
+            <a:spAutoFit/>
+          </a:bodyPr>
+          <a:lstStyle/>
+          <a:p>
+            <a:r>
+              <a:rPr lang="pt-BR" sz="1500" dirty="0" smtClean="0"/>
+              <a:t>contato</a:t>
+            </a:r>
+            <a:endParaRPr lang="pt-BR" sz="1500" dirty="0"/>
+          </a:p>
+        </p:txBody>
+      </p:sp>
+      <p:sp>
+        <p:nvSpPr>
+          <p:cNvPr id="71" name="Elipse 70"/>
+          <p:cNvSpPr/>
+          <p:nvPr/>
+        </p:nvSpPr>
+        <p:spPr>
+          <a:xfrm>
+            <a:off x="7137183" y="1980514"/>
+            <a:ext cx="214314" cy="214314"/>
+          </a:xfrm>
+          <a:prstGeom prst="ellipse">
+            <a:avLst/>
+          </a:prstGeom>
+          <a:solidFill>
+            <a:schemeClr val="bg1"/>
+          </a:solidFill>
+          <a:ln>
+            <a:solidFill>
+              <a:schemeClr val="accent1">
+                <a:lumMod val="75000"/>
+              </a:schemeClr>
+            </a:solidFill>
+          </a:ln>
+        </p:spPr>
+        <p:style>
+          <a:lnRef idx="2">
+            <a:schemeClr val="accent1">
+              <a:shade val="50000"/>
+            </a:schemeClr>
+          </a:lnRef>
+          <a:fillRef idx="1">
+            <a:schemeClr val="accent1"/>
+          </a:fillRef>
+          <a:effectRef idx="0">
+            <a:schemeClr val="accent1"/>
+          </a:effectRef>
+          <a:fontRef idx="minor">
+            <a:schemeClr val="lt1"/>
+          </a:fontRef>
+        </p:style>
+        <p:txBody>
+          <a:bodyPr rtlCol="0" anchor="ctr"/>
+          <a:lstStyle/>
+          <a:p>
+            <a:pPr algn="ctr"/>
+            <a:endParaRPr lang="pt-BR"/>
+          </a:p>
+        </p:txBody>
+      </p:sp>
+      <p:cxnSp>
+        <p:nvCxnSpPr>
+          <p:cNvPr id="72" name="Conector reto 71"/>
+          <p:cNvCxnSpPr/>
+          <p:nvPr/>
+        </p:nvCxnSpPr>
+        <p:spPr>
+          <a:xfrm rot="5400000" flipH="1" flipV="1">
+            <a:off x="6976448" y="2193636"/>
+            <a:ext cx="214314" cy="178595"/>
+          </a:xfrm>
+          <a:prstGeom prst="line">
+            <a:avLst/>
+          </a:prstGeom>
+          <a:ln w="19050">
+            <a:solidFill>
+              <a:schemeClr val="accent1">
+                <a:lumMod val="75000"/>
+              </a:schemeClr>
+            </a:solidFill>
+          </a:ln>
+        </p:spPr>
+        <p:style>
+          <a:lnRef idx="1">
+            <a:schemeClr val="accent1"/>
+          </a:lnRef>
+          <a:fillRef idx="0">
+            <a:schemeClr val="accent1"/>
+          </a:fillRef>
+          <a:effectRef idx="0">
+            <a:schemeClr val="accent1"/>
+          </a:effectRef>
+          <a:fontRef idx="minor">
+            <a:schemeClr val="tx1"/>
+          </a:fontRef>
+        </p:style>
+      </p:cxnSp>
+      <p:sp>
+        <p:nvSpPr>
+          <p:cNvPr id="73" name="CaixaDeTexto 72"/>
+          <p:cNvSpPr txBox="1"/>
+          <p:nvPr/>
+        </p:nvSpPr>
+        <p:spPr>
+          <a:xfrm rot="18214545">
+            <a:off x="7124045" y="1506261"/>
+            <a:ext cx="747241" cy="369332"/>
+          </a:xfrm>
+          <a:prstGeom prst="rect">
+            <a:avLst/>
+          </a:prstGeom>
+          <a:noFill/>
+        </p:spPr>
+        <p:txBody>
+          <a:bodyPr wrap="square" rtlCol="0">
+            <a:spAutoFit/>
+          </a:bodyPr>
+          <a:lstStyle/>
+          <a:p>
+            <a:r>
+              <a:rPr lang="pt-BR" dirty="0" err="1" smtClean="0"/>
+              <a:t>cpf</a:t>
+            </a:r>
+            <a:endParaRPr lang="pt-BR" dirty="0"/>
+          </a:p>
+        </p:txBody>
+      </p:sp>
+      <p:sp>
+        <p:nvSpPr>
+          <p:cNvPr id="74" name="CaixaDeTexto 73"/>
+          <p:cNvSpPr txBox="1"/>
+          <p:nvPr/>
+        </p:nvSpPr>
+        <p:spPr>
+          <a:xfrm rot="18514502">
+            <a:off x="8123469" y="1037551"/>
+            <a:ext cx="714380" cy="323165"/>
+          </a:xfrm>
+          <a:prstGeom prst="rect">
+            <a:avLst/>
+          </a:prstGeom>
+          <a:noFill/>
+        </p:spPr>
+        <p:txBody>
+          <a:bodyPr wrap="square" rtlCol="0">
+            <a:spAutoFit/>
+          </a:bodyPr>
+          <a:lstStyle/>
+          <a:p>
+            <a:r>
+              <a:rPr lang="pt-BR" sz="1500" dirty="0" smtClean="0"/>
+              <a:t>(0..n)</a:t>
+            </a:r>
+            <a:endParaRPr lang="pt-BR" sz="1500" dirty="0"/>
+          </a:p>
+        </p:txBody>
+      </p:sp>
+      <p:sp>
+        <p:nvSpPr>
+          <p:cNvPr id="92" name="Losango 91"/>
+          <p:cNvSpPr/>
+          <p:nvPr/>
+        </p:nvSpPr>
+        <p:spPr>
+          <a:xfrm>
+            <a:off x="1142976" y="1928802"/>
+            <a:ext cx="857256" cy="571504"/>
+          </a:xfrm>
+          <a:prstGeom prst="diamond">
+            <a:avLst/>
+          </a:prstGeom>
+          <a:solidFill>
+            <a:schemeClr val="bg1"/>
+          </a:solidFill>
+          <a:ln>
+            <a:solidFill>
+              <a:schemeClr val="tx1"/>
+            </a:solidFill>
+          </a:ln>
+        </p:spPr>
+        <p:style>
+          <a:lnRef idx="2">
+            <a:schemeClr val="accent1">
+              <a:shade val="50000"/>
+            </a:schemeClr>
+          </a:lnRef>
+          <a:fillRef idx="1">
+            <a:schemeClr val="accent1"/>
+          </a:fillRef>
+          <a:effectRef idx="0">
+            <a:schemeClr val="accent1"/>
+          </a:effectRef>
+          <a:fontRef idx="minor">
+            <a:schemeClr val="lt1"/>
+          </a:fontRef>
+        </p:style>
+        <p:txBody>
+          <a:bodyPr rtlCol="0" anchor="ctr"/>
+          <a:lstStyle/>
+          <a:p>
+            <a:pPr algn="ctr"/>
+            <a:endParaRPr lang="pt-BR"/>
+          </a:p>
+        </p:txBody>
+      </p:sp>
+      <p:cxnSp>
+        <p:nvCxnSpPr>
+          <p:cNvPr id="93" name="Conector reto 92"/>
+          <p:cNvCxnSpPr>
+            <a:stCxn id="92" idx="2"/>
+          </p:cNvCxnSpPr>
+          <p:nvPr/>
+        </p:nvCxnSpPr>
+        <p:spPr>
+          <a:xfrm rot="5400000">
+            <a:off x="1210842" y="2853924"/>
+            <a:ext cx="714380" cy="7144"/>
+          </a:xfrm>
+          <a:prstGeom prst="line">
+            <a:avLst/>
+          </a:prstGeom>
+          <a:ln w="25400">
+            <a:solidFill>
+              <a:schemeClr val="tx1"/>
+            </a:solidFill>
+          </a:ln>
+        </p:spPr>
+        <p:style>
+          <a:lnRef idx="1">
+            <a:schemeClr val="accent1"/>
+          </a:lnRef>
+          <a:fillRef idx="0">
+            <a:schemeClr val="accent1"/>
+          </a:fillRef>
+          <a:effectRef idx="0">
+            <a:schemeClr val="accent1"/>
+          </a:effectRef>
+          <a:fontRef idx="minor">
+            <a:schemeClr val="tx1"/>
+          </a:fontRef>
+        </p:style>
+      </p:cxnSp>
+      <p:cxnSp>
+        <p:nvCxnSpPr>
+          <p:cNvPr id="94" name="Conector reto 93"/>
+          <p:cNvCxnSpPr>
+            <a:stCxn id="6" idx="2"/>
+            <a:endCxn id="92" idx="0"/>
+          </p:cNvCxnSpPr>
+          <p:nvPr/>
+        </p:nvCxnSpPr>
+        <p:spPr>
+          <a:xfrm rot="5400000">
+            <a:off x="1641702" y="1605990"/>
+            <a:ext cx="252715" cy="392909"/>
+          </a:xfrm>
+          <a:prstGeom prst="line">
+            <a:avLst/>
+          </a:prstGeom>
+          <a:ln w="25400">
+            <a:solidFill>
+              <a:schemeClr val="tx1"/>
+            </a:solidFill>
+          </a:ln>
+        </p:spPr>
+        <p:style>
+          <a:lnRef idx="1">
+            <a:schemeClr val="accent1"/>
+          </a:lnRef>
+          <a:fillRef idx="0">
+            <a:schemeClr val="accent1"/>
+          </a:fillRef>
+          <a:effectRef idx="0">
+            <a:schemeClr val="accent1"/>
+          </a:effectRef>
+          <a:fontRef idx="minor">
+            <a:schemeClr val="tx1"/>
+          </a:fontRef>
+        </p:style>
+      </p:cxnSp>
+      <p:sp>
+        <p:nvSpPr>
+          <p:cNvPr id="97" name="CaixaDeTexto 96"/>
+          <p:cNvSpPr txBox="1"/>
+          <p:nvPr/>
+        </p:nvSpPr>
+        <p:spPr>
+          <a:xfrm>
+            <a:off x="1214414" y="2095820"/>
+            <a:ext cx="928694" cy="261610"/>
+          </a:xfrm>
+          <a:prstGeom prst="rect">
+            <a:avLst/>
+          </a:prstGeom>
+          <a:noFill/>
+        </p:spPr>
+        <p:txBody>
+          <a:bodyPr wrap="square" rtlCol="0">
+            <a:spAutoFit/>
+          </a:bodyPr>
+          <a:lstStyle/>
+          <a:p>
+            <a:r>
+              <a:rPr lang="pt-BR" sz="1100" dirty="0" smtClean="0"/>
+              <a:t>oferecida</a:t>
+            </a:r>
+            <a:endParaRPr lang="pt-BR" sz="1100" dirty="0"/>
+          </a:p>
+        </p:txBody>
+      </p:sp>
+      <p:sp>
+        <p:nvSpPr>
+          <p:cNvPr id="105" name="Losango 104"/>
+          <p:cNvSpPr/>
+          <p:nvPr/>
+        </p:nvSpPr>
+        <p:spPr>
+          <a:xfrm>
+            <a:off x="2000232" y="4214818"/>
+            <a:ext cx="857256" cy="571504"/>
+          </a:xfrm>
+          <a:prstGeom prst="diamond">
+            <a:avLst/>
+          </a:prstGeom>
+          <a:solidFill>
+            <a:schemeClr val="bg1"/>
+          </a:solidFill>
+          <a:ln>
+            <a:solidFill>
+              <a:schemeClr val="tx1"/>
+            </a:solidFill>
+          </a:ln>
+        </p:spPr>
+        <p:style>
+          <a:lnRef idx="2">
+            <a:schemeClr val="accent1">
+              <a:shade val="50000"/>
+            </a:schemeClr>
+          </a:lnRef>
+          <a:fillRef idx="1">
+            <a:schemeClr val="accent1"/>
+          </a:fillRef>
+          <a:effectRef idx="0">
+            <a:schemeClr val="accent1"/>
+          </a:effectRef>
+          <a:fontRef idx="minor">
+            <a:schemeClr val="lt1"/>
+          </a:fontRef>
+        </p:style>
+        <p:txBody>
+          <a:bodyPr rtlCol="0" anchor="ctr"/>
+          <a:lstStyle/>
+          <a:p>
+            <a:pPr algn="ctr"/>
+            <a:endParaRPr lang="pt-BR"/>
+          </a:p>
+        </p:txBody>
+      </p:sp>
+      <p:cxnSp>
+        <p:nvCxnSpPr>
+          <p:cNvPr id="106" name="Conector reto 105"/>
+          <p:cNvCxnSpPr>
+            <a:endCxn id="105" idx="1"/>
+          </p:cNvCxnSpPr>
+          <p:nvPr/>
+        </p:nvCxnSpPr>
+        <p:spPr>
+          <a:xfrm rot="5400000">
+            <a:off x="1678761" y="3893347"/>
+            <a:ext cx="928694" cy="285752"/>
+          </a:xfrm>
+          <a:prstGeom prst="line">
+            <a:avLst/>
+          </a:prstGeom>
+          <a:ln w="25400">
+            <a:solidFill>
+              <a:schemeClr val="tx1"/>
+            </a:solidFill>
+          </a:ln>
+        </p:spPr>
+        <p:style>
+          <a:lnRef idx="1">
+            <a:schemeClr val="accent1"/>
+          </a:lnRef>
+          <a:fillRef idx="0">
+            <a:schemeClr val="accent1"/>
+          </a:fillRef>
+          <a:effectRef idx="0">
+            <a:schemeClr val="accent1"/>
+          </a:effectRef>
+          <a:fontRef idx="minor">
+            <a:schemeClr val="tx1"/>
+          </a:fontRef>
+        </p:style>
+      </p:cxnSp>
+      <p:cxnSp>
+        <p:nvCxnSpPr>
+          <p:cNvPr id="107" name="Conector reto 106"/>
+          <p:cNvCxnSpPr>
+            <a:stCxn id="105" idx="3"/>
+          </p:cNvCxnSpPr>
+          <p:nvPr/>
+        </p:nvCxnSpPr>
+        <p:spPr>
+          <a:xfrm flipH="1" flipV="1">
+            <a:off x="2786050" y="3571876"/>
+            <a:ext cx="71438" cy="928694"/>
+          </a:xfrm>
+          <a:prstGeom prst="line">
+            <a:avLst/>
+          </a:prstGeom>
+          <a:ln w="25400">
+            <a:solidFill>
+              <a:schemeClr val="tx1"/>
+            </a:solidFill>
+          </a:ln>
+        </p:spPr>
+        <p:style>
+          <a:lnRef idx="1">
+            <a:schemeClr val="accent1"/>
+          </a:lnRef>
+          <a:fillRef idx="0">
+            <a:schemeClr val="accent1"/>
+          </a:fillRef>
+          <a:effectRef idx="0">
+            <a:schemeClr val="accent1"/>
+          </a:effectRef>
+          <a:fontRef idx="minor">
+            <a:schemeClr val="tx1"/>
+          </a:fontRef>
+        </p:style>
+      </p:cxnSp>
+      <p:sp>
+        <p:nvSpPr>
+          <p:cNvPr id="115" name="CaixaDeTexto 114"/>
+          <p:cNvSpPr txBox="1"/>
+          <p:nvPr/>
+        </p:nvSpPr>
+        <p:spPr>
+          <a:xfrm>
+            <a:off x="1990707" y="4372311"/>
+            <a:ext cx="1000132" cy="261610"/>
+          </a:xfrm>
+          <a:prstGeom prst="rect">
+            <a:avLst/>
+          </a:prstGeom>
+          <a:noFill/>
+        </p:spPr>
+        <p:txBody>
+          <a:bodyPr wrap="square" rtlCol="0">
+            <a:spAutoFit/>
+          </a:bodyPr>
+          <a:lstStyle/>
+          <a:p>
+            <a:r>
+              <a:rPr lang="pt-BR" sz="1100" dirty="0" err="1" smtClean="0"/>
+              <a:t>pre</a:t>
+            </a:r>
+            <a:r>
+              <a:rPr lang="pt-BR" sz="1100" dirty="0" smtClean="0"/>
+              <a:t> requisito</a:t>
+            </a:r>
+            <a:endParaRPr lang="pt-BR" sz="1100" dirty="0"/>
+          </a:p>
+        </p:txBody>
+      </p:sp>
+      <p:sp>
+        <p:nvSpPr>
+          <p:cNvPr id="116" name="Losango 115"/>
+          <p:cNvSpPr/>
+          <p:nvPr/>
+        </p:nvSpPr>
+        <p:spPr>
+          <a:xfrm>
+            <a:off x="4195759" y="500042"/>
+            <a:ext cx="857256" cy="571504"/>
+          </a:xfrm>
+          <a:prstGeom prst="diamond">
+            <a:avLst/>
+          </a:prstGeom>
+          <a:solidFill>
+            <a:schemeClr val="bg1"/>
+          </a:solidFill>
+          <a:ln>
+            <a:solidFill>
+              <a:schemeClr val="tx1"/>
+            </a:solidFill>
+          </a:ln>
+        </p:spPr>
+        <p:style>
+          <a:lnRef idx="2">
+            <a:schemeClr val="accent1">
+              <a:shade val="50000"/>
+            </a:schemeClr>
+          </a:lnRef>
+          <a:fillRef idx="1">
+            <a:schemeClr val="accent1"/>
+          </a:fillRef>
+          <a:effectRef idx="0">
+            <a:schemeClr val="accent1"/>
+          </a:effectRef>
+          <a:fontRef idx="minor">
+            <a:schemeClr val="lt1"/>
+          </a:fontRef>
+        </p:style>
+        <p:txBody>
+          <a:bodyPr rtlCol="0" anchor="ctr"/>
+          <a:lstStyle/>
+          <a:p>
+            <a:pPr algn="ctr"/>
+            <a:endParaRPr lang="pt-BR"/>
+          </a:p>
+        </p:txBody>
+      </p:sp>
+      <p:cxnSp>
+        <p:nvCxnSpPr>
+          <p:cNvPr id="117" name="Conector reto 116"/>
+          <p:cNvCxnSpPr>
+            <a:stCxn id="116" idx="1"/>
+            <a:endCxn id="6" idx="3"/>
+          </p:cNvCxnSpPr>
+          <p:nvPr/>
+        </p:nvCxnSpPr>
+        <p:spPr>
+          <a:xfrm rot="10800000" flipV="1">
+            <a:off x="3286117" y="785793"/>
+            <a:ext cx="909643" cy="659461"/>
+          </a:xfrm>
+          <a:prstGeom prst="line">
+            <a:avLst/>
+          </a:prstGeom>
+          <a:ln w="25400">
+            <a:solidFill>
+              <a:schemeClr val="tx1"/>
+            </a:solidFill>
+          </a:ln>
+        </p:spPr>
+        <p:style>
+          <a:lnRef idx="1">
+            <a:schemeClr val="accent1"/>
+          </a:lnRef>
+          <a:fillRef idx="0">
+            <a:schemeClr val="accent1"/>
+          </a:fillRef>
+          <a:effectRef idx="0">
+            <a:schemeClr val="accent1"/>
+          </a:effectRef>
+          <a:fontRef idx="minor">
+            <a:schemeClr val="tx1"/>
+          </a:fontRef>
+        </p:style>
+      </p:cxnSp>
+      <p:cxnSp>
+        <p:nvCxnSpPr>
+          <p:cNvPr id="118" name="Conector reto 117"/>
+          <p:cNvCxnSpPr>
+            <a:stCxn id="116" idx="3"/>
+            <a:endCxn id="5" idx="0"/>
+          </p:cNvCxnSpPr>
+          <p:nvPr/>
+        </p:nvCxnSpPr>
+        <p:spPr>
+          <a:xfrm>
+            <a:off x="5053015" y="785794"/>
+            <a:ext cx="2055034" cy="1610037"/>
+          </a:xfrm>
+          <a:prstGeom prst="line">
+            <a:avLst/>
+          </a:prstGeom>
+          <a:ln w="25400">
+            <a:solidFill>
+              <a:schemeClr val="tx1"/>
+            </a:solidFill>
+          </a:ln>
+        </p:spPr>
+        <p:style>
+          <a:lnRef idx="1">
+            <a:schemeClr val="accent1"/>
+          </a:lnRef>
+          <a:fillRef idx="0">
+            <a:schemeClr val="accent1"/>
+          </a:fillRef>
+          <a:effectRef idx="0">
+            <a:schemeClr val="accent1"/>
+          </a:effectRef>
+          <a:fontRef idx="minor">
+            <a:schemeClr val="tx1"/>
+          </a:fontRef>
+        </p:style>
+      </p:cxnSp>
+      <p:sp>
+        <p:nvSpPr>
+          <p:cNvPr id="119" name="CaixaDeTexto 118"/>
+          <p:cNvSpPr txBox="1"/>
+          <p:nvPr/>
+        </p:nvSpPr>
+        <p:spPr>
+          <a:xfrm>
+            <a:off x="4391024" y="642918"/>
+            <a:ext cx="500066" cy="261610"/>
+          </a:xfrm>
+          <a:prstGeom prst="rect">
+            <a:avLst/>
+          </a:prstGeom>
+          <a:noFill/>
+        </p:spPr>
+        <p:txBody>
+          <a:bodyPr wrap="square" rtlCol="0">
+            <a:spAutoFit/>
+          </a:bodyPr>
+          <a:lstStyle/>
+          <a:p>
+            <a:r>
+              <a:rPr lang="pt-BR" sz="1100" dirty="0" smtClean="0"/>
+              <a:t>aloca</a:t>
+            </a:r>
+            <a:endParaRPr lang="pt-BR" sz="1100" dirty="0"/>
+          </a:p>
+        </p:txBody>
+      </p:sp>
+      <p:sp>
+        <p:nvSpPr>
+          <p:cNvPr id="123" name="Losango 122"/>
+          <p:cNvSpPr/>
+          <p:nvPr/>
+        </p:nvSpPr>
+        <p:spPr>
+          <a:xfrm>
+            <a:off x="4143372" y="1500174"/>
+            <a:ext cx="857256" cy="571504"/>
+          </a:xfrm>
+          <a:prstGeom prst="diamond">
+            <a:avLst/>
+          </a:prstGeom>
+          <a:solidFill>
+            <a:schemeClr val="bg1"/>
+          </a:solidFill>
+          <a:ln>
+            <a:solidFill>
+              <a:schemeClr val="tx1"/>
+            </a:solidFill>
+          </a:ln>
+        </p:spPr>
+        <p:style>
+          <a:lnRef idx="2">
+            <a:schemeClr val="accent1">
+              <a:shade val="50000"/>
+            </a:schemeClr>
+          </a:lnRef>
+          <a:fillRef idx="1">
+            <a:schemeClr val="accent1"/>
+          </a:fillRef>
+          <a:effectRef idx="0">
+            <a:schemeClr val="accent1"/>
+          </a:effectRef>
+          <a:fontRef idx="minor">
+            <a:schemeClr val="lt1"/>
+          </a:fontRef>
+        </p:style>
+        <p:txBody>
+          <a:bodyPr rtlCol="0" anchor="ctr"/>
+          <a:lstStyle/>
+          <a:p>
+            <a:pPr algn="ctr"/>
+            <a:endParaRPr lang="pt-BR"/>
+          </a:p>
+        </p:txBody>
+      </p:sp>
+      <p:cxnSp>
+        <p:nvCxnSpPr>
+          <p:cNvPr id="124" name="Conector reto 123"/>
+          <p:cNvCxnSpPr>
+            <a:stCxn id="123" idx="1"/>
+            <a:endCxn id="6" idx="3"/>
+          </p:cNvCxnSpPr>
+          <p:nvPr/>
+        </p:nvCxnSpPr>
+        <p:spPr>
+          <a:xfrm rot="10800000">
+            <a:off x="3286116" y="1445256"/>
+            <a:ext cx="857256" cy="340671"/>
+          </a:xfrm>
+          <a:prstGeom prst="line">
+            <a:avLst/>
+          </a:prstGeom>
+          <a:ln w="25400">
+            <a:solidFill>
+              <a:schemeClr val="tx1"/>
+            </a:solidFill>
+          </a:ln>
+        </p:spPr>
+        <p:style>
+          <a:lnRef idx="1">
+            <a:schemeClr val="accent1"/>
+          </a:lnRef>
+          <a:fillRef idx="0">
+            <a:schemeClr val="accent1"/>
+          </a:fillRef>
+          <a:effectRef idx="0">
+            <a:schemeClr val="accent1"/>
+          </a:effectRef>
+          <a:fontRef idx="minor">
+            <a:schemeClr val="tx1"/>
+          </a:fontRef>
+        </p:style>
+      </p:cxnSp>
+      <p:cxnSp>
+        <p:nvCxnSpPr>
+          <p:cNvPr id="125" name="Conector reto 124"/>
+          <p:cNvCxnSpPr>
+            <a:stCxn id="123" idx="3"/>
+            <a:endCxn id="5" idx="1"/>
+          </p:cNvCxnSpPr>
+          <p:nvPr/>
+        </p:nvCxnSpPr>
+        <p:spPr>
+          <a:xfrm>
+            <a:off x="5000628" y="1785926"/>
+            <a:ext cx="785818" cy="840738"/>
+          </a:xfrm>
+          <a:prstGeom prst="line">
+            <a:avLst/>
+          </a:prstGeom>
+          <a:ln w="25400">
+            <a:solidFill>
+              <a:schemeClr val="tx1"/>
+            </a:solidFill>
+          </a:ln>
+        </p:spPr>
+        <p:style>
+          <a:lnRef idx="1">
+            <a:schemeClr val="accent1"/>
+          </a:lnRef>
+          <a:fillRef idx="0">
+            <a:schemeClr val="accent1"/>
+          </a:fillRef>
+          <a:effectRef idx="0">
+            <a:schemeClr val="accent1"/>
+          </a:effectRef>
+          <a:fontRef idx="minor">
+            <a:schemeClr val="tx1"/>
+          </a:fontRef>
+        </p:style>
+      </p:cxnSp>
+      <p:sp>
+        <p:nvSpPr>
+          <p:cNvPr id="126" name="CaixaDeTexto 125"/>
+          <p:cNvSpPr txBox="1"/>
+          <p:nvPr/>
+        </p:nvSpPr>
+        <p:spPr>
+          <a:xfrm>
+            <a:off x="4286248" y="1643050"/>
+            <a:ext cx="571504" cy="261610"/>
+          </a:xfrm>
+          <a:prstGeom prst="rect">
+            <a:avLst/>
+          </a:prstGeom>
+          <a:noFill/>
+        </p:spPr>
+        <p:txBody>
+          <a:bodyPr wrap="square" rtlCol="0">
+            <a:spAutoFit/>
+          </a:bodyPr>
+          <a:lstStyle/>
+          <a:p>
+            <a:r>
+              <a:rPr lang="pt-BR" sz="1100" dirty="0" smtClean="0"/>
+              <a:t>chefia</a:t>
+            </a:r>
+            <a:endParaRPr lang="pt-BR" sz="1100" dirty="0"/>
+          </a:p>
+        </p:txBody>
+      </p:sp>
+      <p:cxnSp>
+        <p:nvCxnSpPr>
+          <p:cNvPr id="131" name="Conector reto 130"/>
+          <p:cNvCxnSpPr/>
+          <p:nvPr/>
+        </p:nvCxnSpPr>
+        <p:spPr>
+          <a:xfrm rot="5400000" flipH="1" flipV="1">
+            <a:off x="7072328" y="2000242"/>
+            <a:ext cx="857259" cy="1"/>
+          </a:xfrm>
+          <a:prstGeom prst="line">
+            <a:avLst/>
+          </a:prstGeom>
+          <a:ln w="25400">
+            <a:solidFill>
+              <a:schemeClr val="tx1"/>
+            </a:solidFill>
+          </a:ln>
+        </p:spPr>
+        <p:style>
+          <a:lnRef idx="1">
+            <a:schemeClr val="accent1"/>
+          </a:lnRef>
+          <a:fillRef idx="0">
+            <a:schemeClr val="accent1"/>
+          </a:fillRef>
+          <a:effectRef idx="0">
+            <a:schemeClr val="accent1"/>
+          </a:effectRef>
+          <a:fontRef idx="minor">
+            <a:schemeClr val="tx1"/>
+          </a:fontRef>
+        </p:style>
+      </p:cxnSp>
+      <p:sp>
+        <p:nvSpPr>
+          <p:cNvPr id="133" name="CaixaDeTexto 132"/>
+          <p:cNvSpPr txBox="1"/>
+          <p:nvPr/>
+        </p:nvSpPr>
+        <p:spPr>
+          <a:xfrm>
+            <a:off x="7286644" y="1142984"/>
+            <a:ext cx="571504" cy="261610"/>
+          </a:xfrm>
+          <a:prstGeom prst="rect">
+            <a:avLst/>
+          </a:prstGeom>
+          <a:noFill/>
+        </p:spPr>
+        <p:txBody>
+          <a:bodyPr wrap="square" rtlCol="0">
+            <a:spAutoFit/>
+          </a:bodyPr>
+          <a:lstStyle/>
+          <a:p>
+            <a:r>
+              <a:rPr lang="pt-BR" sz="1100" dirty="0" smtClean="0"/>
+              <a:t>tem</a:t>
+            </a:r>
+            <a:endParaRPr lang="pt-BR" sz="1100" dirty="0"/>
+          </a:p>
+        </p:txBody>
+      </p:sp>
+      <p:sp>
+        <p:nvSpPr>
+          <p:cNvPr id="141" name="CaixaDeTexto 140"/>
+          <p:cNvSpPr txBox="1"/>
+          <p:nvPr/>
+        </p:nvSpPr>
+        <p:spPr>
+          <a:xfrm>
+            <a:off x="4071934" y="3571876"/>
+            <a:ext cx="357190" cy="369332"/>
+          </a:xfrm>
+          <a:prstGeom prst="rect">
+            <a:avLst/>
+          </a:prstGeom>
+          <a:noFill/>
+        </p:spPr>
+        <p:txBody>
+          <a:bodyPr wrap="square" rtlCol="0">
+            <a:spAutoFit/>
+          </a:bodyPr>
+          <a:lstStyle/>
+          <a:p>
+            <a:r>
+              <a:rPr lang="pt-BR" dirty="0" smtClean="0">
+                <a:latin typeface="Book Antiqua" pitchFamily="18" charset="0"/>
+              </a:rPr>
+              <a:t>n</a:t>
+            </a:r>
+            <a:endParaRPr lang="pt-BR" dirty="0">
+              <a:latin typeface="Book Antiqua" pitchFamily="18" charset="0"/>
+            </a:endParaRPr>
+          </a:p>
+        </p:txBody>
+      </p:sp>
+      <p:sp>
+        <p:nvSpPr>
+          <p:cNvPr id="143" name="CaixaDeTexto 142"/>
+          <p:cNvSpPr txBox="1"/>
+          <p:nvPr/>
+        </p:nvSpPr>
+        <p:spPr>
+          <a:xfrm>
+            <a:off x="1785918" y="1643050"/>
+            <a:ext cx="357190" cy="369332"/>
+          </a:xfrm>
+          <a:prstGeom prst="rect">
+            <a:avLst/>
+          </a:prstGeom>
+          <a:noFill/>
+        </p:spPr>
+        <p:txBody>
+          <a:bodyPr wrap="square" rtlCol="0">
+            <a:spAutoFit/>
+          </a:bodyPr>
+          <a:lstStyle/>
+          <a:p>
+            <a:r>
+              <a:rPr lang="pt-BR" dirty="0">
+                <a:latin typeface="Book Antiqua" pitchFamily="18" charset="0"/>
+              </a:rPr>
+              <a:t>1</a:t>
+            </a:r>
+          </a:p>
+        </p:txBody>
+      </p:sp>
+      <p:sp>
+        <p:nvSpPr>
+          <p:cNvPr id="144" name="CaixaDeTexto 143"/>
+          <p:cNvSpPr txBox="1"/>
+          <p:nvPr/>
+        </p:nvSpPr>
+        <p:spPr>
+          <a:xfrm>
+            <a:off x="1071538" y="2786058"/>
+            <a:ext cx="357190" cy="369332"/>
+          </a:xfrm>
+          <a:prstGeom prst="rect">
+            <a:avLst/>
+          </a:prstGeom>
+          <a:noFill/>
+        </p:spPr>
+        <p:txBody>
+          <a:bodyPr wrap="square" rtlCol="0">
+            <a:spAutoFit/>
+          </a:bodyPr>
+          <a:lstStyle/>
+          <a:p>
+            <a:r>
+              <a:rPr lang="pt-BR" dirty="0" smtClean="0">
+                <a:latin typeface="Book Antiqua" pitchFamily="18" charset="0"/>
+              </a:rPr>
+              <a:t>n</a:t>
+            </a:r>
+            <a:endParaRPr lang="pt-BR" dirty="0">
+              <a:latin typeface="Book Antiqua" pitchFamily="18" charset="0"/>
+            </a:endParaRPr>
+          </a:p>
+        </p:txBody>
+      </p:sp>
+      <p:cxnSp>
+        <p:nvCxnSpPr>
+          <p:cNvPr id="145" name="Conector reto 144"/>
+          <p:cNvCxnSpPr/>
+          <p:nvPr/>
+        </p:nvCxnSpPr>
+        <p:spPr>
+          <a:xfrm rot="5400000">
+            <a:off x="1146548" y="2782486"/>
+            <a:ext cx="714380" cy="7144"/>
+          </a:xfrm>
+          <a:prstGeom prst="line">
+            <a:avLst/>
+          </a:prstGeom>
+          <a:ln w="25400">
+            <a:solidFill>
+              <a:schemeClr val="tx1"/>
+            </a:solidFill>
+          </a:ln>
+        </p:spPr>
+        <p:style>
+          <a:lnRef idx="1">
+            <a:schemeClr val="accent1"/>
+          </a:lnRef>
+          <a:fillRef idx="0">
+            <a:schemeClr val="accent1"/>
+          </a:fillRef>
+          <a:effectRef idx="0">
+            <a:schemeClr val="accent1"/>
+          </a:effectRef>
+          <a:fontRef idx="minor">
+            <a:schemeClr val="tx1"/>
+          </a:fontRef>
+        </p:style>
+      </p:cxnSp>
+      <p:sp>
+        <p:nvSpPr>
+          <p:cNvPr id="150" name="CaixaDeTexto 149"/>
+          <p:cNvSpPr txBox="1"/>
+          <p:nvPr/>
+        </p:nvSpPr>
+        <p:spPr>
+          <a:xfrm>
+            <a:off x="2786050" y="3571876"/>
+            <a:ext cx="357190" cy="369332"/>
+          </a:xfrm>
+          <a:prstGeom prst="rect">
+            <a:avLst/>
+          </a:prstGeom>
+          <a:noFill/>
+        </p:spPr>
+        <p:txBody>
+          <a:bodyPr wrap="square" rtlCol="0">
+            <a:spAutoFit/>
+          </a:bodyPr>
+          <a:lstStyle/>
+          <a:p>
+            <a:r>
+              <a:rPr lang="pt-BR" dirty="0" smtClean="0">
+                <a:latin typeface="Book Antiqua" pitchFamily="18" charset="0"/>
+              </a:rPr>
+              <a:t>n</a:t>
+            </a:r>
+            <a:endParaRPr lang="pt-BR" dirty="0">
+              <a:latin typeface="Book Antiqua" pitchFamily="18" charset="0"/>
+            </a:endParaRPr>
+          </a:p>
+        </p:txBody>
+      </p:sp>
+      <p:sp>
+        <p:nvSpPr>
+          <p:cNvPr id="151" name="CaixaDeTexto 150"/>
+          <p:cNvSpPr txBox="1"/>
+          <p:nvPr/>
+        </p:nvSpPr>
+        <p:spPr>
+          <a:xfrm>
+            <a:off x="2000232" y="3500438"/>
+            <a:ext cx="357190" cy="369332"/>
+          </a:xfrm>
+          <a:prstGeom prst="rect">
+            <a:avLst/>
+          </a:prstGeom>
+          <a:noFill/>
+        </p:spPr>
+        <p:txBody>
+          <a:bodyPr wrap="square" rtlCol="0">
+            <a:spAutoFit/>
+          </a:bodyPr>
+          <a:lstStyle/>
+          <a:p>
+            <a:r>
+              <a:rPr lang="pt-BR" dirty="0" smtClean="0">
+                <a:latin typeface="Book Antiqua" pitchFamily="18" charset="0"/>
+              </a:rPr>
+              <a:t>n</a:t>
+            </a:r>
+            <a:endParaRPr lang="pt-BR" dirty="0">
+              <a:latin typeface="Book Antiqua" pitchFamily="18" charset="0"/>
+            </a:endParaRPr>
+          </a:p>
+        </p:txBody>
+      </p:sp>
+      <p:sp>
+        <p:nvSpPr>
+          <p:cNvPr id="152" name="CaixaDeTexto 151"/>
+          <p:cNvSpPr txBox="1"/>
+          <p:nvPr/>
+        </p:nvSpPr>
+        <p:spPr>
+          <a:xfrm rot="17408083">
+            <a:off x="1804217" y="3875671"/>
+            <a:ext cx="500066" cy="261610"/>
+          </a:xfrm>
+          <a:prstGeom prst="rect">
+            <a:avLst/>
+          </a:prstGeom>
+          <a:noFill/>
+        </p:spPr>
+        <p:txBody>
+          <a:bodyPr wrap="square" rtlCol="0">
+            <a:spAutoFit/>
+          </a:bodyPr>
+          <a:lstStyle/>
+          <a:p>
+            <a:r>
+              <a:rPr lang="pt-BR" sz="1100" dirty="0" smtClean="0"/>
+              <a:t>tem</a:t>
+            </a:r>
+            <a:endParaRPr lang="pt-BR" sz="1100" dirty="0"/>
+          </a:p>
+        </p:txBody>
+      </p:sp>
+      <p:sp>
+        <p:nvSpPr>
+          <p:cNvPr id="153" name="CaixaDeTexto 152"/>
+          <p:cNvSpPr txBox="1"/>
+          <p:nvPr/>
+        </p:nvSpPr>
+        <p:spPr>
+          <a:xfrm rot="5400000">
+            <a:off x="2731996" y="3976856"/>
+            <a:ext cx="357190" cy="261610"/>
+          </a:xfrm>
+          <a:prstGeom prst="rect">
+            <a:avLst/>
+          </a:prstGeom>
+          <a:noFill/>
+        </p:spPr>
+        <p:txBody>
+          <a:bodyPr wrap="square" rtlCol="0">
+            <a:spAutoFit/>
+          </a:bodyPr>
+          <a:lstStyle/>
+          <a:p>
+            <a:r>
+              <a:rPr lang="pt-BR" sz="1100" dirty="0"/>
+              <a:t>é</a:t>
+            </a:r>
+          </a:p>
+        </p:txBody>
+      </p:sp>
+      <p:sp>
+        <p:nvSpPr>
+          <p:cNvPr id="154" name="CaixaDeTexto 153"/>
+          <p:cNvSpPr txBox="1"/>
+          <p:nvPr/>
+        </p:nvSpPr>
+        <p:spPr>
+          <a:xfrm>
+            <a:off x="7077093" y="2100253"/>
+            <a:ext cx="357190" cy="369332"/>
+          </a:xfrm>
+          <a:prstGeom prst="rect">
+            <a:avLst/>
+          </a:prstGeom>
+          <a:noFill/>
+        </p:spPr>
+        <p:txBody>
+          <a:bodyPr wrap="square" rtlCol="0">
+            <a:spAutoFit/>
+          </a:bodyPr>
+          <a:lstStyle/>
+          <a:p>
+            <a:r>
+              <a:rPr lang="pt-BR" dirty="0" smtClean="0">
+                <a:latin typeface="Book Antiqua" pitchFamily="18" charset="0"/>
+              </a:rPr>
+              <a:t>n</a:t>
+            </a:r>
+            <a:endParaRPr lang="pt-BR" dirty="0">
+              <a:latin typeface="Book Antiqua" pitchFamily="18" charset="0"/>
+            </a:endParaRPr>
+          </a:p>
+        </p:txBody>
+      </p:sp>
+      <p:sp>
+        <p:nvSpPr>
+          <p:cNvPr id="155" name="CaixaDeTexto 154"/>
+          <p:cNvSpPr txBox="1"/>
+          <p:nvPr/>
+        </p:nvSpPr>
+        <p:spPr>
+          <a:xfrm>
+            <a:off x="3238491" y="1059404"/>
+            <a:ext cx="357190" cy="369332"/>
+          </a:xfrm>
+          <a:prstGeom prst="rect">
+            <a:avLst/>
+          </a:prstGeom>
+          <a:noFill/>
+        </p:spPr>
+        <p:txBody>
+          <a:bodyPr wrap="square" rtlCol="0">
+            <a:spAutoFit/>
+          </a:bodyPr>
+          <a:lstStyle/>
+          <a:p>
+            <a:r>
+              <a:rPr lang="pt-BR" dirty="0">
+                <a:latin typeface="Book Antiqua" pitchFamily="18" charset="0"/>
+              </a:rPr>
+              <a:t>1</a:t>
+            </a:r>
+          </a:p>
+        </p:txBody>
+      </p:sp>
+      <p:cxnSp>
+        <p:nvCxnSpPr>
+          <p:cNvPr id="156" name="Conector reto 155"/>
+          <p:cNvCxnSpPr/>
+          <p:nvPr/>
+        </p:nvCxnSpPr>
+        <p:spPr>
+          <a:xfrm>
+            <a:off x="5000628" y="795319"/>
+            <a:ext cx="2055034" cy="1610037"/>
+          </a:xfrm>
+          <a:prstGeom prst="line">
+            <a:avLst/>
+          </a:prstGeom>
+          <a:ln w="25400">
+            <a:solidFill>
+              <a:schemeClr val="tx1"/>
+            </a:solidFill>
+          </a:ln>
+        </p:spPr>
+        <p:style>
+          <a:lnRef idx="1">
+            <a:schemeClr val="accent1"/>
+          </a:lnRef>
+          <a:fillRef idx="0">
+            <a:schemeClr val="accent1"/>
+          </a:fillRef>
+          <a:effectRef idx="0">
+            <a:schemeClr val="accent1"/>
+          </a:effectRef>
+          <a:fontRef idx="minor">
+            <a:schemeClr val="tx1"/>
+          </a:fontRef>
+        </p:style>
+      </p:cxnSp>
+      <p:sp>
+        <p:nvSpPr>
+          <p:cNvPr id="157" name="CaixaDeTexto 156"/>
+          <p:cNvSpPr txBox="1"/>
+          <p:nvPr/>
+        </p:nvSpPr>
+        <p:spPr>
+          <a:xfrm>
+            <a:off x="5572132" y="2143116"/>
+            <a:ext cx="357190" cy="369332"/>
+          </a:xfrm>
+          <a:prstGeom prst="rect">
+            <a:avLst/>
+          </a:prstGeom>
+          <a:noFill/>
+        </p:spPr>
+        <p:txBody>
+          <a:bodyPr wrap="square" rtlCol="0">
+            <a:spAutoFit/>
+          </a:bodyPr>
+          <a:lstStyle/>
+          <a:p>
+            <a:r>
+              <a:rPr lang="pt-BR" dirty="0">
+                <a:latin typeface="Book Antiqua" pitchFamily="18" charset="0"/>
+              </a:rPr>
+              <a:t>1</a:t>
+            </a:r>
+          </a:p>
+        </p:txBody>
+      </p:sp>
+      <p:sp>
+        <p:nvSpPr>
+          <p:cNvPr id="158" name="CaixaDeTexto 157"/>
+          <p:cNvSpPr txBox="1"/>
+          <p:nvPr/>
+        </p:nvSpPr>
+        <p:spPr>
+          <a:xfrm>
+            <a:off x="3286116" y="1500174"/>
+            <a:ext cx="357190" cy="369332"/>
+          </a:xfrm>
+          <a:prstGeom prst="rect">
+            <a:avLst/>
+          </a:prstGeom>
+          <a:noFill/>
+        </p:spPr>
+        <p:txBody>
+          <a:bodyPr wrap="square" rtlCol="0">
+            <a:spAutoFit/>
+          </a:bodyPr>
+          <a:lstStyle/>
+          <a:p>
+            <a:r>
+              <a:rPr lang="pt-BR" dirty="0">
+                <a:latin typeface="Book Antiqua" pitchFamily="18" charset="0"/>
+              </a:rPr>
+              <a:t>1</a:t>
+            </a:r>
+          </a:p>
+        </p:txBody>
+      </p:sp>
+      <p:cxnSp>
+        <p:nvCxnSpPr>
+          <p:cNvPr id="159" name="Conector reto 158"/>
+          <p:cNvCxnSpPr/>
+          <p:nvPr/>
+        </p:nvCxnSpPr>
+        <p:spPr>
+          <a:xfrm rot="10800000">
+            <a:off x="3286116" y="1497643"/>
+            <a:ext cx="857256" cy="340671"/>
+          </a:xfrm>
+          <a:prstGeom prst="line">
+            <a:avLst/>
+          </a:prstGeom>
+          <a:ln w="25400">
+            <a:solidFill>
+              <a:schemeClr val="tx1"/>
+            </a:solidFill>
+          </a:ln>
+        </p:spPr>
+        <p:style>
+          <a:lnRef idx="1">
+            <a:schemeClr val="accent1"/>
+          </a:lnRef>
+          <a:fillRef idx="0">
+            <a:schemeClr val="accent1"/>
+          </a:fillRef>
+          <a:effectRef idx="0">
+            <a:schemeClr val="accent1"/>
+          </a:effectRef>
+          <a:fontRef idx="minor">
+            <a:schemeClr val="tx1"/>
+          </a:fontRef>
+        </p:style>
+      </p:cxnSp>
+      <p:sp>
+        <p:nvSpPr>
+          <p:cNvPr id="160" name="CaixaDeTexto 159"/>
+          <p:cNvSpPr txBox="1"/>
+          <p:nvPr/>
+        </p:nvSpPr>
+        <p:spPr>
+          <a:xfrm>
+            <a:off x="7500958" y="1714488"/>
+            <a:ext cx="357190" cy="369332"/>
+          </a:xfrm>
+          <a:prstGeom prst="rect">
+            <a:avLst/>
+          </a:prstGeom>
+          <a:noFill/>
+        </p:spPr>
+        <p:txBody>
+          <a:bodyPr wrap="square" rtlCol="0">
+            <a:spAutoFit/>
+          </a:bodyPr>
+          <a:lstStyle/>
+          <a:p>
+            <a:r>
+              <a:rPr lang="pt-BR" dirty="0">
+                <a:latin typeface="Book Antiqua" pitchFamily="18" charset="0"/>
+              </a:rPr>
+              <a:t>1</a:t>
+            </a:r>
+          </a:p>
+        </p:txBody>
+      </p:sp>
+      <p:sp>
+        <p:nvSpPr>
+          <p:cNvPr id="161" name="CaixaDeTexto 160"/>
+          <p:cNvSpPr txBox="1"/>
+          <p:nvPr/>
+        </p:nvSpPr>
+        <p:spPr>
+          <a:xfrm>
+            <a:off x="7500958" y="642918"/>
+            <a:ext cx="357190" cy="369332"/>
+          </a:xfrm>
+          <a:prstGeom prst="rect">
+            <a:avLst/>
+          </a:prstGeom>
+          <a:noFill/>
+        </p:spPr>
+        <p:txBody>
+          <a:bodyPr wrap="square" rtlCol="0">
+            <a:spAutoFit/>
+          </a:bodyPr>
+          <a:lstStyle/>
+          <a:p>
+            <a:r>
+              <a:rPr lang="pt-BR" dirty="0" smtClean="0">
+                <a:latin typeface="Book Antiqua" pitchFamily="18" charset="0"/>
+              </a:rPr>
+              <a:t>n</a:t>
+            </a:r>
+            <a:endParaRPr lang="pt-BR" dirty="0">
+              <a:latin typeface="Book Antiqua" pitchFamily="18" charset="0"/>
+            </a:endParaRPr>
+          </a:p>
+        </p:txBody>
+      </p:sp>
+      <p:cxnSp>
+        <p:nvCxnSpPr>
+          <p:cNvPr id="162" name="Conector reto 161"/>
+          <p:cNvCxnSpPr/>
+          <p:nvPr/>
+        </p:nvCxnSpPr>
+        <p:spPr>
+          <a:xfrm rot="16200000" flipH="1">
+            <a:off x="7358083" y="785793"/>
+            <a:ext cx="285751" cy="1"/>
+          </a:xfrm>
+          <a:prstGeom prst="line">
+            <a:avLst/>
+          </a:prstGeom>
+          <a:ln w="25400">
+            <a:solidFill>
+              <a:schemeClr val="tx1"/>
+            </a:solidFill>
+          </a:ln>
+        </p:spPr>
+        <p:style>
+          <a:lnRef idx="1">
+            <a:schemeClr val="accent1"/>
+          </a:lnRef>
+          <a:fillRef idx="0">
+            <a:schemeClr val="accent1"/>
+          </a:fillRef>
+          <a:effectRef idx="0">
+            <a:schemeClr val="accent1"/>
+          </a:effectRef>
+          <a:fontRef idx="minor">
+            <a:schemeClr val="tx1"/>
+          </a:fontRef>
+        </p:style>
+      </p:cxnSp>
+      <p:sp>
+        <p:nvSpPr>
+          <p:cNvPr id="127" name="Elipse 126"/>
+          <p:cNvSpPr/>
+          <p:nvPr/>
+        </p:nvSpPr>
+        <p:spPr>
+          <a:xfrm>
+            <a:off x="5929322" y="3857628"/>
+            <a:ext cx="214314" cy="214314"/>
+          </a:xfrm>
+          <a:prstGeom prst="ellipse">
+            <a:avLst/>
+          </a:prstGeom>
+          <a:solidFill>
+            <a:schemeClr val="bg1"/>
+          </a:solidFill>
+          <a:ln w="22225">
+            <a:solidFill>
+              <a:schemeClr val="tx1"/>
+            </a:solidFill>
+          </a:ln>
+        </p:spPr>
+        <p:style>
+          <a:lnRef idx="2">
+            <a:schemeClr val="accent1">
+              <a:shade val="50000"/>
+            </a:schemeClr>
+          </a:lnRef>
+          <a:fillRef idx="1">
+            <a:schemeClr val="accent1"/>
+          </a:fillRef>
+          <a:effectRef idx="0">
+            <a:schemeClr val="accent1"/>
+          </a:effectRef>
+          <a:fontRef idx="minor">
+            <a:schemeClr val="lt1"/>
+          </a:fontRef>
+        </p:style>
+        <p:txBody>
+          <a:bodyPr rtlCol="0" anchor="ctr"/>
+          <a:lstStyle/>
+          <a:p>
+            <a:pPr algn="ctr"/>
+            <a:endParaRPr lang="pt-BR" dirty="0"/>
+          </a:p>
+        </p:txBody>
+      </p:sp>
+      <p:cxnSp>
+        <p:nvCxnSpPr>
+          <p:cNvPr id="128" name="Conector reto 127"/>
+          <p:cNvCxnSpPr/>
+          <p:nvPr/>
+        </p:nvCxnSpPr>
+        <p:spPr>
+          <a:xfrm>
+            <a:off x="5500694" y="3500438"/>
+            <a:ext cx="460014" cy="428628"/>
+          </a:xfrm>
+          <a:prstGeom prst="line">
+            <a:avLst/>
+          </a:prstGeom>
+          <a:ln w="22225">
+            <a:solidFill>
+              <a:schemeClr val="tx1"/>
+            </a:solidFill>
+          </a:ln>
+        </p:spPr>
+        <p:style>
+          <a:lnRef idx="1">
+            <a:schemeClr val="accent1"/>
+          </a:lnRef>
+          <a:fillRef idx="0">
+            <a:schemeClr val="accent1"/>
+          </a:fillRef>
+          <a:effectRef idx="0">
+            <a:schemeClr val="accent1"/>
+          </a:effectRef>
+          <a:fontRef idx="minor">
+            <a:schemeClr val="tx1"/>
+          </a:fontRef>
+        </p:style>
+      </p:cxnSp>
+      <p:sp>
+        <p:nvSpPr>
+          <p:cNvPr id="129" name="CaixaDeTexto 128"/>
+          <p:cNvSpPr txBox="1"/>
+          <p:nvPr/>
+        </p:nvSpPr>
+        <p:spPr>
+          <a:xfrm rot="20433215">
+            <a:off x="6028226" y="3787753"/>
+            <a:ext cx="923067" cy="323165"/>
+          </a:xfrm>
+          <a:prstGeom prst="rect">
+            <a:avLst/>
+          </a:prstGeom>
+          <a:noFill/>
+        </p:spPr>
+        <p:txBody>
+          <a:bodyPr wrap="square" rtlCol="0">
+            <a:spAutoFit/>
+          </a:bodyPr>
+          <a:lstStyle/>
+          <a:p>
+            <a:r>
+              <a:rPr lang="pt-BR" sz="1500" dirty="0" smtClean="0"/>
+              <a:t>semestre</a:t>
+            </a:r>
+            <a:endParaRPr lang="pt-BR" sz="1500" dirty="0"/>
+          </a:p>
+        </p:txBody>
+      </p:sp>
+      <p:sp>
+        <p:nvSpPr>
+          <p:cNvPr id="136" name="Elipse 135"/>
+          <p:cNvSpPr/>
+          <p:nvPr/>
+        </p:nvSpPr>
+        <p:spPr>
+          <a:xfrm>
+            <a:off x="5357818" y="4000504"/>
+            <a:ext cx="214314" cy="214314"/>
+          </a:xfrm>
+          <a:prstGeom prst="ellipse">
+            <a:avLst/>
+          </a:prstGeom>
+          <a:solidFill>
+            <a:schemeClr val="bg1"/>
+          </a:solidFill>
+          <a:ln w="22225">
+            <a:solidFill>
+              <a:schemeClr val="tx1"/>
+            </a:solidFill>
+          </a:ln>
+        </p:spPr>
+        <p:style>
+          <a:lnRef idx="2">
+            <a:schemeClr val="accent1">
+              <a:shade val="50000"/>
+            </a:schemeClr>
+          </a:lnRef>
+          <a:fillRef idx="1">
+            <a:schemeClr val="accent1"/>
+          </a:fillRef>
+          <a:effectRef idx="0">
+            <a:schemeClr val="accent1"/>
+          </a:effectRef>
+          <a:fontRef idx="minor">
+            <a:schemeClr val="lt1"/>
+          </a:fontRef>
+        </p:style>
+        <p:txBody>
+          <a:bodyPr rtlCol="0" anchor="ctr"/>
+          <a:lstStyle/>
+          <a:p>
+            <a:pPr algn="ctr"/>
+            <a:endParaRPr lang="pt-BR" dirty="0"/>
+          </a:p>
+        </p:txBody>
+      </p:sp>
+      <p:sp>
+        <p:nvSpPr>
+          <p:cNvPr id="134" name="Quadro 133"/>
+          <p:cNvSpPr/>
+          <p:nvPr/>
+        </p:nvSpPr>
+        <p:spPr>
+          <a:xfrm rot="2750514">
+            <a:off x="7247297" y="1032199"/>
+            <a:ext cx="500066" cy="500066"/>
+          </a:xfrm>
+          <a:prstGeom prst="frame">
+            <a:avLst/>
+          </a:prstGeom>
+          <a:noFill/>
+          <a:ln>
+            <a:solidFill>
+              <a:schemeClr val="tx1"/>
+            </a:solidFill>
+          </a:ln>
+        </p:spPr>
+        <p:style>
+          <a:lnRef idx="2">
+            <a:schemeClr val="accent1">
+              <a:shade val="50000"/>
+            </a:schemeClr>
+          </a:lnRef>
+          <a:fillRef idx="1">
+            <a:schemeClr val="accent1"/>
+          </a:fillRef>
+          <a:effectRef idx="0">
+            <a:schemeClr val="accent1"/>
+          </a:effectRef>
+          <a:fontRef idx="minor">
+            <a:schemeClr val="lt1"/>
+          </a:fontRef>
+        </p:style>
+        <p:txBody>
+          <a:bodyPr rtlCol="0" anchor="ctr"/>
+          <a:lstStyle/>
+          <a:p>
+            <a:pPr algn="ctr"/>
+            <a:endParaRPr lang="pt-BR">
+              <a:solidFill>
+                <a:schemeClr val="tx1"/>
+              </a:solidFill>
+            </a:endParaRPr>
+          </a:p>
+        </p:txBody>
+      </p:sp>
+      <p:sp>
+        <p:nvSpPr>
+          <p:cNvPr id="135" name="Quadro 134"/>
+          <p:cNvSpPr/>
+          <p:nvPr/>
+        </p:nvSpPr>
+        <p:spPr>
+          <a:xfrm>
+            <a:off x="5572132" y="71414"/>
+            <a:ext cx="2714644" cy="571504"/>
+          </a:xfrm>
+          <a:prstGeom prst="frame">
+            <a:avLst/>
+          </a:prstGeom>
+          <a:noFill/>
+          <a:ln>
+            <a:solidFill>
+              <a:schemeClr val="bg1">
+                <a:lumMod val="50000"/>
+              </a:schemeClr>
+            </a:solidFill>
+          </a:ln>
+        </p:spPr>
+        <p:style>
+          <a:lnRef idx="2">
+            <a:schemeClr val="accent1">
+              <a:shade val="50000"/>
+            </a:schemeClr>
+          </a:lnRef>
+          <a:fillRef idx="1">
+            <a:schemeClr val="accent1"/>
+          </a:fillRef>
+          <a:effectRef idx="0">
+            <a:schemeClr val="accent1"/>
+          </a:effectRef>
+          <a:fontRef idx="minor">
+            <a:schemeClr val="lt1"/>
+          </a:fontRef>
+        </p:style>
+        <p:txBody>
+          <a:bodyPr rtlCol="0" anchor="ctr"/>
+          <a:lstStyle/>
+          <a:p>
+            <a:pPr algn="ctr"/>
+            <a:r>
+              <a:rPr lang="pt-BR" sz="2400" b="1" dirty="0" smtClean="0">
+                <a:solidFill>
+                  <a:schemeClr val="bg1">
+                    <a:lumMod val="50000"/>
+                  </a:schemeClr>
+                </a:solidFill>
+              </a:rPr>
+              <a:t>AVALIAÇÃO</a:t>
+            </a:r>
+          </a:p>
+        </p:txBody>
+      </p:sp>
+      <p:sp>
+        <p:nvSpPr>
+          <p:cNvPr id="163" name="CaixaDeTexto 162"/>
+          <p:cNvSpPr txBox="1"/>
+          <p:nvPr/>
+        </p:nvSpPr>
+        <p:spPr>
+          <a:xfrm>
+            <a:off x="0" y="6581001"/>
+            <a:ext cx="9144000" cy="246221"/>
+          </a:xfrm>
+          <a:prstGeom prst="rect">
+            <a:avLst/>
+          </a:prstGeom>
+          <a:noFill/>
+        </p:spPr>
+        <p:txBody>
+          <a:bodyPr wrap="square" rtlCol="0">
+            <a:spAutoFit/>
+          </a:bodyPr>
+          <a:lstStyle/>
+          <a:p>
+            <a:pPr algn="ctr"/>
+            <a:r>
+              <a:rPr lang="pt-BR" sz="1000" dirty="0" smtClean="0">
+                <a:latin typeface="Verdana" pitchFamily="34" charset="0"/>
+                <a:ea typeface="Verdana" pitchFamily="34" charset="0"/>
+              </a:rPr>
+              <a:t>CEFET MG – </a:t>
+            </a:r>
+            <a:r>
+              <a:rPr lang="pt-BR" sz="1000" dirty="0" err="1" smtClean="0">
+                <a:latin typeface="Verdana" pitchFamily="34" charset="0"/>
+                <a:ea typeface="Verdana" pitchFamily="34" charset="0"/>
+              </a:rPr>
+              <a:t>profa</a:t>
+            </a:r>
+            <a:r>
+              <a:rPr lang="pt-BR" sz="1000" dirty="0" smtClean="0">
+                <a:latin typeface="Verdana" pitchFamily="34" charset="0"/>
+                <a:ea typeface="Verdana" pitchFamily="34" charset="0"/>
+              </a:rPr>
+              <a:t>. Rosana </a:t>
+            </a:r>
+            <a:r>
+              <a:rPr lang="pt-BR" sz="1000" dirty="0" err="1" smtClean="0">
+                <a:latin typeface="Verdana" pitchFamily="34" charset="0"/>
+                <a:ea typeface="Verdana" pitchFamily="34" charset="0"/>
+              </a:rPr>
+              <a:t>Massahud</a:t>
+            </a:r>
+            <a:endParaRPr lang="pt-BR" sz="1000" dirty="0">
+              <a:latin typeface="Verdana" pitchFamily="34" charset="0"/>
+              <a:ea typeface="Verdana" pitchFamily="34" charset="0"/>
+            </a:endParaRPr>
+          </a:p>
+        </p:txBody>
+      </p:sp>
+      <p:cxnSp>
+        <p:nvCxnSpPr>
+          <p:cNvPr id="172" name="Conector reto 171"/>
+          <p:cNvCxnSpPr/>
+          <p:nvPr/>
+        </p:nvCxnSpPr>
+        <p:spPr>
+          <a:xfrm rot="16200000" flipH="1">
+            <a:off x="7307281" y="785793"/>
+            <a:ext cx="285751" cy="1"/>
+          </a:xfrm>
+          <a:prstGeom prst="line">
+            <a:avLst/>
+          </a:prstGeom>
+          <a:ln w="25400">
+            <a:solidFill>
+              <a:schemeClr val="tx1"/>
+            </a:solidFill>
+          </a:ln>
+        </p:spPr>
+        <p:style>
+          <a:lnRef idx="1">
+            <a:schemeClr val="accent1"/>
+          </a:lnRef>
+          <a:fillRef idx="0">
+            <a:schemeClr val="accent1"/>
+          </a:fillRef>
+          <a:effectRef idx="0">
+            <a:schemeClr val="accent1"/>
+          </a:effectRef>
+          <a:fontRef idx="minor">
+            <a:schemeClr val="tx1"/>
+          </a:fontRef>
+        </p:style>
+      </p:cxnSp>
+      <p:sp>
+        <p:nvSpPr>
+          <p:cNvPr id="181" name="CaixaDeTexto 180"/>
+          <p:cNvSpPr txBox="1"/>
+          <p:nvPr/>
+        </p:nvSpPr>
+        <p:spPr>
+          <a:xfrm>
+            <a:off x="5786446" y="5357826"/>
+            <a:ext cx="2643206" cy="461665"/>
+          </a:xfrm>
+          <a:prstGeom prst="rect">
+            <a:avLst/>
+          </a:prstGeom>
+          <a:solidFill>
+            <a:schemeClr val="bg1"/>
+          </a:solidFill>
+          <a:ln w="25400">
+            <a:solidFill>
+              <a:srgbClr val="00B050"/>
+            </a:solidFill>
+          </a:ln>
+        </p:spPr>
+        <p:txBody>
+          <a:bodyPr wrap="square" rtlCol="0">
+            <a:spAutoFit/>
+          </a:bodyPr>
+          <a:lstStyle/>
+          <a:p>
+            <a:pPr algn="ctr"/>
+            <a:r>
+              <a:rPr lang="pt-BR" sz="2400" b="1" dirty="0" smtClean="0">
+                <a:solidFill>
+                  <a:srgbClr val="00B050"/>
+                </a:solidFill>
+              </a:rPr>
+              <a:t>LIVRO_TEXTO</a:t>
+            </a:r>
+            <a:endParaRPr lang="pt-BR" sz="2400" b="1" dirty="0">
+              <a:solidFill>
+                <a:srgbClr val="00B050"/>
+              </a:solidFill>
+            </a:endParaRPr>
+          </a:p>
+        </p:txBody>
+      </p:sp>
+      <p:cxnSp>
+        <p:nvCxnSpPr>
+          <p:cNvPr id="182" name="Conector reto 181"/>
+          <p:cNvCxnSpPr>
+            <a:stCxn id="181" idx="0"/>
+            <a:endCxn id="199" idx="2"/>
+          </p:cNvCxnSpPr>
+          <p:nvPr/>
+        </p:nvCxnSpPr>
+        <p:spPr>
+          <a:xfrm rot="16200000" flipV="1">
+            <a:off x="5768587" y="4018363"/>
+            <a:ext cx="571504" cy="2107421"/>
+          </a:xfrm>
+          <a:prstGeom prst="line">
+            <a:avLst/>
+          </a:prstGeom>
+          <a:ln w="25400">
+            <a:solidFill>
+              <a:schemeClr val="tx1"/>
+            </a:solidFill>
+          </a:ln>
+        </p:spPr>
+        <p:style>
+          <a:lnRef idx="1">
+            <a:schemeClr val="accent1"/>
+          </a:lnRef>
+          <a:fillRef idx="0">
+            <a:schemeClr val="accent1"/>
+          </a:fillRef>
+          <a:effectRef idx="0">
+            <a:schemeClr val="accent1"/>
+          </a:effectRef>
+          <a:fontRef idx="minor">
+            <a:schemeClr val="tx1"/>
+          </a:fontRef>
+        </p:style>
+      </p:cxnSp>
+      <p:sp>
+        <p:nvSpPr>
+          <p:cNvPr id="185" name="CaixaDeTexto 184"/>
+          <p:cNvSpPr txBox="1"/>
+          <p:nvPr/>
+        </p:nvSpPr>
+        <p:spPr>
+          <a:xfrm>
+            <a:off x="7072330" y="2786058"/>
+            <a:ext cx="357190" cy="369332"/>
+          </a:xfrm>
+          <a:prstGeom prst="rect">
+            <a:avLst/>
+          </a:prstGeom>
+          <a:noFill/>
+        </p:spPr>
+        <p:txBody>
+          <a:bodyPr wrap="square" rtlCol="0">
+            <a:spAutoFit/>
+          </a:bodyPr>
+          <a:lstStyle/>
+          <a:p>
+            <a:r>
+              <a:rPr lang="pt-BR" dirty="0" smtClean="0">
+                <a:latin typeface="Book Antiqua" pitchFamily="18" charset="0"/>
+              </a:rPr>
+              <a:t>1</a:t>
+            </a:r>
+            <a:endParaRPr lang="pt-BR" dirty="0">
+              <a:latin typeface="Book Antiqua" pitchFamily="18" charset="0"/>
+            </a:endParaRPr>
+          </a:p>
+        </p:txBody>
+      </p:sp>
+      <p:sp>
+        <p:nvSpPr>
+          <p:cNvPr id="186" name="CaixaDeTexto 185"/>
+          <p:cNvSpPr txBox="1"/>
+          <p:nvPr/>
+        </p:nvSpPr>
+        <p:spPr>
+          <a:xfrm>
+            <a:off x="7072330" y="5059932"/>
+            <a:ext cx="357190" cy="369332"/>
+          </a:xfrm>
+          <a:prstGeom prst="rect">
+            <a:avLst/>
+          </a:prstGeom>
+          <a:noFill/>
+        </p:spPr>
+        <p:txBody>
+          <a:bodyPr wrap="square" rtlCol="0">
+            <a:spAutoFit/>
+          </a:bodyPr>
+          <a:lstStyle/>
+          <a:p>
+            <a:r>
+              <a:rPr lang="pt-BR" dirty="0" smtClean="0">
+                <a:latin typeface="Book Antiqua" pitchFamily="18" charset="0"/>
+              </a:rPr>
+              <a:t>n</a:t>
+            </a:r>
+            <a:endParaRPr lang="pt-BR" dirty="0">
+              <a:latin typeface="Book Antiqua" pitchFamily="18" charset="0"/>
+            </a:endParaRPr>
+          </a:p>
+        </p:txBody>
+      </p:sp>
+      <p:sp>
+        <p:nvSpPr>
+          <p:cNvPr id="187" name="CaixaDeTexto 186"/>
+          <p:cNvSpPr txBox="1"/>
+          <p:nvPr/>
+        </p:nvSpPr>
+        <p:spPr>
+          <a:xfrm>
+            <a:off x="5786446" y="3286124"/>
+            <a:ext cx="357190" cy="369332"/>
+          </a:xfrm>
+          <a:prstGeom prst="rect">
+            <a:avLst/>
+          </a:prstGeom>
+          <a:noFill/>
+        </p:spPr>
+        <p:txBody>
+          <a:bodyPr wrap="square" rtlCol="0">
+            <a:spAutoFit/>
+          </a:bodyPr>
+          <a:lstStyle/>
+          <a:p>
+            <a:r>
+              <a:rPr lang="pt-BR" dirty="0" smtClean="0">
+                <a:latin typeface="Book Antiqua" pitchFamily="18" charset="0"/>
+              </a:rPr>
+              <a:t>n</a:t>
+            </a:r>
+            <a:endParaRPr lang="pt-BR" dirty="0">
+              <a:latin typeface="Book Antiqua" pitchFamily="18" charset="0"/>
+            </a:endParaRPr>
+          </a:p>
+        </p:txBody>
+      </p:sp>
+      <p:sp>
+        <p:nvSpPr>
+          <p:cNvPr id="180" name="Retângulo 179"/>
+          <p:cNvSpPr/>
+          <p:nvPr/>
+        </p:nvSpPr>
+        <p:spPr>
+          <a:xfrm>
+            <a:off x="3428992" y="3000372"/>
+            <a:ext cx="2071702" cy="642942"/>
+          </a:xfrm>
+          <a:prstGeom prst="rect">
+            <a:avLst/>
+          </a:prstGeom>
+        </p:spPr>
+        <p:style>
+          <a:lnRef idx="2">
+            <a:schemeClr val="accent1">
+              <a:shade val="50000"/>
+            </a:schemeClr>
+          </a:lnRef>
+          <a:fillRef idx="1">
+            <a:schemeClr val="accent1"/>
+          </a:fillRef>
+          <a:effectRef idx="0">
+            <a:schemeClr val="accent1"/>
+          </a:effectRef>
+          <a:fontRef idx="minor">
+            <a:schemeClr val="lt1"/>
+          </a:fontRef>
+        </p:style>
+        <p:txBody>
+          <a:bodyPr rtlCol="0" anchor="ctr"/>
+          <a:lstStyle/>
+          <a:p>
+            <a:pPr algn="ctr"/>
+            <a:endParaRPr lang="pt-BR"/>
+          </a:p>
+        </p:txBody>
+      </p:sp>
+      <p:sp>
+        <p:nvSpPr>
+          <p:cNvPr id="183" name="Losango 182"/>
+          <p:cNvSpPr/>
+          <p:nvPr/>
+        </p:nvSpPr>
+        <p:spPr>
+          <a:xfrm>
+            <a:off x="3500430" y="3071810"/>
+            <a:ext cx="1857388" cy="571504"/>
+          </a:xfrm>
+          <a:prstGeom prst="diamond">
+            <a:avLst/>
+          </a:prstGeom>
+          <a:solidFill>
+            <a:schemeClr val="bg1"/>
+          </a:solidFill>
+          <a:ln>
+            <a:solidFill>
+              <a:schemeClr val="tx1"/>
+            </a:solidFill>
+          </a:ln>
+        </p:spPr>
+        <p:style>
+          <a:lnRef idx="2">
+            <a:schemeClr val="accent1">
+              <a:shade val="50000"/>
+            </a:schemeClr>
+          </a:lnRef>
+          <a:fillRef idx="1">
+            <a:schemeClr val="accent1"/>
+          </a:fillRef>
+          <a:effectRef idx="0">
+            <a:schemeClr val="accent1"/>
+          </a:effectRef>
+          <a:fontRef idx="minor">
+            <a:schemeClr val="lt1"/>
+          </a:fontRef>
+        </p:style>
+        <p:txBody>
+          <a:bodyPr rtlCol="0" anchor="ctr"/>
+          <a:lstStyle/>
+          <a:p>
+            <a:pPr algn="ctr"/>
+            <a:endParaRPr lang="pt-BR"/>
+          </a:p>
+        </p:txBody>
+      </p:sp>
+      <p:sp>
+        <p:nvSpPr>
+          <p:cNvPr id="184" name="CaixaDeTexto 183"/>
+          <p:cNvSpPr txBox="1"/>
+          <p:nvPr/>
+        </p:nvSpPr>
+        <p:spPr>
+          <a:xfrm>
+            <a:off x="4000496" y="3214686"/>
+            <a:ext cx="928694" cy="369332"/>
+          </a:xfrm>
+          <a:prstGeom prst="rect">
+            <a:avLst/>
+          </a:prstGeom>
+          <a:noFill/>
+        </p:spPr>
+        <p:txBody>
+          <a:bodyPr wrap="square" rtlCol="0">
+            <a:spAutoFit/>
+          </a:bodyPr>
+          <a:lstStyle/>
+          <a:p>
+            <a:r>
+              <a:rPr lang="pt-BR" dirty="0" smtClean="0"/>
+              <a:t>TURMA</a:t>
+            </a:r>
+            <a:endParaRPr lang="pt-BR" dirty="0"/>
+          </a:p>
+        </p:txBody>
+      </p:sp>
+      <p:sp>
+        <p:nvSpPr>
+          <p:cNvPr id="191" name="Losango 190"/>
+          <p:cNvSpPr/>
+          <p:nvPr/>
+        </p:nvSpPr>
+        <p:spPr>
+          <a:xfrm>
+            <a:off x="6357950" y="3000372"/>
+            <a:ext cx="857256" cy="571504"/>
+          </a:xfrm>
+          <a:prstGeom prst="diamond">
+            <a:avLst/>
+          </a:prstGeom>
+          <a:solidFill>
+            <a:schemeClr val="bg1"/>
+          </a:solidFill>
+          <a:ln>
+            <a:solidFill>
+              <a:schemeClr val="tx1"/>
+            </a:solidFill>
+          </a:ln>
+        </p:spPr>
+        <p:style>
+          <a:lnRef idx="2">
+            <a:schemeClr val="accent1">
+              <a:shade val="50000"/>
+            </a:schemeClr>
+          </a:lnRef>
+          <a:fillRef idx="1">
+            <a:schemeClr val="accent1"/>
+          </a:fillRef>
+          <a:effectRef idx="0">
+            <a:schemeClr val="accent1"/>
+          </a:effectRef>
+          <a:fontRef idx="minor">
+            <a:schemeClr val="lt1"/>
+          </a:fontRef>
+        </p:style>
+        <p:txBody>
+          <a:bodyPr rtlCol="0" anchor="ctr"/>
+          <a:lstStyle/>
+          <a:p>
+            <a:pPr algn="ctr"/>
+            <a:endParaRPr lang="pt-BR"/>
+          </a:p>
+        </p:txBody>
+      </p:sp>
+      <p:sp>
+        <p:nvSpPr>
+          <p:cNvPr id="192" name="CaixaDeTexto 191"/>
+          <p:cNvSpPr txBox="1"/>
+          <p:nvPr/>
+        </p:nvSpPr>
+        <p:spPr>
+          <a:xfrm>
+            <a:off x="6429388" y="3167390"/>
+            <a:ext cx="928694" cy="261610"/>
+          </a:xfrm>
+          <a:prstGeom prst="rect">
+            <a:avLst/>
+          </a:prstGeom>
+          <a:noFill/>
+        </p:spPr>
+        <p:txBody>
+          <a:bodyPr wrap="square" rtlCol="0">
+            <a:spAutoFit/>
+          </a:bodyPr>
+          <a:lstStyle/>
+          <a:p>
+            <a:r>
+              <a:rPr lang="pt-BR" sz="1100" dirty="0" smtClean="0"/>
+              <a:t>leciona</a:t>
+            </a:r>
+            <a:endParaRPr lang="pt-BR" sz="1100" dirty="0"/>
+          </a:p>
+        </p:txBody>
+      </p:sp>
+      <p:cxnSp>
+        <p:nvCxnSpPr>
+          <p:cNvPr id="193" name="Conector reto 192"/>
+          <p:cNvCxnSpPr>
+            <a:stCxn id="180" idx="3"/>
+            <a:endCxn id="191" idx="1"/>
+          </p:cNvCxnSpPr>
+          <p:nvPr/>
+        </p:nvCxnSpPr>
+        <p:spPr>
+          <a:xfrm flipV="1">
+            <a:off x="5500694" y="3286124"/>
+            <a:ext cx="857256" cy="35719"/>
+          </a:xfrm>
+          <a:prstGeom prst="line">
+            <a:avLst/>
+          </a:prstGeom>
+          <a:ln w="25400">
+            <a:solidFill>
+              <a:schemeClr val="tx1"/>
+            </a:solidFill>
+          </a:ln>
+        </p:spPr>
+        <p:style>
+          <a:lnRef idx="1">
+            <a:schemeClr val="accent1"/>
+          </a:lnRef>
+          <a:fillRef idx="0">
+            <a:schemeClr val="accent1"/>
+          </a:fillRef>
+          <a:effectRef idx="0">
+            <a:schemeClr val="accent1"/>
+          </a:effectRef>
+          <a:fontRef idx="minor">
+            <a:schemeClr val="tx1"/>
+          </a:fontRef>
+        </p:style>
+      </p:cxnSp>
+      <p:cxnSp>
+        <p:nvCxnSpPr>
+          <p:cNvPr id="196" name="Conector reto 195"/>
+          <p:cNvCxnSpPr>
+            <a:stCxn id="191" idx="3"/>
+          </p:cNvCxnSpPr>
+          <p:nvPr/>
+        </p:nvCxnSpPr>
+        <p:spPr>
+          <a:xfrm flipV="1">
+            <a:off x="7215206" y="2857496"/>
+            <a:ext cx="357191" cy="428628"/>
+          </a:xfrm>
+          <a:prstGeom prst="line">
+            <a:avLst/>
+          </a:prstGeom>
+          <a:ln w="25400">
+            <a:solidFill>
+              <a:schemeClr val="tx1"/>
+            </a:solidFill>
+          </a:ln>
+        </p:spPr>
+        <p:style>
+          <a:lnRef idx="1">
+            <a:schemeClr val="accent1"/>
+          </a:lnRef>
+          <a:fillRef idx="0">
+            <a:schemeClr val="accent1"/>
+          </a:fillRef>
+          <a:effectRef idx="0">
+            <a:schemeClr val="accent1"/>
+          </a:effectRef>
+          <a:fontRef idx="minor">
+            <a:schemeClr val="tx1"/>
+          </a:fontRef>
+        </p:style>
+      </p:cxnSp>
+      <p:sp>
+        <p:nvSpPr>
+          <p:cNvPr id="199" name="Losango 198"/>
+          <p:cNvSpPr/>
+          <p:nvPr/>
+        </p:nvSpPr>
+        <p:spPr>
+          <a:xfrm>
+            <a:off x="4572000" y="4214818"/>
+            <a:ext cx="857256" cy="571504"/>
+          </a:xfrm>
+          <a:prstGeom prst="diamond">
+            <a:avLst/>
+          </a:prstGeom>
+          <a:solidFill>
+            <a:schemeClr val="bg1"/>
+          </a:solidFill>
+          <a:ln>
+            <a:solidFill>
+              <a:schemeClr val="tx1"/>
+            </a:solidFill>
+          </a:ln>
+        </p:spPr>
+        <p:style>
+          <a:lnRef idx="2">
+            <a:schemeClr val="accent1">
+              <a:shade val="50000"/>
+            </a:schemeClr>
+          </a:lnRef>
+          <a:fillRef idx="1">
+            <a:schemeClr val="accent1"/>
+          </a:fillRef>
+          <a:effectRef idx="0">
+            <a:schemeClr val="accent1"/>
+          </a:effectRef>
+          <a:fontRef idx="minor">
+            <a:schemeClr val="lt1"/>
+          </a:fontRef>
+        </p:style>
+        <p:txBody>
+          <a:bodyPr rtlCol="0" anchor="ctr"/>
+          <a:lstStyle/>
+          <a:p>
+            <a:pPr algn="ctr"/>
+            <a:endParaRPr lang="pt-BR"/>
+          </a:p>
+        </p:txBody>
+      </p:sp>
+      <p:sp>
+        <p:nvSpPr>
+          <p:cNvPr id="200" name="CaixaDeTexto 199"/>
+          <p:cNvSpPr txBox="1"/>
+          <p:nvPr/>
+        </p:nvSpPr>
+        <p:spPr>
+          <a:xfrm>
+            <a:off x="4643438" y="4381836"/>
+            <a:ext cx="928694" cy="261610"/>
+          </a:xfrm>
+          <a:prstGeom prst="rect">
+            <a:avLst/>
+          </a:prstGeom>
+          <a:noFill/>
+        </p:spPr>
+        <p:txBody>
+          <a:bodyPr wrap="square" rtlCol="0">
+            <a:spAutoFit/>
+          </a:bodyPr>
+          <a:lstStyle/>
+          <a:p>
+            <a:r>
+              <a:rPr lang="pt-BR" sz="1100" dirty="0" smtClean="0"/>
+              <a:t>tem</a:t>
+            </a:r>
+            <a:endParaRPr lang="pt-BR" sz="1100" dirty="0"/>
+          </a:p>
+        </p:txBody>
+      </p:sp>
+      <p:cxnSp>
+        <p:nvCxnSpPr>
+          <p:cNvPr id="202" name="Conector reto 201"/>
+          <p:cNvCxnSpPr>
+            <a:stCxn id="199" idx="0"/>
+          </p:cNvCxnSpPr>
+          <p:nvPr/>
+        </p:nvCxnSpPr>
+        <p:spPr>
+          <a:xfrm rot="5400000" flipH="1" flipV="1">
+            <a:off x="4714876" y="3929066"/>
+            <a:ext cx="571504" cy="1588"/>
+          </a:xfrm>
+          <a:prstGeom prst="line">
+            <a:avLst/>
+          </a:prstGeom>
+          <a:ln w="25400">
+            <a:solidFill>
+              <a:schemeClr val="tx1"/>
+            </a:solidFill>
+          </a:ln>
+        </p:spPr>
+        <p:style>
+          <a:lnRef idx="1">
+            <a:schemeClr val="accent1"/>
+          </a:lnRef>
+          <a:fillRef idx="0">
+            <a:schemeClr val="accent1"/>
+          </a:fillRef>
+          <a:effectRef idx="0">
+            <a:schemeClr val="accent1"/>
+          </a:effectRef>
+          <a:fontRef idx="minor">
+            <a:schemeClr val="tx1"/>
+          </a:fontRef>
+        </p:style>
+      </p:cxnSp>
+      <p:cxnSp>
+        <p:nvCxnSpPr>
+          <p:cNvPr id="206" name="Conector reto 205"/>
+          <p:cNvCxnSpPr>
+            <a:stCxn id="210" idx="2"/>
+            <a:endCxn id="7" idx="3"/>
+          </p:cNvCxnSpPr>
+          <p:nvPr/>
+        </p:nvCxnSpPr>
+        <p:spPr>
+          <a:xfrm rot="5400000">
+            <a:off x="3385014" y="4187358"/>
+            <a:ext cx="230833" cy="1143008"/>
+          </a:xfrm>
+          <a:prstGeom prst="line">
+            <a:avLst/>
+          </a:prstGeom>
+          <a:ln w="25400">
+            <a:solidFill>
+              <a:schemeClr val="tx1"/>
+            </a:solidFill>
+          </a:ln>
+        </p:spPr>
+        <p:style>
+          <a:lnRef idx="1">
+            <a:schemeClr val="accent1"/>
+          </a:lnRef>
+          <a:fillRef idx="0">
+            <a:schemeClr val="accent1"/>
+          </a:fillRef>
+          <a:effectRef idx="0">
+            <a:schemeClr val="accent1"/>
+          </a:effectRef>
+          <a:fontRef idx="minor">
+            <a:schemeClr val="tx1"/>
+          </a:fontRef>
+        </p:style>
+      </p:cxnSp>
+      <p:sp>
+        <p:nvSpPr>
+          <p:cNvPr id="210" name="Losango 209"/>
+          <p:cNvSpPr/>
+          <p:nvPr/>
+        </p:nvSpPr>
+        <p:spPr>
+          <a:xfrm>
+            <a:off x="3643306" y="4071942"/>
+            <a:ext cx="857256" cy="571504"/>
+          </a:xfrm>
+          <a:prstGeom prst="diamond">
+            <a:avLst/>
+          </a:prstGeom>
+          <a:solidFill>
+            <a:schemeClr val="bg1"/>
+          </a:solidFill>
+          <a:ln>
+            <a:solidFill>
+              <a:schemeClr val="tx1"/>
+            </a:solidFill>
+          </a:ln>
+        </p:spPr>
+        <p:style>
+          <a:lnRef idx="2">
+            <a:schemeClr val="accent1">
+              <a:shade val="50000"/>
+            </a:schemeClr>
+          </a:lnRef>
+          <a:fillRef idx="1">
+            <a:schemeClr val="accent1"/>
+          </a:fillRef>
+          <a:effectRef idx="0">
+            <a:schemeClr val="accent1"/>
+          </a:effectRef>
+          <a:fontRef idx="minor">
+            <a:schemeClr val="lt1"/>
+          </a:fontRef>
+        </p:style>
+        <p:txBody>
+          <a:bodyPr rtlCol="0" anchor="ctr"/>
+          <a:lstStyle/>
+          <a:p>
+            <a:pPr algn="ctr"/>
+            <a:endParaRPr lang="pt-BR"/>
+          </a:p>
+        </p:txBody>
+      </p:sp>
+      <p:sp>
+        <p:nvSpPr>
+          <p:cNvPr id="211" name="CaixaDeTexto 210"/>
+          <p:cNvSpPr txBox="1"/>
+          <p:nvPr/>
+        </p:nvSpPr>
+        <p:spPr>
+          <a:xfrm>
+            <a:off x="3786182" y="4214818"/>
+            <a:ext cx="928694" cy="261610"/>
+          </a:xfrm>
+          <a:prstGeom prst="rect">
+            <a:avLst/>
+          </a:prstGeom>
+          <a:noFill/>
+        </p:spPr>
+        <p:txBody>
+          <a:bodyPr wrap="square" rtlCol="0">
+            <a:spAutoFit/>
+          </a:bodyPr>
+          <a:lstStyle/>
+          <a:p>
+            <a:r>
+              <a:rPr lang="pt-BR" sz="1100" dirty="0" smtClean="0"/>
+              <a:t>matricula</a:t>
+            </a:r>
+            <a:endParaRPr lang="pt-BR" sz="1100" dirty="0"/>
+          </a:p>
+        </p:txBody>
+      </p:sp>
+      <p:cxnSp>
+        <p:nvCxnSpPr>
+          <p:cNvPr id="213" name="Conector reto 212"/>
+          <p:cNvCxnSpPr>
+            <a:stCxn id="180" idx="2"/>
+            <a:endCxn id="210" idx="0"/>
+          </p:cNvCxnSpPr>
+          <p:nvPr/>
+        </p:nvCxnSpPr>
+        <p:spPr>
+          <a:xfrm rot="5400000">
+            <a:off x="4054075" y="3661174"/>
+            <a:ext cx="428628" cy="392909"/>
+          </a:xfrm>
+          <a:prstGeom prst="line">
+            <a:avLst/>
+          </a:prstGeom>
+          <a:ln w="25400">
+            <a:solidFill>
+              <a:schemeClr val="tx1"/>
+            </a:solidFill>
+          </a:ln>
+        </p:spPr>
+        <p:style>
+          <a:lnRef idx="1">
+            <a:schemeClr val="accent1"/>
+          </a:lnRef>
+          <a:fillRef idx="0">
+            <a:schemeClr val="accent1"/>
+          </a:fillRef>
+          <a:effectRef idx="0">
+            <a:schemeClr val="accent1"/>
+          </a:effectRef>
+          <a:fontRef idx="minor">
+            <a:schemeClr val="tx1"/>
+          </a:fontRef>
+        </p:style>
+      </p:cxnSp>
+      <p:sp>
+        <p:nvSpPr>
+          <p:cNvPr id="216" name="Losango 215"/>
+          <p:cNvSpPr/>
+          <p:nvPr/>
+        </p:nvSpPr>
+        <p:spPr>
+          <a:xfrm>
+            <a:off x="2857488" y="2000240"/>
+            <a:ext cx="857256" cy="571504"/>
+          </a:xfrm>
+          <a:prstGeom prst="diamond">
+            <a:avLst/>
+          </a:prstGeom>
+          <a:solidFill>
+            <a:schemeClr val="bg1"/>
+          </a:solidFill>
+          <a:ln>
+            <a:solidFill>
+              <a:schemeClr val="tx1"/>
+            </a:solidFill>
+          </a:ln>
+        </p:spPr>
+        <p:style>
+          <a:lnRef idx="2">
+            <a:schemeClr val="accent1">
+              <a:shade val="50000"/>
+            </a:schemeClr>
+          </a:lnRef>
+          <a:fillRef idx="1">
+            <a:schemeClr val="accent1"/>
+          </a:fillRef>
+          <a:effectRef idx="0">
+            <a:schemeClr val="accent1"/>
+          </a:effectRef>
+          <a:fontRef idx="minor">
+            <a:schemeClr val="lt1"/>
+          </a:fontRef>
+        </p:style>
+        <p:txBody>
+          <a:bodyPr rtlCol="0" anchor="ctr"/>
+          <a:lstStyle/>
+          <a:p>
+            <a:pPr algn="ctr"/>
+            <a:endParaRPr lang="pt-BR"/>
+          </a:p>
+        </p:txBody>
+      </p:sp>
+      <p:sp>
+        <p:nvSpPr>
+          <p:cNvPr id="217" name="CaixaDeTexto 216"/>
+          <p:cNvSpPr txBox="1"/>
+          <p:nvPr/>
+        </p:nvSpPr>
+        <p:spPr>
+          <a:xfrm>
+            <a:off x="3143240" y="2143116"/>
+            <a:ext cx="285752" cy="261610"/>
+          </a:xfrm>
+          <a:prstGeom prst="rect">
+            <a:avLst/>
+          </a:prstGeom>
+          <a:noFill/>
+        </p:spPr>
+        <p:txBody>
+          <a:bodyPr wrap="square" rtlCol="0">
+            <a:spAutoFit/>
+          </a:bodyPr>
+          <a:lstStyle/>
+          <a:p>
+            <a:r>
+              <a:rPr lang="pt-BR" sz="1100" dirty="0" smtClean="0"/>
+              <a:t>é</a:t>
+            </a:r>
+            <a:endParaRPr lang="pt-BR" sz="1100" dirty="0"/>
+          </a:p>
+        </p:txBody>
+      </p:sp>
+      <p:cxnSp>
+        <p:nvCxnSpPr>
+          <p:cNvPr id="218" name="Conector reto 217"/>
+          <p:cNvCxnSpPr>
+            <a:stCxn id="216" idx="1"/>
+          </p:cNvCxnSpPr>
+          <p:nvPr/>
+        </p:nvCxnSpPr>
+        <p:spPr>
+          <a:xfrm rot="10800000" flipV="1">
+            <a:off x="2143108" y="2285992"/>
+            <a:ext cx="714380" cy="857256"/>
+          </a:xfrm>
+          <a:prstGeom prst="line">
+            <a:avLst/>
+          </a:prstGeom>
+          <a:ln w="25400">
+            <a:solidFill>
+              <a:schemeClr val="tx1"/>
+            </a:solidFill>
+          </a:ln>
+        </p:spPr>
+        <p:style>
+          <a:lnRef idx="1">
+            <a:schemeClr val="accent1"/>
+          </a:lnRef>
+          <a:fillRef idx="0">
+            <a:schemeClr val="accent1"/>
+          </a:fillRef>
+          <a:effectRef idx="0">
+            <a:schemeClr val="accent1"/>
+          </a:effectRef>
+          <a:fontRef idx="minor">
+            <a:schemeClr val="tx1"/>
+          </a:fontRef>
+        </p:style>
+      </p:cxnSp>
+      <p:cxnSp>
+        <p:nvCxnSpPr>
+          <p:cNvPr id="222" name="Conector reto 221"/>
+          <p:cNvCxnSpPr>
+            <a:stCxn id="216" idx="3"/>
+            <a:endCxn id="180" idx="0"/>
+          </p:cNvCxnSpPr>
+          <p:nvPr/>
+        </p:nvCxnSpPr>
+        <p:spPr>
+          <a:xfrm>
+            <a:off x="3714744" y="2285992"/>
+            <a:ext cx="750099" cy="714380"/>
+          </a:xfrm>
+          <a:prstGeom prst="line">
+            <a:avLst/>
+          </a:prstGeom>
+          <a:ln w="25400">
+            <a:solidFill>
+              <a:schemeClr val="tx1"/>
+            </a:solidFill>
+          </a:ln>
+        </p:spPr>
+        <p:style>
+          <a:lnRef idx="1">
+            <a:schemeClr val="accent1"/>
+          </a:lnRef>
+          <a:fillRef idx="0">
+            <a:schemeClr val="accent1"/>
+          </a:fillRef>
+          <a:effectRef idx="0">
+            <a:schemeClr val="accent1"/>
+          </a:effectRef>
+          <a:fontRef idx="minor">
+            <a:schemeClr val="tx1"/>
+          </a:fontRef>
+        </p:style>
+      </p:cxnSp>
+      <p:sp>
+        <p:nvSpPr>
+          <p:cNvPr id="225" name="Elipse 224"/>
+          <p:cNvSpPr/>
+          <p:nvPr/>
+        </p:nvSpPr>
+        <p:spPr>
+          <a:xfrm>
+            <a:off x="4214810" y="4929198"/>
+            <a:ext cx="214314" cy="214314"/>
+          </a:xfrm>
+          <a:prstGeom prst="ellipse">
+            <a:avLst/>
+          </a:prstGeom>
+          <a:solidFill>
+            <a:schemeClr val="bg1"/>
+          </a:solidFill>
+          <a:ln w="22225">
+            <a:solidFill>
+              <a:schemeClr val="tx1"/>
+            </a:solidFill>
+          </a:ln>
+        </p:spPr>
+        <p:style>
+          <a:lnRef idx="2">
+            <a:schemeClr val="accent1">
+              <a:shade val="50000"/>
+            </a:schemeClr>
+          </a:lnRef>
+          <a:fillRef idx="1">
+            <a:schemeClr val="accent1"/>
+          </a:fillRef>
+          <a:effectRef idx="0">
+            <a:schemeClr val="accent1"/>
+          </a:effectRef>
+          <a:fontRef idx="minor">
+            <a:schemeClr val="lt1"/>
+          </a:fontRef>
+        </p:style>
+        <p:txBody>
+          <a:bodyPr rtlCol="0" anchor="ctr"/>
+          <a:lstStyle/>
+          <a:p>
+            <a:pPr algn="ctr"/>
+            <a:endParaRPr lang="pt-BR" dirty="0"/>
+          </a:p>
+        </p:txBody>
+      </p:sp>
+      <p:cxnSp>
+        <p:nvCxnSpPr>
+          <p:cNvPr id="226" name="Conector reto 225"/>
+          <p:cNvCxnSpPr>
+            <a:stCxn id="225" idx="0"/>
+          </p:cNvCxnSpPr>
+          <p:nvPr/>
+        </p:nvCxnSpPr>
+        <p:spPr>
+          <a:xfrm rot="16200000" flipV="1">
+            <a:off x="4089794" y="4697024"/>
+            <a:ext cx="357190" cy="107157"/>
+          </a:xfrm>
+          <a:prstGeom prst="line">
+            <a:avLst/>
+          </a:prstGeom>
+          <a:ln w="25400">
+            <a:solidFill>
+              <a:schemeClr val="tx1"/>
+            </a:solidFill>
+          </a:ln>
+        </p:spPr>
+        <p:style>
+          <a:lnRef idx="1">
+            <a:schemeClr val="accent1"/>
+          </a:lnRef>
+          <a:fillRef idx="0">
+            <a:schemeClr val="accent1"/>
+          </a:fillRef>
+          <a:effectRef idx="0">
+            <a:schemeClr val="accent1"/>
+          </a:effectRef>
+          <a:fontRef idx="minor">
+            <a:schemeClr val="tx1"/>
+          </a:fontRef>
+        </p:style>
+      </p:cxnSp>
+      <p:sp>
+        <p:nvSpPr>
+          <p:cNvPr id="229" name="CaixaDeTexto 228"/>
+          <p:cNvSpPr txBox="1"/>
+          <p:nvPr/>
+        </p:nvSpPr>
+        <p:spPr>
+          <a:xfrm rot="20433215">
+            <a:off x="4180348" y="5089574"/>
+            <a:ext cx="589658" cy="323165"/>
+          </a:xfrm>
+          <a:prstGeom prst="rect">
+            <a:avLst/>
+          </a:prstGeom>
+          <a:noFill/>
+        </p:spPr>
+        <p:txBody>
+          <a:bodyPr wrap="square" rtlCol="0">
+            <a:spAutoFit/>
+          </a:bodyPr>
+          <a:lstStyle/>
+          <a:p>
+            <a:r>
+              <a:rPr lang="pt-BR" sz="1500" dirty="0" smtClean="0"/>
+              <a:t>nota</a:t>
+            </a:r>
+            <a:endParaRPr lang="pt-BR" sz="1500" dirty="0"/>
+          </a:p>
+        </p:txBody>
+      </p:sp>
+      <p:sp>
+        <p:nvSpPr>
+          <p:cNvPr id="230" name="CaixaDeTexto 229"/>
+          <p:cNvSpPr txBox="1"/>
+          <p:nvPr/>
+        </p:nvSpPr>
+        <p:spPr>
+          <a:xfrm>
+            <a:off x="2928926" y="4500570"/>
+            <a:ext cx="357190" cy="369332"/>
+          </a:xfrm>
+          <a:prstGeom prst="rect">
+            <a:avLst/>
+          </a:prstGeom>
+          <a:noFill/>
+        </p:spPr>
+        <p:txBody>
+          <a:bodyPr wrap="square" rtlCol="0">
+            <a:spAutoFit/>
+          </a:bodyPr>
+          <a:lstStyle/>
+          <a:p>
+            <a:r>
+              <a:rPr lang="pt-BR" dirty="0" smtClean="0">
+                <a:latin typeface="Book Antiqua" pitchFamily="18" charset="0"/>
+              </a:rPr>
+              <a:t>n</a:t>
+            </a:r>
+            <a:endParaRPr lang="pt-BR" dirty="0">
+              <a:latin typeface="Book Antiqua" pitchFamily="18" charset="0"/>
+            </a:endParaRPr>
+          </a:p>
+        </p:txBody>
+      </p:sp>
+      <p:sp>
+        <p:nvSpPr>
+          <p:cNvPr id="231" name="CaixaDeTexto 230"/>
+          <p:cNvSpPr txBox="1"/>
+          <p:nvPr/>
+        </p:nvSpPr>
+        <p:spPr>
+          <a:xfrm>
+            <a:off x="2000232" y="2714620"/>
+            <a:ext cx="357190" cy="369332"/>
+          </a:xfrm>
+          <a:prstGeom prst="rect">
+            <a:avLst/>
+          </a:prstGeom>
+          <a:noFill/>
+        </p:spPr>
+        <p:txBody>
+          <a:bodyPr wrap="square" rtlCol="0">
+            <a:spAutoFit/>
+          </a:bodyPr>
+          <a:lstStyle/>
+          <a:p>
+            <a:r>
+              <a:rPr lang="pt-BR" dirty="0">
+                <a:latin typeface="Book Antiqua" pitchFamily="18" charset="0"/>
+              </a:rPr>
+              <a:t>1</a:t>
+            </a:r>
+          </a:p>
+        </p:txBody>
+      </p:sp>
+      <p:sp>
+        <p:nvSpPr>
+          <p:cNvPr id="236" name="CaixaDeTexto 235"/>
+          <p:cNvSpPr txBox="1"/>
+          <p:nvPr/>
+        </p:nvSpPr>
+        <p:spPr>
+          <a:xfrm>
+            <a:off x="4357686" y="2643182"/>
+            <a:ext cx="357190" cy="369332"/>
+          </a:xfrm>
+          <a:prstGeom prst="rect">
+            <a:avLst/>
+          </a:prstGeom>
+          <a:noFill/>
+        </p:spPr>
+        <p:txBody>
+          <a:bodyPr wrap="square" rtlCol="0">
+            <a:spAutoFit/>
+          </a:bodyPr>
+          <a:lstStyle/>
+          <a:p>
+            <a:r>
+              <a:rPr lang="pt-BR" dirty="0" smtClean="0">
+                <a:latin typeface="Book Antiqua" pitchFamily="18" charset="0"/>
+              </a:rPr>
+              <a:t>n</a:t>
+            </a:r>
+            <a:endParaRPr lang="pt-BR" dirty="0">
+              <a:latin typeface="Book Antiqua" pitchFamily="18" charset="0"/>
+            </a:endParaRPr>
+          </a:p>
+        </p:txBody>
+      </p:sp>
+      <p:cxnSp>
+        <p:nvCxnSpPr>
+          <p:cNvPr id="238" name="Conector reto 237"/>
+          <p:cNvCxnSpPr>
+            <a:endCxn id="136" idx="1"/>
+          </p:cNvCxnSpPr>
+          <p:nvPr/>
+        </p:nvCxnSpPr>
+        <p:spPr>
+          <a:xfrm rot="16200000" flipH="1">
+            <a:off x="5036347" y="3679033"/>
+            <a:ext cx="388576" cy="317138"/>
+          </a:xfrm>
+          <a:prstGeom prst="line">
+            <a:avLst/>
+          </a:prstGeom>
+          <a:ln w="22225">
+            <a:solidFill>
+              <a:schemeClr val="tx1"/>
+            </a:solidFill>
+          </a:ln>
+        </p:spPr>
+        <p:style>
+          <a:lnRef idx="1">
+            <a:schemeClr val="accent1"/>
+          </a:lnRef>
+          <a:fillRef idx="0">
+            <a:schemeClr val="accent1"/>
+          </a:fillRef>
+          <a:effectRef idx="0">
+            <a:schemeClr val="accent1"/>
+          </a:effectRef>
+          <a:fontRef idx="minor">
+            <a:schemeClr val="tx1"/>
+          </a:fontRef>
+        </p:style>
+      </p:cxnSp>
+      <p:sp>
+        <p:nvSpPr>
+          <p:cNvPr id="240" name="CaixaDeTexto 239"/>
+          <p:cNvSpPr txBox="1"/>
+          <p:nvPr/>
+        </p:nvSpPr>
+        <p:spPr>
+          <a:xfrm rot="20433215">
+            <a:off x="5385285" y="4073504"/>
+            <a:ext cx="923067" cy="323165"/>
+          </a:xfrm>
+          <a:prstGeom prst="rect">
+            <a:avLst/>
+          </a:prstGeom>
+          <a:noFill/>
+        </p:spPr>
+        <p:txBody>
+          <a:bodyPr wrap="square" rtlCol="0">
+            <a:spAutoFit/>
+          </a:bodyPr>
+          <a:lstStyle/>
+          <a:p>
+            <a:r>
+              <a:rPr lang="pt-BR" sz="1500" dirty="0" smtClean="0"/>
+              <a:t>ano</a:t>
+            </a:r>
+            <a:endParaRPr lang="pt-BR" sz="1500" dirty="0"/>
+          </a:p>
+        </p:txBody>
+      </p:sp>
+      <p:sp>
+        <p:nvSpPr>
+          <p:cNvPr id="241" name="Elipse 240"/>
+          <p:cNvSpPr/>
+          <p:nvPr/>
+        </p:nvSpPr>
+        <p:spPr>
+          <a:xfrm>
+            <a:off x="4857752" y="2428868"/>
+            <a:ext cx="214314" cy="214314"/>
+          </a:xfrm>
+          <a:prstGeom prst="ellipse">
+            <a:avLst/>
+          </a:prstGeom>
+          <a:solidFill>
+            <a:schemeClr val="tx2"/>
+          </a:solidFill>
+          <a:ln w="22225">
+            <a:solidFill>
+              <a:schemeClr val="tx1"/>
+            </a:solidFill>
+          </a:ln>
+        </p:spPr>
+        <p:style>
+          <a:lnRef idx="2">
+            <a:schemeClr val="accent1">
+              <a:shade val="50000"/>
+            </a:schemeClr>
+          </a:lnRef>
+          <a:fillRef idx="1">
+            <a:schemeClr val="accent1"/>
+          </a:fillRef>
+          <a:effectRef idx="0">
+            <a:schemeClr val="accent1"/>
+          </a:effectRef>
+          <a:fontRef idx="minor">
+            <a:schemeClr val="lt1"/>
+          </a:fontRef>
+        </p:style>
+        <p:txBody>
+          <a:bodyPr rtlCol="0" anchor="ctr"/>
+          <a:lstStyle/>
+          <a:p>
+            <a:pPr algn="ctr"/>
+            <a:endParaRPr lang="pt-BR" dirty="0"/>
+          </a:p>
+        </p:txBody>
+      </p:sp>
+      <p:cxnSp>
+        <p:nvCxnSpPr>
+          <p:cNvPr id="242" name="Conector reto 241"/>
+          <p:cNvCxnSpPr>
+            <a:endCxn id="241" idx="4"/>
+          </p:cNvCxnSpPr>
+          <p:nvPr/>
+        </p:nvCxnSpPr>
+        <p:spPr>
+          <a:xfrm rot="5400000" flipH="1" flipV="1">
+            <a:off x="4732735" y="2768199"/>
+            <a:ext cx="357190" cy="107157"/>
+          </a:xfrm>
+          <a:prstGeom prst="line">
+            <a:avLst/>
+          </a:prstGeom>
+          <a:ln w="22225">
+            <a:solidFill>
+              <a:schemeClr val="tx1"/>
+            </a:solidFill>
+          </a:ln>
+        </p:spPr>
+        <p:style>
+          <a:lnRef idx="1">
+            <a:schemeClr val="accent1"/>
+          </a:lnRef>
+          <a:fillRef idx="0">
+            <a:schemeClr val="accent1"/>
+          </a:fillRef>
+          <a:effectRef idx="0">
+            <a:schemeClr val="accent1"/>
+          </a:effectRef>
+          <a:fontRef idx="minor">
+            <a:schemeClr val="tx1"/>
+          </a:fontRef>
+        </p:style>
+      </p:cxnSp>
+      <p:sp>
+        <p:nvSpPr>
+          <p:cNvPr id="245" name="CaixaDeTexto 244"/>
+          <p:cNvSpPr txBox="1"/>
+          <p:nvPr/>
+        </p:nvSpPr>
+        <p:spPr>
+          <a:xfrm rot="20433215">
+            <a:off x="4313714" y="2216116"/>
+            <a:ext cx="923067" cy="323165"/>
+          </a:xfrm>
+          <a:prstGeom prst="rect">
+            <a:avLst/>
+          </a:prstGeom>
+          <a:noFill/>
+        </p:spPr>
+        <p:txBody>
+          <a:bodyPr wrap="square" rtlCol="0">
+            <a:spAutoFit/>
+          </a:bodyPr>
+          <a:lstStyle/>
+          <a:p>
+            <a:r>
+              <a:rPr lang="pt-BR" sz="1500" dirty="0" smtClean="0"/>
+              <a:t>código</a:t>
+            </a:r>
+            <a:endParaRPr lang="pt-BR" sz="1500" dirty="0"/>
+          </a:p>
+        </p:txBody>
+      </p:sp>
+      <p:sp>
+        <p:nvSpPr>
+          <p:cNvPr id="248" name="CaixaDeTexto 247"/>
+          <p:cNvSpPr txBox="1"/>
+          <p:nvPr/>
+        </p:nvSpPr>
+        <p:spPr>
+          <a:xfrm>
+            <a:off x="4714876" y="3571876"/>
+            <a:ext cx="357190" cy="369332"/>
+          </a:xfrm>
+          <a:prstGeom prst="rect">
+            <a:avLst/>
+          </a:prstGeom>
+          <a:noFill/>
+        </p:spPr>
+        <p:txBody>
+          <a:bodyPr wrap="square" rtlCol="0">
+            <a:spAutoFit/>
+          </a:bodyPr>
+          <a:lstStyle/>
+          <a:p>
+            <a:r>
+              <a:rPr lang="pt-BR" dirty="0" smtClean="0">
+                <a:latin typeface="Book Antiqua" pitchFamily="18" charset="0"/>
+              </a:rPr>
+              <a:t>n</a:t>
+            </a:r>
+            <a:endParaRPr lang="pt-BR" dirty="0">
+              <a:latin typeface="Book Antiqua" pitchFamily="18" charset="0"/>
+            </a:endParaRPr>
+          </a:p>
+        </p:txBody>
+      </p:sp>
+    </p:spTree>
+  </p:cSld>
+  <p:clrMapOvr>
+    <a:masterClrMapping/>
+  </p:clrMapOvr>
+  <p:timing>
+    <p:tnLst>
+      <p:par>
+        <p:cTn id="1" dur="indefinite" restart="never" nodeType="tmRoot"/>
+      </p:par>
+    </p:tnLst>
+  </p:timing>
+</p:sld>
+</file>
+
+<file path=ppt/slides/slide5.xml><?xml version="1.0" encoding="utf-8"?>
 <p:sld xmlns:a="http://schemas.openxmlformats.org/drawingml/2006/main" xmlns:r="http://schemas.openxmlformats.org/officeDocument/2006/relationships" xmlns:p="http://schemas.openxmlformats.org/presentationml/2006/main">
   <p:cSld>
     <p:spTree>
@@ -11607,7 +16919,7 @@
 </p:sld>
 </file>
 
-<file path=ppt/slides/slide5.xml><?xml version="1.0" encoding="utf-8"?>
+<file path=ppt/slides/slide6.xml><?xml version="1.0" encoding="utf-8"?>
 <p:sld xmlns:a="http://schemas.openxmlformats.org/drawingml/2006/main" xmlns:r="http://schemas.openxmlformats.org/officeDocument/2006/relationships" xmlns:p="http://schemas.openxmlformats.org/presentationml/2006/main">
   <p:cSld>
     <p:spTree>
@@ -13625,7 +18937,7 @@
 </p:sld>
 </file>
 
-<file path=ppt/slides/slide6.xml><?xml version="1.0" encoding="utf-8"?>
+<file path=ppt/slides/slide7.xml><?xml version="1.0" encoding="utf-8"?>
 <p:sld xmlns:a="http://schemas.openxmlformats.org/drawingml/2006/main" xmlns:r="http://schemas.openxmlformats.org/officeDocument/2006/relationships" xmlns:p="http://schemas.openxmlformats.org/presentationml/2006/main">
   <p:cSld>
     <p:spTree>
@@ -13683,7 +18995,7 @@
         </p:nvSpPr>
         <p:spPr>
           <a:xfrm>
-            <a:off x="485804" y="3000372"/>
+            <a:off x="500034" y="3500438"/>
             <a:ext cx="8229600" cy="500066"/>
           </a:xfrm>
           <a:prstGeom prst="rect">
@@ -13916,7 +19228,7 @@
         </p:nvSpPr>
         <p:spPr>
           <a:xfrm>
-            <a:off x="500034" y="3500438"/>
+            <a:off x="500034" y="4143380"/>
             <a:ext cx="8229600" cy="500066"/>
           </a:xfrm>
           <a:prstGeom prst="rect">
@@ -14807,7 +20119,7 @@
         </p:nvSpPr>
         <p:spPr>
           <a:xfrm>
-            <a:off x="476280" y="4000504"/>
+            <a:off x="404810" y="4857760"/>
             <a:ext cx="8739190" cy="500066"/>
           </a:xfrm>
           <a:prstGeom prst="rect">
@@ -14839,7 +20151,7 @@
             </a:pPr>
             <a:r>
               <a:rPr lang="pt-BR" sz="1600" dirty="0" err="1" smtClean="0"/>
-              <a:t>Estudante_disciplina</a:t>
+              <a:t>Estudante_Turma</a:t>
             </a:r>
             <a:r>
               <a:rPr kumimoji="0" lang="pt-BR" sz="1600" b="0" i="0" u="none" strike="noStrike" kern="1200" cap="none" spc="0" normalizeH="0" baseline="0" noProof="0" dirty="0" smtClean="0">
@@ -14856,7 +20168,24 @@
                 <a:ea typeface="+mn-ea"/>
                 <a:cs typeface="+mn-cs"/>
               </a:rPr>
-              <a:t> ( </a:t>
+              <a:t> </a:t>
+            </a:r>
+            <a:r>
+              <a:rPr kumimoji="0" lang="pt-BR" sz="1600" b="0" i="0" u="none" strike="noStrike" kern="1200" cap="none" spc="0" normalizeH="0" baseline="0" noProof="0" dirty="0" smtClean="0">
+                <a:ln>
+                  <a:noFill/>
+                </a:ln>
+                <a:solidFill>
+                  <a:schemeClr val="tx1"/>
+                </a:solidFill>
+                <a:effectLst/>
+                <a:uLnTx/>
+                <a:uFillTx/>
+                <a:latin typeface="+mn-lt"/>
+                <a:ea typeface="+mn-ea"/>
+                <a:cs typeface="+mn-cs"/>
+              </a:rPr>
+              <a:t>( </a:t>
             </a:r>
             <a:r>
               <a:rPr kumimoji="0" lang="pt-BR" sz="1600" b="0" i="0" u="sng" strike="noStrike" kern="1200" cap="none" spc="0" normalizeH="0" baseline="0" noProof="0" dirty="0" smtClean="0">
@@ -14924,7 +20253,7 @@
                 <a:ea typeface="+mn-ea"/>
                 <a:cs typeface="+mn-cs"/>
               </a:rPr>
-              <a:t>codigoDisc</a:t>
+              <a:t>codigoTurma</a:t>
             </a:r>
             <a:r>
               <a:rPr kumimoji="0" lang="pt-BR" sz="1600" b="0" i="0" u="none" strike="noStrike" kern="1200" cap="none" spc="0" normalizeH="0" noProof="0" dirty="0" smtClean="0">
@@ -14941,7 +20270,58 @@
                 <a:ea typeface="+mn-ea"/>
                 <a:cs typeface="+mn-cs"/>
               </a:rPr>
-              <a:t> (FK – Disciplina), semestre, nota, turma </a:t>
+              <a:t> </a:t>
+            </a:r>
+            <a:r>
+              <a:rPr kumimoji="0" lang="pt-BR" sz="1600" b="0" i="0" u="none" strike="noStrike" kern="1200" cap="none" spc="0" normalizeH="0" noProof="0" dirty="0" smtClean="0">
+                <a:ln>
+                  <a:noFill/>
+                </a:ln>
+                <a:solidFill>
+                  <a:schemeClr val="tx1"/>
+                </a:solidFill>
+                <a:effectLst/>
+                <a:uLnTx/>
+                <a:uFillTx/>
+                <a:latin typeface="+mn-lt"/>
+                <a:ea typeface="+mn-ea"/>
+                <a:cs typeface="+mn-cs"/>
+              </a:rPr>
+              <a:t>(FK – </a:t>
+            </a:r>
+            <a:r>
+              <a:rPr kumimoji="0" lang="pt-BR" sz="1600" b="0" i="0" u="none" strike="noStrike" kern="1200" cap="none" spc="0" normalizeH="0" noProof="0" dirty="0" smtClean="0">
+                <a:ln>
+                  <a:noFill/>
+                </a:ln>
+                <a:solidFill>
+                  <a:schemeClr val="tx1"/>
+                </a:solidFill>
+                <a:effectLst/>
+                <a:uLnTx/>
+                <a:uFillTx/>
+                <a:latin typeface="+mn-lt"/>
+                <a:ea typeface="+mn-ea"/>
+                <a:cs typeface="+mn-cs"/>
+              </a:rPr>
+              <a:t>Turma), </a:t>
+            </a:r>
+            <a:r>
+              <a:rPr kumimoji="0" lang="pt-BR" sz="1600" b="0" i="0" u="none" strike="noStrike" kern="1200" cap="none" spc="0" normalizeH="0" noProof="0" dirty="0" smtClean="0">
+                <a:ln>
+                  <a:noFill/>
+                </a:ln>
+                <a:solidFill>
+                  <a:schemeClr val="tx1"/>
+                </a:solidFill>
+                <a:effectLst/>
+                <a:uLnTx/>
+                <a:uFillTx/>
+                <a:latin typeface="+mn-lt"/>
+                <a:ea typeface="+mn-ea"/>
+                <a:cs typeface="+mn-cs"/>
+              </a:rPr>
+              <a:t>nota, turma </a:t>
             </a:r>
             <a:r>
               <a:rPr kumimoji="0" lang="pt-BR" sz="1600" b="0" i="0" u="none" strike="noStrike" kern="1200" cap="none" spc="0" normalizeH="0" baseline="0" noProof="0" dirty="0" smtClean="0">
@@ -14987,7 +20367,7 @@
         </p:nvSpPr>
         <p:spPr>
           <a:xfrm>
-            <a:off x="500034" y="4572008"/>
+            <a:off x="500034" y="5429264"/>
             <a:ext cx="8229600" cy="500066"/>
           </a:xfrm>
           <a:prstGeom prst="rect">
@@ -15172,7 +20552,7 @@
       </p:sp>
       <p:sp>
         <p:nvSpPr>
-          <p:cNvPr id="75" name="Espaço Reservado para Conteúdo 2"/>
+          <p:cNvPr id="78" name="Espaço Reservado para Conteúdo 2"/>
           <p:cNvSpPr txBox="1">
             <a:spLocks/>
           </p:cNvSpPr>
@@ -15180,8 +20560,8 @@
         </p:nvSpPr>
         <p:spPr>
           <a:xfrm>
-            <a:off x="500034" y="5000636"/>
-            <a:ext cx="8229600" cy="500066"/>
+            <a:off x="500034" y="6072206"/>
+            <a:ext cx="8291512" cy="500066"/>
           </a:xfrm>
           <a:prstGeom prst="rect">
             <a:avLst/>
@@ -15189,7 +20569,7 @@
         </p:spPr>
         <p:txBody>
           <a:bodyPr vert="horz" lIns="91440" tIns="45720" rIns="91440" bIns="45720" rtlCol="0">
-            <a:normAutofit/>
+            <a:noAutofit/>
           </a:bodyPr>
           <a:lstStyle/>
           <a:p>
@@ -15211,21 +20591,12 @@
               <a:defRPr/>
             </a:pPr>
             <a:r>
-              <a:rPr kumimoji="0" lang="pt-BR" sz="1600" b="0" i="0" u="none" strike="noStrike" kern="1200" cap="none" spc="0" normalizeH="0" baseline="0" noProof="0" dirty="0" err="1" smtClean="0">
-                <a:ln>
-                  <a:noFill/>
-                </a:ln>
-                <a:solidFill>
-                  <a:schemeClr val="tx1"/>
-                </a:solidFill>
-                <a:effectLst/>
-                <a:uLnTx/>
-                <a:uFillTx/>
-                <a:latin typeface="+mn-lt"/>
-                <a:ea typeface="+mn-ea"/>
-                <a:cs typeface="+mn-cs"/>
-              </a:rPr>
-              <a:t>Contato_professor</a:t>
+              <a:rPr lang="pt-BR" sz="1600" dirty="0" err="1" smtClean="0"/>
+              <a:t>Turma</a:t>
+            </a:r>
+            <a:r>
+              <a:rPr lang="pt-BR" sz="1600" dirty="0" err="1" smtClean="0"/>
+              <a:t>_livro_texto</a:t>
             </a:r>
             <a:r>
               <a:rPr kumimoji="0" lang="pt-BR" sz="1600" b="0" i="0" u="none" strike="noStrike" kern="1200" cap="none" spc="0" normalizeH="0" baseline="0" noProof="0" dirty="0" smtClean="0">
@@ -15242,24 +20613,7 @@
                 <a:ea typeface="+mn-ea"/>
                 <a:cs typeface="+mn-cs"/>
               </a:rPr>
-              <a:t> ( </a:t>
-            </a:r>
-            <a:r>
-              <a:rPr kumimoji="0" lang="pt-BR" sz="1600" b="0" i="0" u="sng" strike="noStrike" kern="1200" cap="none" spc="0" normalizeH="0" baseline="0" noProof="0" dirty="0" err="1" smtClean="0">
-                <a:ln>
-                  <a:noFill/>
-                </a:ln>
-                <a:solidFill>
-                  <a:schemeClr val="tx1"/>
-                </a:solidFill>
-                <a:effectLst/>
-                <a:uLnTx/>
-                <a:uFillTx/>
-                <a:latin typeface="+mn-lt"/>
-                <a:ea typeface="+mn-ea"/>
-                <a:cs typeface="+mn-cs"/>
-              </a:rPr>
-              <a:t>idProfessor</a:t>
+              <a:t> </a:t>
             </a:r>
             <a:r>
               <a:rPr kumimoji="0" lang="pt-BR" sz="1600" b="0" i="0" u="none" strike="noStrike" kern="1200" cap="none" spc="0" normalizeH="0" baseline="0" noProof="0" dirty="0" smtClean="0">
@@ -15276,7 +20630,7 @@
                 <a:ea typeface="+mn-ea"/>
                 <a:cs typeface="+mn-cs"/>
               </a:rPr>
-              <a:t> (FK - Professor</a:t>
+              <a:t>(</a:t>
             </a:r>
             <a:r>
               <a:rPr kumimoji="0" lang="pt-BR" sz="1600" b="0" i="0" u="none" strike="noStrike" kern="1200" cap="none" spc="0" normalizeH="0" noProof="0" dirty="0" smtClean="0">
@@ -15293,10 +20647,10 @@
                 <a:ea typeface="+mn-ea"/>
                 <a:cs typeface="+mn-cs"/>
               </a:rPr>
-              <a:t>), </a:t>
-            </a:r>
-            <a:r>
-              <a:rPr kumimoji="0" lang="pt-BR" sz="1600" b="0" i="0" u="sng" strike="noStrike" kern="1200" cap="none" spc="0" normalizeH="0" noProof="0" dirty="0" smtClean="0">
+              <a:t> </a:t>
+            </a:r>
+            <a:r>
+              <a:rPr kumimoji="0" lang="pt-BR" sz="1600" b="0" i="0" u="sng" strike="noStrike" kern="1200" cap="none" spc="0" normalizeH="0" noProof="0" dirty="0" err="1" smtClean="0">
                 <a:ln>
                   <a:noFill/>
                 </a:ln>
@@ -15310,7 +20664,7 @@
                 <a:ea typeface="+mn-ea"/>
                 <a:cs typeface="+mn-cs"/>
               </a:rPr>
-              <a:t>contato</a:t>
+              <a:t>codigoTurma</a:t>
             </a:r>
             <a:r>
               <a:rPr kumimoji="0" lang="pt-BR" sz="1600" b="0" i="0" u="none" strike="noStrike" kern="1200" cap="none" spc="0" normalizeH="0" noProof="0" dirty="0" smtClean="0">
@@ -15327,7 +20681,109 @@
                 <a:ea typeface="+mn-ea"/>
                 <a:cs typeface="+mn-cs"/>
               </a:rPr>
-              <a:t> )</a:t>
+              <a:t> (</a:t>
+            </a:r>
+            <a:r>
+              <a:rPr kumimoji="0" lang="pt-BR" sz="1600" b="0" i="0" u="none" strike="noStrike" kern="1200" cap="none" spc="0" normalizeH="0" noProof="0" dirty="0" err="1" smtClean="0">
+                <a:ln>
+                  <a:noFill/>
+                </a:ln>
+                <a:solidFill>
+                  <a:schemeClr val="tx1"/>
+                </a:solidFill>
+                <a:effectLst/>
+                <a:uLnTx/>
+                <a:uFillTx/>
+                <a:latin typeface="+mn-lt"/>
+                <a:ea typeface="+mn-ea"/>
+                <a:cs typeface="+mn-cs"/>
+              </a:rPr>
+              <a:t>FK-Turma</a:t>
+            </a:r>
+            <a:r>
+              <a:rPr kumimoji="0" lang="pt-BR" sz="1600" b="0" i="0" u="none" strike="noStrike" kern="1200" cap="none" spc="0" normalizeH="0" noProof="0" dirty="0" smtClean="0">
+                <a:ln>
+                  <a:noFill/>
+                </a:ln>
+                <a:solidFill>
+                  <a:schemeClr val="tx1"/>
+                </a:solidFill>
+                <a:effectLst/>
+                <a:uLnTx/>
+                <a:uFillTx/>
+                <a:latin typeface="+mn-lt"/>
+                <a:ea typeface="+mn-ea"/>
+                <a:cs typeface="+mn-cs"/>
+              </a:rPr>
+              <a:t>), </a:t>
+            </a:r>
+            <a:r>
+              <a:rPr kumimoji="0" lang="pt-BR" sz="1600" b="0" i="0" u="sng" strike="noStrike" kern="1200" cap="none" spc="0" normalizeH="0" noProof="0" dirty="0" err="1" smtClean="0">
+                <a:ln>
+                  <a:noFill/>
+                </a:ln>
+                <a:solidFill>
+                  <a:schemeClr val="tx1"/>
+                </a:solidFill>
+                <a:effectLst/>
+                <a:uLnTx/>
+                <a:uFillTx/>
+                <a:latin typeface="+mn-lt"/>
+                <a:ea typeface="+mn-ea"/>
+                <a:cs typeface="+mn-cs"/>
+              </a:rPr>
+              <a:t>isbn</a:t>
+            </a:r>
+            <a:r>
+              <a:rPr kumimoji="0" lang="pt-BR" sz="1600" b="0" i="0" u="none" strike="noStrike" kern="1200" cap="none" spc="0" normalizeH="0" noProof="0" dirty="0" smtClean="0">
+                <a:ln>
+                  <a:noFill/>
+                </a:ln>
+                <a:solidFill>
+                  <a:schemeClr val="tx1"/>
+                </a:solidFill>
+                <a:effectLst/>
+                <a:uLnTx/>
+                <a:uFillTx/>
+                <a:latin typeface="+mn-lt"/>
+                <a:ea typeface="+mn-ea"/>
+                <a:cs typeface="+mn-cs"/>
+              </a:rPr>
+              <a:t> </a:t>
+            </a:r>
+            <a:r>
+              <a:rPr kumimoji="0" lang="pt-BR" sz="1600" b="0" i="0" u="none" strike="noStrike" kern="1200" cap="none" spc="0" normalizeH="0" noProof="0" dirty="0" smtClean="0">
+                <a:ln>
+                  <a:noFill/>
+                </a:ln>
+                <a:solidFill>
+                  <a:schemeClr val="tx1"/>
+                </a:solidFill>
+                <a:effectLst/>
+                <a:uLnTx/>
+                <a:uFillTx/>
+                <a:latin typeface="+mn-lt"/>
+                <a:ea typeface="+mn-ea"/>
+                <a:cs typeface="+mn-cs"/>
+              </a:rPr>
+              <a:t>(FK – </a:t>
+            </a:r>
+            <a:r>
+              <a:rPr kumimoji="0" lang="pt-BR" sz="1600" b="0" i="0" u="none" strike="noStrike" kern="1200" cap="none" spc="0" normalizeH="0" noProof="0" dirty="0" smtClean="0">
+                <a:ln>
+                  <a:noFill/>
+                </a:ln>
+                <a:solidFill>
+                  <a:schemeClr val="tx1"/>
+                </a:solidFill>
+                <a:effectLst/>
+                <a:uLnTx/>
+                <a:uFillTx/>
+                <a:latin typeface="+mn-lt"/>
+                <a:ea typeface="+mn-ea"/>
+                <a:cs typeface="+mn-cs"/>
+              </a:rPr>
+              <a:t>Livro) </a:t>
             </a:r>
             <a:r>
               <a:rPr kumimoji="0" lang="pt-BR" sz="1600" b="0" i="0" u="none" strike="noStrike" kern="1200" cap="none" spc="0" normalizeH="0" baseline="0" noProof="0" dirty="0" smtClean="0">
@@ -15344,7 +20800,7 @@
                 <a:ea typeface="+mn-ea"/>
                 <a:cs typeface="+mn-cs"/>
               </a:rPr>
-              <a:t>   </a:t>
+              <a:t>)</a:t>
             </a:r>
             <a:endParaRPr kumimoji="0" lang="pt-BR" sz="1600" b="0" i="0" u="none" strike="noStrike" kern="1200" cap="none" spc="0" normalizeH="0" baseline="0" noProof="0" dirty="0">
               <a:ln>
@@ -15365,7 +20821,7 @@
       </p:sp>
       <p:sp>
         <p:nvSpPr>
-          <p:cNvPr id="78" name="Espaço Reservado para Conteúdo 2"/>
+          <p:cNvPr id="14" name="Espaço Reservado para Conteúdo 2"/>
           <p:cNvSpPr txBox="1">
             <a:spLocks/>
           </p:cNvSpPr>
@@ -15373,7 +20829,7 @@
         </p:nvSpPr>
         <p:spPr>
           <a:xfrm>
-            <a:off x="500034" y="5500702"/>
+            <a:off x="500034" y="2928934"/>
             <a:ext cx="8291512" cy="500066"/>
           </a:xfrm>
           <a:prstGeom prst="rect">
@@ -15404,8 +20860,8 @@
               <a:defRPr/>
             </a:pPr>
             <a:r>
-              <a:rPr lang="pt-BR" sz="1600" dirty="0" err="1" smtClean="0"/>
-              <a:t>Autor_livro_texto</a:t>
+              <a:rPr lang="pt-BR" sz="1600" dirty="0" smtClean="0"/>
+              <a:t>Turma</a:t>
             </a:r>
             <a:r>
               <a:rPr kumimoji="0" lang="pt-BR" sz="1600" b="0" i="0" u="none" strike="noStrike" kern="1200" cap="none" spc="0" normalizeH="0" baseline="0" noProof="0" dirty="0" smtClean="0">
@@ -15422,7 +20878,24 @@
                 <a:ea typeface="+mn-ea"/>
                 <a:cs typeface="+mn-cs"/>
               </a:rPr>
-              <a:t> (</a:t>
+              <a:t> </a:t>
+            </a:r>
+            <a:r>
+              <a:rPr kumimoji="0" lang="pt-BR" sz="1600" b="0" i="0" u="none" strike="noStrike" kern="1200" cap="none" spc="0" normalizeH="0" baseline="0" noProof="0" dirty="0" smtClean="0">
+                <a:ln>
+                  <a:noFill/>
+                </a:ln>
+                <a:solidFill>
+                  <a:schemeClr val="tx1"/>
+                </a:solidFill>
+                <a:effectLst/>
+                <a:uLnTx/>
+                <a:uFillTx/>
+                <a:latin typeface="+mn-lt"/>
+                <a:ea typeface="+mn-ea"/>
+                <a:cs typeface="+mn-cs"/>
+              </a:rPr>
+              <a:t>(</a:t>
             </a:r>
             <a:r>
               <a:rPr kumimoji="0" lang="pt-BR" sz="1600" b="0" i="0" u="none" strike="noStrike" kern="1200" cap="none" spc="0" normalizeH="0" noProof="0" dirty="0" smtClean="0">
@@ -15456,7 +20929,28 @@
                 <a:ea typeface="+mn-ea"/>
                 <a:cs typeface="+mn-cs"/>
               </a:rPr>
-              <a:t>isbn</a:t>
+              <a:t>codigoTurma</a:t>
+            </a:r>
+            <a:r>
+              <a:rPr lang="pt-BR" sz="1600" dirty="0" smtClean="0"/>
+              <a:t>, </a:t>
+            </a:r>
+            <a:r>
+              <a:rPr kumimoji="0" lang="pt-BR" sz="1600" b="0" i="0" strike="noStrike" kern="1200" cap="none" spc="0" normalizeH="0" noProof="0" dirty="0" err="1" smtClean="0">
+                <a:ln>
+                  <a:noFill/>
+                </a:ln>
+                <a:solidFill>
+                  <a:schemeClr val="tx1"/>
+                </a:solidFill>
+                <a:effectLst/>
+                <a:uLnTx/>
+                <a:uFillTx/>
+                <a:latin typeface="+mn-lt"/>
+                <a:ea typeface="+mn-ea"/>
+                <a:cs typeface="+mn-cs"/>
+              </a:rPr>
+              <a:t>codigoDisc</a:t>
             </a:r>
             <a:r>
               <a:rPr kumimoji="0" lang="pt-BR" sz="1600" b="0" i="0" u="none" strike="noStrike" kern="1200" cap="none" spc="0" normalizeH="0" noProof="0" dirty="0" smtClean="0">
@@ -15473,7 +20967,41 @@
                 <a:ea typeface="+mn-ea"/>
                 <a:cs typeface="+mn-cs"/>
               </a:rPr>
-              <a:t> (FK – Livro), </a:t>
+              <a:t> </a:t>
+            </a:r>
+            <a:r>
+              <a:rPr kumimoji="0" lang="pt-BR" sz="1600" b="0" i="0" u="none" strike="noStrike" kern="1200" cap="none" spc="0" normalizeH="0" noProof="0" dirty="0" smtClean="0">
+                <a:ln>
+                  <a:noFill/>
+                </a:ln>
+                <a:solidFill>
+                  <a:schemeClr val="tx1"/>
+                </a:solidFill>
+                <a:effectLst/>
+                <a:uLnTx/>
+                <a:uFillTx/>
+                <a:latin typeface="+mn-lt"/>
+                <a:ea typeface="+mn-ea"/>
+                <a:cs typeface="+mn-cs"/>
+              </a:rPr>
+              <a:t>(FK – Disciplina), </a:t>
+            </a:r>
+            <a:r>
+              <a:rPr kumimoji="0" lang="pt-BR" sz="1600" b="0" i="0" strike="noStrike" kern="1200" cap="none" spc="0" normalizeH="0" noProof="0" dirty="0" err="1" smtClean="0">
+                <a:ln>
+                  <a:noFill/>
+                </a:ln>
+                <a:solidFill>
+                  <a:schemeClr val="tx1"/>
+                </a:solidFill>
+                <a:effectLst/>
+                <a:uLnTx/>
+                <a:uFillTx/>
+                <a:latin typeface="+mn-lt"/>
+                <a:ea typeface="+mn-ea"/>
+                <a:cs typeface="+mn-cs"/>
+              </a:rPr>
+              <a:t>idProfesso</a:t>
             </a:r>
             <a:r>
               <a:rPr kumimoji="0" lang="pt-BR" sz="1600" b="0" i="0" u="sng" strike="noStrike" kern="1200" cap="none" spc="0" normalizeH="0" noProof="0" dirty="0" err="1" smtClean="0">
@@ -15490,7 +21018,7 @@
                 <a:ea typeface="+mn-ea"/>
                 <a:cs typeface="+mn-cs"/>
               </a:rPr>
-              <a:t>nomeAutor</a:t>
+              <a:t>r</a:t>
             </a:r>
             <a:r>
               <a:rPr kumimoji="0" lang="pt-BR" sz="1600" b="0" i="0" u="none" strike="noStrike" kern="1200" cap="none" spc="0" normalizeH="0" noProof="0" dirty="0" smtClean="0">
@@ -15507,102 +21035,7 @@
                 <a:ea typeface="+mn-ea"/>
                 <a:cs typeface="+mn-cs"/>
               </a:rPr>
-              <a:t> </a:t>
-            </a:r>
-            <a:r>
-              <a:rPr kumimoji="0" lang="pt-BR" sz="1600" b="0" i="0" u="none" strike="noStrike" kern="1200" cap="none" spc="0" normalizeH="0" baseline="0" noProof="0" dirty="0" smtClean="0">
-                <a:ln>
-                  <a:noFill/>
-                </a:ln>
-                <a:solidFill>
-                  <a:schemeClr val="tx1"/>
-                </a:solidFill>
-                <a:effectLst/>
-                <a:uLnTx/>
-                <a:uFillTx/>
-                <a:latin typeface="+mn-lt"/>
-                <a:ea typeface="+mn-ea"/>
-                <a:cs typeface="+mn-cs"/>
-              </a:rPr>
-              <a:t>)</a:t>
-            </a:r>
-            <a:endParaRPr kumimoji="0" lang="pt-BR" sz="1600" b="0" i="0" u="none" strike="noStrike" kern="1200" cap="none" spc="0" normalizeH="0" baseline="0" noProof="0" dirty="0">
-              <a:ln>
-                <a:noFill/>
-              </a:ln>
-              <a:solidFill>
-                <a:schemeClr val="tx1"/>
-              </a:solidFill>
-              <a:effectLst/>
-              <a:uLnTx/>
-              <a:uFillTx/>
-              <a:latin typeface="+mn-lt"/>
-              <a:ea typeface="+mn-ea"/>
-              <a:cs typeface="+mn-cs"/>
-            </a:endParaRPr>
-          </a:p>
-        </p:txBody>
-      </p:sp>
-      <p:sp>
-        <p:nvSpPr>
-          <p:cNvPr id="57" name="Espaço Reservado para Conteúdo 2"/>
-          <p:cNvSpPr txBox="1">
-            <a:spLocks/>
-          </p:cNvSpPr>
-          <p:nvPr/>
-        </p:nvSpPr>
-        <p:spPr>
-          <a:xfrm>
-            <a:off x="500034" y="6000768"/>
-            <a:ext cx="8291512" cy="500066"/>
-          </a:xfrm>
-          <a:prstGeom prst="rect">
-            <a:avLst/>
-          </a:prstGeom>
-        </p:spPr>
-        <p:txBody>
-          <a:bodyPr vert="horz" lIns="91440" tIns="45720" rIns="91440" bIns="45720" rtlCol="0">
-            <a:noAutofit/>
-          </a:bodyPr>
-          <a:lstStyle/>
-          <a:p>
-            <a:pPr marL="0" marR="0" lvl="0" indent="0" algn="l" defTabSz="914400" rtl="0" eaLnBrk="1" fontAlgn="auto" latinLnBrk="0" hangingPunct="1">
-              <a:lnSpc>
-                <a:spcPct val="100000"/>
-              </a:lnSpc>
-              <a:spcBef>
-                <a:spcPct val="20000"/>
-              </a:spcBef>
-              <a:spcAft>
-                <a:spcPts val="0"/>
-              </a:spcAft>
-              <a:buClrTx/>
-              <a:buSzTx/>
-              <a:buFont typeface="Arial" pitchFamily="34" charset="0"/>
-              <a:buNone/>
-              <a:tabLst/>
-              <a:defRPr/>
-            </a:pPr>
-            <a:r>
-              <a:rPr lang="pt-BR" sz="1600" dirty="0" err="1" smtClean="0"/>
-              <a:t>Disciplina_Professor</a:t>
-            </a:r>
-            <a:r>
-              <a:rPr kumimoji="0" lang="pt-BR" sz="1600" b="0" i="0" u="none" strike="noStrike" kern="1200" cap="none" spc="0" normalizeH="0" baseline="0" noProof="0" dirty="0" smtClean="0">
-                <a:ln>
-                  <a:noFill/>
-                </a:ln>
-                <a:solidFill>
-                  <a:schemeClr val="tx1"/>
-                </a:solidFill>
-                <a:effectLst/>
-                <a:uLnTx/>
-                <a:uFillTx/>
-                <a:latin typeface="+mn-lt"/>
-                <a:ea typeface="+mn-ea"/>
-                <a:cs typeface="+mn-cs"/>
-              </a:rPr>
-              <a:t> (</a:t>
+              <a:t> (FK – Professor</a:t>
             </a:r>
             <a:r>
               <a:rPr kumimoji="0" lang="pt-BR" sz="1600" b="0" i="0" u="none" strike="noStrike" kern="1200" cap="none" spc="0" normalizeH="0" noProof="0" dirty="0" smtClean="0">
@@ -15619,109 +21052,7 @@
                 <a:ea typeface="+mn-ea"/>
                 <a:cs typeface="+mn-cs"/>
               </a:rPr>
-              <a:t> </a:t>
-            </a:r>
-            <a:r>
-              <a:rPr kumimoji="0" lang="pt-BR" sz="1600" b="0" i="0" u="sng" strike="noStrike" kern="1200" cap="none" spc="0" normalizeH="0" noProof="0" dirty="0" err="1" smtClean="0">
-                <a:ln>
-                  <a:noFill/>
-                </a:ln>
-                <a:solidFill>
-                  <a:schemeClr val="tx1"/>
-                </a:solidFill>
-                <a:effectLst/>
-                <a:uLnTx/>
-                <a:uFillTx/>
-                <a:latin typeface="+mn-lt"/>
-                <a:ea typeface="+mn-ea"/>
-                <a:cs typeface="+mn-cs"/>
-              </a:rPr>
-              <a:t>codigoDisc</a:t>
-            </a:r>
-            <a:r>
-              <a:rPr kumimoji="0" lang="pt-BR" sz="1600" b="0" i="0" u="none" strike="noStrike" kern="1200" cap="none" spc="0" normalizeH="0" noProof="0" dirty="0" smtClean="0">
-                <a:ln>
-                  <a:noFill/>
-                </a:ln>
-                <a:solidFill>
-                  <a:schemeClr val="tx1"/>
-                </a:solidFill>
-                <a:effectLst/>
-                <a:uLnTx/>
-                <a:uFillTx/>
-                <a:latin typeface="+mn-lt"/>
-                <a:ea typeface="+mn-ea"/>
-                <a:cs typeface="+mn-cs"/>
-              </a:rPr>
-              <a:t> (FK – Disciplina), </a:t>
-            </a:r>
-            <a:r>
-              <a:rPr kumimoji="0" lang="pt-BR" sz="1600" b="0" i="0" u="sng" strike="noStrike" kern="1200" cap="none" spc="0" normalizeH="0" noProof="0" dirty="0" err="1" smtClean="0">
-                <a:ln>
-                  <a:noFill/>
-                </a:ln>
-                <a:solidFill>
-                  <a:schemeClr val="tx1"/>
-                </a:solidFill>
-                <a:effectLst/>
-                <a:uLnTx/>
-                <a:uFillTx/>
-                <a:latin typeface="+mn-lt"/>
-                <a:ea typeface="+mn-ea"/>
-                <a:cs typeface="+mn-cs"/>
-              </a:rPr>
-              <a:t>idProfessor</a:t>
-            </a:r>
-            <a:r>
-              <a:rPr kumimoji="0" lang="pt-BR" sz="1600" b="0" i="0" u="none" strike="noStrike" kern="1200" cap="none" spc="0" normalizeH="0" noProof="0" dirty="0" smtClean="0">
-                <a:ln>
-                  <a:noFill/>
-                </a:ln>
-                <a:solidFill>
-                  <a:schemeClr val="tx1"/>
-                </a:solidFill>
-                <a:effectLst/>
-                <a:uLnTx/>
-                <a:uFillTx/>
-                <a:latin typeface="+mn-lt"/>
-                <a:ea typeface="+mn-ea"/>
-                <a:cs typeface="+mn-cs"/>
-              </a:rPr>
-              <a:t> (FK – Professor), </a:t>
-            </a:r>
-            <a:r>
-              <a:rPr kumimoji="0" lang="pt-BR" sz="1600" b="0" i="0" u="sng" strike="noStrike" kern="1200" cap="none" spc="0" normalizeH="0" noProof="0" dirty="0" err="1" smtClean="0">
-                <a:ln>
-                  <a:noFill/>
-                </a:ln>
-                <a:solidFill>
-                  <a:schemeClr val="tx1"/>
-                </a:solidFill>
-                <a:effectLst/>
-                <a:uLnTx/>
-                <a:uFillTx/>
-                <a:latin typeface="+mn-lt"/>
-                <a:ea typeface="+mn-ea"/>
-                <a:cs typeface="+mn-cs"/>
-              </a:rPr>
-              <a:t>isbn</a:t>
-            </a:r>
-            <a:r>
-              <a:rPr kumimoji="0" lang="pt-BR" sz="1600" b="0" i="0" u="none" strike="noStrike" kern="1200" cap="none" spc="0" normalizeH="0" noProof="0" dirty="0" smtClean="0">
-                <a:ln>
-                  <a:noFill/>
-                </a:ln>
-                <a:solidFill>
-                  <a:schemeClr val="tx1"/>
-                </a:solidFill>
-                <a:effectLst/>
-                <a:uLnTx/>
-                <a:uFillTx/>
-                <a:latin typeface="+mn-lt"/>
-                <a:ea typeface="+mn-ea"/>
-                <a:cs typeface="+mn-cs"/>
-              </a:rPr>
-              <a:t> (FK – Livro) )</a:t>
+              <a:t>), semestre, ano)</a:t>
             </a:r>
             <a:endParaRPr kumimoji="0" lang="pt-BR" sz="1600" b="0" i="0" u="none" strike="noStrike" kern="1200" cap="none" spc="0" normalizeH="0" baseline="0" noProof="0" dirty="0">
               <a:ln>
@@ -15755,7 +21086,7 @@
 </p:sld>
 </file>
 
-<file path=ppt/slides/slide7.xml><?xml version="1.0" encoding="utf-8"?>
+<file path=ppt/slides/slide8.xml><?xml version="1.0" encoding="utf-8"?>
 <p:sld xmlns:a="http://schemas.openxmlformats.org/drawingml/2006/main" xmlns:r="http://schemas.openxmlformats.org/officeDocument/2006/relationships" xmlns:p="http://schemas.openxmlformats.org/presentationml/2006/main">
   <p:cSld>
     <p:spTree>
@@ -17466,15 +22797,7 @@
                   <a:schemeClr val="tx1"/>
                 </a:solidFill>
               </a:rPr>
-              <a:t>PROJETO </a:t>
-            </a:r>
-            <a:r>
-              <a:rPr lang="pt-BR" sz="1600" dirty="0" smtClean="0">
-                <a:solidFill>
-                  <a:schemeClr val="tx1"/>
-                </a:solidFill>
-              </a:rPr>
-              <a:t>LÓGICO</a:t>
+              <a:t>PROJETO LÓGICO</a:t>
             </a:r>
             <a:endParaRPr lang="pt-BR" sz="1600" dirty="0">
               <a:solidFill>
